--- a/Icons.pptx
+++ b/Icons.pptx
@@ -6,6 +6,8 @@
   </p:sldMasterIdLst>
   <p:sldIdLst>
     <p:sldId id="256" r:id="rId2"/>
+    <p:sldId id="257" r:id="rId3"/>
+    <p:sldId id="258" r:id="rId4"/>
   </p:sldIdLst>
   <p:sldSz cx="12192000" cy="6858000"/>
   <p:notesSz cx="6858000" cy="9144000"/>
@@ -104,6 +106,11 @@
       </a:defRPr>
     </a:lvl9pPr>
   </p:defaultTextStyle>
+  <p:extLst>
+    <p:ext uri="{EFAFB233-063F-42B5-8137-9DF3F51BA10A}">
+      <p15:sldGuideLst xmlns:p15="http://schemas.microsoft.com/office/powerpoint/2012/main"/>
+    </p:ext>
+  </p:extLst>
 </p:presentation>
 </file>
 
@@ -254,7 +261,7 @@
           <a:p>
             <a:fld id="{0E87C454-FE4C-4B2F-A887-C342F7D26945}" type="datetimeFigureOut">
               <a:rPr lang="en-US" smtClean="0"/>
-              <a:t>1/4/2023</a:t>
+              <a:t>1/5/2023</a:t>
             </a:fld>
             <a:endParaRPr lang="en-US"/>
           </a:p>
@@ -452,7 +459,7 @@
           <a:p>
             <a:fld id="{0E87C454-FE4C-4B2F-A887-C342F7D26945}" type="datetimeFigureOut">
               <a:rPr lang="en-US" smtClean="0"/>
-              <a:t>1/4/2023</a:t>
+              <a:t>1/5/2023</a:t>
             </a:fld>
             <a:endParaRPr lang="en-US"/>
           </a:p>
@@ -660,7 +667,7 @@
           <a:p>
             <a:fld id="{0E87C454-FE4C-4B2F-A887-C342F7D26945}" type="datetimeFigureOut">
               <a:rPr lang="en-US" smtClean="0"/>
-              <a:t>1/4/2023</a:t>
+              <a:t>1/5/2023</a:t>
             </a:fld>
             <a:endParaRPr lang="en-US"/>
           </a:p>
@@ -858,7 +865,7 @@
           <a:p>
             <a:fld id="{0E87C454-FE4C-4B2F-A887-C342F7D26945}" type="datetimeFigureOut">
               <a:rPr lang="en-US" smtClean="0"/>
-              <a:t>1/4/2023</a:t>
+              <a:t>1/5/2023</a:t>
             </a:fld>
             <a:endParaRPr lang="en-US"/>
           </a:p>
@@ -1133,7 +1140,7 @@
           <a:p>
             <a:fld id="{0E87C454-FE4C-4B2F-A887-C342F7D26945}" type="datetimeFigureOut">
               <a:rPr lang="en-US" smtClean="0"/>
-              <a:t>1/4/2023</a:t>
+              <a:t>1/5/2023</a:t>
             </a:fld>
             <a:endParaRPr lang="en-US"/>
           </a:p>
@@ -1398,7 +1405,7 @@
           <a:p>
             <a:fld id="{0E87C454-FE4C-4B2F-A887-C342F7D26945}" type="datetimeFigureOut">
               <a:rPr lang="en-US" smtClean="0"/>
-              <a:t>1/4/2023</a:t>
+              <a:t>1/5/2023</a:t>
             </a:fld>
             <a:endParaRPr lang="en-US"/>
           </a:p>
@@ -1810,7 +1817,7 @@
           <a:p>
             <a:fld id="{0E87C454-FE4C-4B2F-A887-C342F7D26945}" type="datetimeFigureOut">
               <a:rPr lang="en-US" smtClean="0"/>
-              <a:t>1/4/2023</a:t>
+              <a:t>1/5/2023</a:t>
             </a:fld>
             <a:endParaRPr lang="en-US"/>
           </a:p>
@@ -1951,7 +1958,7 @@
           <a:p>
             <a:fld id="{0E87C454-FE4C-4B2F-A887-C342F7D26945}" type="datetimeFigureOut">
               <a:rPr lang="en-US" smtClean="0"/>
-              <a:t>1/4/2023</a:t>
+              <a:t>1/5/2023</a:t>
             </a:fld>
             <a:endParaRPr lang="en-US"/>
           </a:p>
@@ -2064,7 +2071,7 @@
           <a:p>
             <a:fld id="{0E87C454-FE4C-4B2F-A887-C342F7D26945}" type="datetimeFigureOut">
               <a:rPr lang="en-US" smtClean="0"/>
-              <a:t>1/4/2023</a:t>
+              <a:t>1/5/2023</a:t>
             </a:fld>
             <a:endParaRPr lang="en-US"/>
           </a:p>
@@ -2375,7 +2382,7 @@
           <a:p>
             <a:fld id="{0E87C454-FE4C-4B2F-A887-C342F7D26945}" type="datetimeFigureOut">
               <a:rPr lang="en-US" smtClean="0"/>
-              <a:t>1/4/2023</a:t>
+              <a:t>1/5/2023</a:t>
             </a:fld>
             <a:endParaRPr lang="en-US"/>
           </a:p>
@@ -2663,7 +2670,7 @@
           <a:p>
             <a:fld id="{0E87C454-FE4C-4B2F-A887-C342F7D26945}" type="datetimeFigureOut">
               <a:rPr lang="en-US" smtClean="0"/>
-              <a:t>1/4/2023</a:t>
+              <a:t>1/5/2023</a:t>
             </a:fld>
             <a:endParaRPr lang="en-US"/>
           </a:p>
@@ -2904,7 +2911,7 @@
           <a:p>
             <a:fld id="{0E87C454-FE4C-4B2F-A887-C342F7D26945}" type="datetimeFigureOut">
               <a:rPr lang="en-US" smtClean="0"/>
-              <a:t>1/4/2023</a:t>
+              <a:t>1/5/2023</a:t>
             </a:fld>
             <a:endParaRPr lang="en-US"/>
           </a:p>
@@ -3335,7 +3342,7 @@
         </p:nvGrpSpPr>
         <p:grpSpPr>
           <a:xfrm>
-            <a:off x="5332036" y="1612691"/>
+            <a:off x="3586368" y="1612691"/>
             <a:ext cx="2743200" cy="3398362"/>
             <a:chOff x="5332036" y="1612691"/>
             <a:chExt cx="2743200" cy="3398362"/>
@@ -3565,7 +3572,7 @@
         </p:nvGrpSpPr>
         <p:grpSpPr>
           <a:xfrm>
-            <a:off x="1988505" y="1612691"/>
+            <a:off x="242837" y="1612691"/>
             <a:ext cx="2743200" cy="3398362"/>
             <a:chOff x="4119514" y="1178351"/>
             <a:chExt cx="2743200" cy="3398362"/>
@@ -3702,10 +3709,7385 @@
           </p:txBody>
         </p:sp>
       </p:grpSp>
+      <p:sp>
+        <p:nvSpPr>
+          <p:cNvPr id="2" name="Rectangle 1">
+            <a:extLst>
+              <a:ext uri="{FF2B5EF4-FFF2-40B4-BE49-F238E27FC236}">
+                <a16:creationId xmlns:a16="http://schemas.microsoft.com/office/drawing/2014/main" id="{CDE349AE-A082-2893-45D5-4D06F9485B1B}"/>
+              </a:ext>
+            </a:extLst>
+          </p:cNvPr>
+          <p:cNvSpPr/>
+          <p:nvPr/>
+        </p:nvSpPr>
+        <p:spPr>
+          <a:xfrm>
+            <a:off x="7213600" y="1612691"/>
+            <a:ext cx="4735563" cy="2275818"/>
+          </a:xfrm>
+          <a:prstGeom prst="rect">
+            <a:avLst/>
+          </a:prstGeom>
+        </p:spPr>
+        <p:style>
+          <a:lnRef idx="2">
+            <a:schemeClr val="accent1">
+              <a:shade val="50000"/>
+            </a:schemeClr>
+          </a:lnRef>
+          <a:fillRef idx="1">
+            <a:schemeClr val="accent1"/>
+          </a:fillRef>
+          <a:effectRef idx="0">
+            <a:schemeClr val="accent1"/>
+          </a:effectRef>
+          <a:fontRef idx="minor">
+            <a:schemeClr val="lt1"/>
+          </a:fontRef>
+        </p:style>
+        <p:txBody>
+          <a:bodyPr rtlCol="0" anchor="ctr"/>
+          <a:lstStyle/>
+          <a:p>
+            <a:pPr algn="ctr"/>
+            <a:endParaRPr lang="en-US"/>
+          </a:p>
+        </p:txBody>
+      </p:sp>
     </p:spTree>
     <p:extLst>
       <p:ext uri="{BB962C8B-B14F-4D97-AF65-F5344CB8AC3E}">
         <p14:creationId xmlns:p14="http://schemas.microsoft.com/office/powerpoint/2010/main" val="3972203930"/>
+      </p:ext>
+    </p:extLst>
+  </p:cSld>
+  <p:clrMapOvr>
+    <a:masterClrMapping/>
+  </p:clrMapOvr>
+</p:sld>
+</file>
+
+<file path=ppt/slides/slide2.xml><?xml version="1.0" encoding="utf-8"?>
+<p:sld xmlns:a="http://schemas.openxmlformats.org/drawingml/2006/main" xmlns:r="http://schemas.openxmlformats.org/officeDocument/2006/relationships" xmlns:p="http://schemas.openxmlformats.org/presentationml/2006/main">
+  <p:cSld>
+    <p:spTree>
+      <p:nvGrpSpPr>
+        <p:cNvPr id="1" name=""/>
+        <p:cNvGrpSpPr/>
+        <p:nvPr/>
+      </p:nvGrpSpPr>
+      <p:grpSpPr>
+        <a:xfrm>
+          <a:off x="0" y="0"/>
+          <a:ext cx="0" cy="0"/>
+          <a:chOff x="0" y="0"/>
+          <a:chExt cx="0" cy="0"/>
+        </a:xfrm>
+      </p:grpSpPr>
+      <p:grpSp>
+        <p:nvGrpSpPr>
+          <p:cNvPr id="18" name="Group 17">
+            <a:extLst>
+              <a:ext uri="{FF2B5EF4-FFF2-40B4-BE49-F238E27FC236}">
+                <a16:creationId xmlns:a16="http://schemas.microsoft.com/office/drawing/2014/main" id="{A7B9016B-EA23-BF68-E774-67D80C2F5D53}"/>
+              </a:ext>
+            </a:extLst>
+          </p:cNvPr>
+          <p:cNvGrpSpPr/>
+          <p:nvPr/>
+        </p:nvGrpSpPr>
+        <p:grpSpPr>
+          <a:xfrm>
+            <a:off x="3586368" y="3238291"/>
+            <a:ext cx="2743200" cy="3398362"/>
+            <a:chOff x="5332036" y="1612691"/>
+            <a:chExt cx="2743200" cy="3398362"/>
+          </a:xfrm>
+        </p:grpSpPr>
+        <p:grpSp>
+          <p:nvGrpSpPr>
+            <p:cNvPr id="10" name="Group 9">
+              <a:extLst>
+                <a:ext uri="{FF2B5EF4-FFF2-40B4-BE49-F238E27FC236}">
+                  <a16:creationId xmlns:a16="http://schemas.microsoft.com/office/drawing/2014/main" id="{82F39FDD-4C4E-9492-AFB3-61909DBAC3AF}"/>
+                </a:ext>
+              </a:extLst>
+            </p:cNvPr>
+            <p:cNvGrpSpPr/>
+            <p:nvPr/>
+          </p:nvGrpSpPr>
+          <p:grpSpPr>
+            <a:xfrm>
+              <a:off x="5332036" y="1612691"/>
+              <a:ext cx="2743200" cy="3398362"/>
+              <a:chOff x="4119514" y="1178351"/>
+              <a:chExt cx="2743200" cy="3398362"/>
+            </a:xfrm>
+            <a:gradFill flip="none" rotWithShape="1">
+              <a:gsLst>
+                <a:gs pos="22954">
+                  <a:schemeClr val="bg1">
+                    <a:lumMod val="50000"/>
+                  </a:schemeClr>
+                </a:gs>
+                <a:gs pos="0">
+                  <a:schemeClr val="bg1">
+                    <a:lumMod val="75000"/>
+                  </a:schemeClr>
+                </a:gs>
+                <a:gs pos="54000">
+                  <a:schemeClr val="tx1">
+                    <a:lumMod val="65000"/>
+                    <a:lumOff val="35000"/>
+                  </a:schemeClr>
+                </a:gs>
+                <a:gs pos="76000">
+                  <a:schemeClr val="tx1">
+                    <a:lumMod val="85000"/>
+                    <a:lumOff val="15000"/>
+                  </a:schemeClr>
+                </a:gs>
+              </a:gsLst>
+              <a:path path="circle">
+                <a:fillToRect l="50000" t="130000" r="50000" b="-30000"/>
+              </a:path>
+              <a:tileRect/>
+            </a:gradFill>
+          </p:grpSpPr>
+          <p:sp>
+            <p:nvSpPr>
+              <p:cNvPr id="11" name="Dodecagon 10">
+                <a:extLst>
+                  <a:ext uri="{FF2B5EF4-FFF2-40B4-BE49-F238E27FC236}">
+                    <a16:creationId xmlns:a16="http://schemas.microsoft.com/office/drawing/2014/main" id="{739511EA-2860-6262-55C7-2671C08305C5}"/>
+                  </a:ext>
+                </a:extLst>
+              </p:cNvPr>
+              <p:cNvSpPr/>
+              <p:nvPr/>
+            </p:nvSpPr>
+            <p:spPr>
+              <a:xfrm>
+                <a:off x="4119514" y="1833513"/>
+                <a:ext cx="2743200" cy="2743200"/>
+              </a:xfrm>
+              <a:prstGeom prst="dodecagon">
+                <a:avLst/>
+              </a:prstGeom>
+              <a:grpFill/>
+              <a:ln>
+                <a:noFill/>
+              </a:ln>
+            </p:spPr>
+            <p:style>
+              <a:lnRef idx="2">
+                <a:schemeClr val="accent1">
+                  <a:shade val="50000"/>
+                </a:schemeClr>
+              </a:lnRef>
+              <a:fillRef idx="1">
+                <a:schemeClr val="accent1"/>
+              </a:fillRef>
+              <a:effectRef idx="0">
+                <a:schemeClr val="accent1"/>
+              </a:effectRef>
+              <a:fontRef idx="minor">
+                <a:schemeClr val="lt1"/>
+              </a:fontRef>
+            </p:style>
+            <p:txBody>
+              <a:bodyPr rtlCol="0" anchor="ctr"/>
+              <a:lstStyle/>
+              <a:p>
+                <a:pPr algn="ctr"/>
+                <a:endParaRPr lang="en-US"/>
+              </a:p>
+            </p:txBody>
+          </p:sp>
+          <p:sp>
+            <p:nvSpPr>
+              <p:cNvPr id="12" name="Isosceles Triangle 11">
+                <a:extLst>
+                  <a:ext uri="{FF2B5EF4-FFF2-40B4-BE49-F238E27FC236}">
+                    <a16:creationId xmlns:a16="http://schemas.microsoft.com/office/drawing/2014/main" id="{6D610376-9F92-D295-B009-BA60FD9B157C}"/>
+                  </a:ext>
+                </a:extLst>
+              </p:cNvPr>
+              <p:cNvSpPr/>
+              <p:nvPr/>
+            </p:nvSpPr>
+            <p:spPr>
+              <a:xfrm>
+                <a:off x="5118755" y="1178351"/>
+                <a:ext cx="744717" cy="655162"/>
+              </a:xfrm>
+              <a:prstGeom prst="triangle">
+                <a:avLst/>
+              </a:prstGeom>
+              <a:grpFill/>
+              <a:ln>
+                <a:noFill/>
+              </a:ln>
+            </p:spPr>
+            <p:style>
+              <a:lnRef idx="2">
+                <a:schemeClr val="accent1">
+                  <a:shade val="50000"/>
+                </a:schemeClr>
+              </a:lnRef>
+              <a:fillRef idx="1">
+                <a:schemeClr val="accent1"/>
+              </a:fillRef>
+              <a:effectRef idx="0">
+                <a:schemeClr val="accent1"/>
+              </a:effectRef>
+              <a:fontRef idx="minor">
+                <a:schemeClr val="lt1"/>
+              </a:fontRef>
+            </p:style>
+            <p:txBody>
+              <a:bodyPr rtlCol="0" anchor="ctr"/>
+              <a:lstStyle/>
+              <a:p>
+                <a:pPr algn="ctr"/>
+                <a:endParaRPr lang="en-US"/>
+              </a:p>
+            </p:txBody>
+          </p:sp>
+        </p:grpSp>
+        <p:sp>
+          <p:nvSpPr>
+            <p:cNvPr id="13" name="Oval 12">
+              <a:extLst>
+                <a:ext uri="{FF2B5EF4-FFF2-40B4-BE49-F238E27FC236}">
+                  <a16:creationId xmlns:a16="http://schemas.microsoft.com/office/drawing/2014/main" id="{D611A2E7-6265-9272-A165-F526748B865D}"/>
+                </a:ext>
+              </a:extLst>
+            </p:cNvPr>
+            <p:cNvSpPr/>
+            <p:nvPr/>
+          </p:nvSpPr>
+          <p:spPr>
+            <a:xfrm rot="5400000">
+              <a:off x="5907816" y="3240777"/>
+              <a:ext cx="1591637" cy="797351"/>
+            </a:xfrm>
+            <a:prstGeom prst="ellipse">
+              <a:avLst/>
+            </a:prstGeom>
+            <a:blipFill>
+              <a:blip r:embed="rId2"/>
+              <a:tile tx="0" ty="0" sx="100000" sy="100000" flip="none" algn="tl"/>
+            </a:blipFill>
+            <a:ln w="19050">
+              <a:solidFill>
+                <a:schemeClr val="tx1">
+                  <a:lumMod val="85000"/>
+                  <a:lumOff val="15000"/>
+                </a:schemeClr>
+              </a:solidFill>
+            </a:ln>
+          </p:spPr>
+          <p:style>
+            <a:lnRef idx="2">
+              <a:schemeClr val="accent1">
+                <a:shade val="50000"/>
+              </a:schemeClr>
+            </a:lnRef>
+            <a:fillRef idx="1">
+              <a:schemeClr val="accent1"/>
+            </a:fillRef>
+            <a:effectRef idx="0">
+              <a:schemeClr val="accent1"/>
+            </a:effectRef>
+            <a:fontRef idx="minor">
+              <a:schemeClr val="lt1"/>
+            </a:fontRef>
+          </p:style>
+          <p:txBody>
+            <a:bodyPr rtlCol="0" anchor="ctr"/>
+            <a:lstStyle/>
+            <a:p>
+              <a:pPr algn="ctr"/>
+              <a:endParaRPr lang="en-US"/>
+            </a:p>
+          </p:txBody>
+        </p:sp>
+      </p:grpSp>
+      <p:grpSp>
+        <p:nvGrpSpPr>
+          <p:cNvPr id="14" name="Group 13">
+            <a:extLst>
+              <a:ext uri="{FF2B5EF4-FFF2-40B4-BE49-F238E27FC236}">
+                <a16:creationId xmlns:a16="http://schemas.microsoft.com/office/drawing/2014/main" id="{6A09958E-9EF2-800D-CCB4-4B8225081F23}"/>
+              </a:ext>
+            </a:extLst>
+          </p:cNvPr>
+          <p:cNvGrpSpPr/>
+          <p:nvPr/>
+        </p:nvGrpSpPr>
+        <p:grpSpPr>
+          <a:xfrm>
+            <a:off x="242837" y="3238291"/>
+            <a:ext cx="2743200" cy="3398362"/>
+            <a:chOff x="4119514" y="1178351"/>
+            <a:chExt cx="2743200" cy="3398362"/>
+          </a:xfrm>
+          <a:gradFill flip="none" rotWithShape="1">
+            <a:gsLst>
+              <a:gs pos="22954">
+                <a:schemeClr val="bg1">
+                  <a:lumMod val="50000"/>
+                </a:schemeClr>
+              </a:gs>
+              <a:gs pos="0">
+                <a:schemeClr val="bg1">
+                  <a:lumMod val="75000"/>
+                </a:schemeClr>
+              </a:gs>
+              <a:gs pos="54000">
+                <a:schemeClr val="tx1">
+                  <a:lumMod val="65000"/>
+                  <a:lumOff val="35000"/>
+                </a:schemeClr>
+              </a:gs>
+              <a:gs pos="76000">
+                <a:schemeClr val="tx1">
+                  <a:lumMod val="85000"/>
+                  <a:lumOff val="15000"/>
+                </a:schemeClr>
+              </a:gs>
+            </a:gsLst>
+            <a:path path="circle">
+              <a:fillToRect l="50000" t="130000" r="50000" b="-30000"/>
+            </a:path>
+            <a:tileRect/>
+          </a:gradFill>
+        </p:grpSpPr>
+        <p:sp>
+          <p:nvSpPr>
+            <p:cNvPr id="15" name="Dodecagon 14">
+              <a:extLst>
+                <a:ext uri="{FF2B5EF4-FFF2-40B4-BE49-F238E27FC236}">
+                  <a16:creationId xmlns:a16="http://schemas.microsoft.com/office/drawing/2014/main" id="{9BB84F1F-E022-68B0-C9EA-C97674CBB2E7}"/>
+                </a:ext>
+              </a:extLst>
+            </p:cNvPr>
+            <p:cNvSpPr/>
+            <p:nvPr/>
+          </p:nvSpPr>
+          <p:spPr>
+            <a:xfrm>
+              <a:off x="4119514" y="1833513"/>
+              <a:ext cx="2743200" cy="2743200"/>
+            </a:xfrm>
+            <a:prstGeom prst="dodecagon">
+              <a:avLst/>
+            </a:prstGeom>
+            <a:grpFill/>
+            <a:ln>
+              <a:noFill/>
+            </a:ln>
+          </p:spPr>
+          <p:style>
+            <a:lnRef idx="2">
+              <a:schemeClr val="accent1">
+                <a:shade val="50000"/>
+              </a:schemeClr>
+            </a:lnRef>
+            <a:fillRef idx="1">
+              <a:schemeClr val="accent1"/>
+            </a:fillRef>
+            <a:effectRef idx="0">
+              <a:schemeClr val="accent1"/>
+            </a:effectRef>
+            <a:fontRef idx="minor">
+              <a:schemeClr val="lt1"/>
+            </a:fontRef>
+          </p:style>
+          <p:txBody>
+            <a:bodyPr rtlCol="0" anchor="ctr"/>
+            <a:lstStyle/>
+            <a:p>
+              <a:pPr algn="ctr"/>
+              <a:endParaRPr lang="en-US"/>
+            </a:p>
+          </p:txBody>
+        </p:sp>
+        <p:sp>
+          <p:nvSpPr>
+            <p:cNvPr id="16" name="Isosceles Triangle 15">
+              <a:extLst>
+                <a:ext uri="{FF2B5EF4-FFF2-40B4-BE49-F238E27FC236}">
+                  <a16:creationId xmlns:a16="http://schemas.microsoft.com/office/drawing/2014/main" id="{97FE0C15-7F43-DF8C-A24D-9A06A2BA767D}"/>
+                </a:ext>
+              </a:extLst>
+            </p:cNvPr>
+            <p:cNvSpPr/>
+            <p:nvPr/>
+          </p:nvSpPr>
+          <p:spPr>
+            <a:xfrm>
+              <a:off x="5118755" y="1178351"/>
+              <a:ext cx="744717" cy="655162"/>
+            </a:xfrm>
+            <a:prstGeom prst="triangle">
+              <a:avLst/>
+            </a:prstGeom>
+            <a:grpFill/>
+            <a:ln>
+              <a:noFill/>
+            </a:ln>
+          </p:spPr>
+          <p:style>
+            <a:lnRef idx="2">
+              <a:schemeClr val="accent1">
+                <a:shade val="50000"/>
+              </a:schemeClr>
+            </a:lnRef>
+            <a:fillRef idx="1">
+              <a:schemeClr val="accent1"/>
+            </a:fillRef>
+            <a:effectRef idx="0">
+              <a:schemeClr val="accent1"/>
+            </a:effectRef>
+            <a:fontRef idx="minor">
+              <a:schemeClr val="lt1"/>
+            </a:fontRef>
+          </p:style>
+          <p:txBody>
+            <a:bodyPr rtlCol="0" anchor="ctr"/>
+            <a:lstStyle/>
+            <a:p>
+              <a:pPr algn="ctr"/>
+              <a:endParaRPr lang="en-US"/>
+            </a:p>
+          </p:txBody>
+        </p:sp>
+      </p:grpSp>
+      <p:sp>
+        <p:nvSpPr>
+          <p:cNvPr id="2" name="Rectangle 1">
+            <a:extLst>
+              <a:ext uri="{FF2B5EF4-FFF2-40B4-BE49-F238E27FC236}">
+                <a16:creationId xmlns:a16="http://schemas.microsoft.com/office/drawing/2014/main" id="{CDE349AE-A082-2893-45D5-4D06F9485B1B}"/>
+              </a:ext>
+            </a:extLst>
+          </p:cNvPr>
+          <p:cNvSpPr/>
+          <p:nvPr/>
+        </p:nvSpPr>
+        <p:spPr>
+          <a:xfrm>
+            <a:off x="3417454" y="221347"/>
+            <a:ext cx="4735563" cy="1463018"/>
+          </a:xfrm>
+          <a:prstGeom prst="rect">
+            <a:avLst/>
+          </a:prstGeom>
+        </p:spPr>
+        <p:style>
+          <a:lnRef idx="2">
+            <a:schemeClr val="accent1">
+              <a:shade val="50000"/>
+            </a:schemeClr>
+          </a:lnRef>
+          <a:fillRef idx="1">
+            <a:schemeClr val="accent1"/>
+          </a:fillRef>
+          <a:effectRef idx="0">
+            <a:schemeClr val="accent1"/>
+          </a:effectRef>
+          <a:fontRef idx="minor">
+            <a:schemeClr val="lt1"/>
+          </a:fontRef>
+        </p:style>
+        <p:txBody>
+          <a:bodyPr rtlCol="0" anchor="ctr"/>
+          <a:lstStyle/>
+          <a:p>
+            <a:pPr algn="ctr"/>
+            <a:endParaRPr lang="en-US" dirty="0"/>
+          </a:p>
+        </p:txBody>
+      </p:sp>
+    </p:spTree>
+    <p:extLst>
+      <p:ext uri="{BB962C8B-B14F-4D97-AF65-F5344CB8AC3E}">
+        <p14:creationId xmlns:p14="http://schemas.microsoft.com/office/powerpoint/2010/main" val="3502683891"/>
+      </p:ext>
+    </p:extLst>
+  </p:cSld>
+  <p:clrMapOvr>
+    <a:masterClrMapping/>
+  </p:clrMapOvr>
+</p:sld>
+</file>
+
+<file path=ppt/slides/slide3.xml><?xml version="1.0" encoding="utf-8"?>
+<p:sld xmlns:a="http://schemas.openxmlformats.org/drawingml/2006/main" xmlns:r="http://schemas.openxmlformats.org/officeDocument/2006/relationships" xmlns:p="http://schemas.openxmlformats.org/presentationml/2006/main">
+  <p:cSld>
+    <p:spTree>
+      <p:nvGrpSpPr>
+        <p:cNvPr id="1" name=""/>
+        <p:cNvGrpSpPr/>
+        <p:nvPr/>
+      </p:nvGrpSpPr>
+      <p:grpSpPr>
+        <a:xfrm>
+          <a:off x="0" y="0"/>
+          <a:ext cx="0" cy="0"/>
+          <a:chOff x="0" y="0"/>
+          <a:chExt cx="0" cy="0"/>
+        </a:xfrm>
+      </p:grpSpPr>
+      <p:sp>
+        <p:nvSpPr>
+          <p:cNvPr id="19" name="Rectangle 18">
+            <a:extLst>
+              <a:ext uri="{FF2B5EF4-FFF2-40B4-BE49-F238E27FC236}">
+                <a16:creationId xmlns:a16="http://schemas.microsoft.com/office/drawing/2014/main" id="{91C8098D-95A2-F60A-CC4F-29A692B71F56}"/>
+              </a:ext>
+            </a:extLst>
+          </p:cNvPr>
+          <p:cNvSpPr/>
+          <p:nvPr/>
+        </p:nvSpPr>
+        <p:spPr>
+          <a:xfrm>
+            <a:off x="377072" y="0"/>
+            <a:ext cx="523625" cy="6858000"/>
+          </a:xfrm>
+          <a:prstGeom prst="rect">
+            <a:avLst/>
+          </a:prstGeom>
+          <a:noFill/>
+          <a:ln w="19050">
+            <a:solidFill>
+              <a:srgbClr val="C00000"/>
+            </a:solidFill>
+          </a:ln>
+        </p:spPr>
+        <p:style>
+          <a:lnRef idx="2">
+            <a:schemeClr val="accent1">
+              <a:shade val="50000"/>
+            </a:schemeClr>
+          </a:lnRef>
+          <a:fillRef idx="1">
+            <a:schemeClr val="accent1"/>
+          </a:fillRef>
+          <a:effectRef idx="0">
+            <a:schemeClr val="accent1"/>
+          </a:effectRef>
+          <a:fontRef idx="minor">
+            <a:schemeClr val="lt1"/>
+          </a:fontRef>
+        </p:style>
+        <p:txBody>
+          <a:bodyPr rtlCol="0" anchor="ctr"/>
+          <a:lstStyle/>
+          <a:p>
+            <a:pPr algn="ctr"/>
+            <a:endParaRPr lang="en-US"/>
+          </a:p>
+        </p:txBody>
+      </p:sp>
+      <p:grpSp>
+        <p:nvGrpSpPr>
+          <p:cNvPr id="386" name="Group 385">
+            <a:extLst>
+              <a:ext uri="{FF2B5EF4-FFF2-40B4-BE49-F238E27FC236}">
+                <a16:creationId xmlns:a16="http://schemas.microsoft.com/office/drawing/2014/main" id="{48C6F1B1-FA37-9F05-6228-0BB60859A014}"/>
+              </a:ext>
+            </a:extLst>
+          </p:cNvPr>
+          <p:cNvGrpSpPr/>
+          <p:nvPr/>
+        </p:nvGrpSpPr>
+        <p:grpSpPr>
+          <a:xfrm>
+            <a:off x="386854" y="122548"/>
+            <a:ext cx="499204" cy="216818"/>
+            <a:chOff x="386854" y="122548"/>
+            <a:chExt cx="499204" cy="216818"/>
+          </a:xfrm>
+        </p:grpSpPr>
+        <p:sp>
+          <p:nvSpPr>
+            <p:cNvPr id="22" name="Oval 21">
+              <a:extLst>
+                <a:ext uri="{FF2B5EF4-FFF2-40B4-BE49-F238E27FC236}">
+                  <a16:creationId xmlns:a16="http://schemas.microsoft.com/office/drawing/2014/main" id="{19380C31-08FA-C4B4-0F79-238751470F27}"/>
+                </a:ext>
+              </a:extLst>
+            </p:cNvPr>
+            <p:cNvSpPr/>
+            <p:nvPr/>
+          </p:nvSpPr>
+          <p:spPr>
+            <a:xfrm>
+              <a:off x="520977" y="122548"/>
+              <a:ext cx="230958" cy="216818"/>
+            </a:xfrm>
+            <a:prstGeom prst="ellipse">
+              <a:avLst/>
+            </a:prstGeom>
+            <a:noFill/>
+            <a:ln>
+              <a:solidFill>
+                <a:schemeClr val="tx1"/>
+              </a:solidFill>
+            </a:ln>
+          </p:spPr>
+          <p:style>
+            <a:lnRef idx="2">
+              <a:schemeClr val="accent1">
+                <a:shade val="50000"/>
+              </a:schemeClr>
+            </a:lnRef>
+            <a:fillRef idx="1">
+              <a:schemeClr val="accent1"/>
+            </a:fillRef>
+            <a:effectRef idx="0">
+              <a:schemeClr val="accent1"/>
+            </a:effectRef>
+            <a:fontRef idx="minor">
+              <a:schemeClr val="lt1"/>
+            </a:fontRef>
+          </p:style>
+          <p:txBody>
+            <a:bodyPr rtlCol="0" anchor="ctr"/>
+            <a:lstStyle/>
+            <a:p>
+              <a:pPr algn="ctr"/>
+              <a:endParaRPr lang="en-US"/>
+            </a:p>
+          </p:txBody>
+        </p:sp>
+        <p:cxnSp>
+          <p:nvCxnSpPr>
+            <p:cNvPr id="28" name="Straight Connector 27">
+              <a:extLst>
+                <a:ext uri="{FF2B5EF4-FFF2-40B4-BE49-F238E27FC236}">
+                  <a16:creationId xmlns:a16="http://schemas.microsoft.com/office/drawing/2014/main" id="{0CC97BA7-31E2-1B05-E989-3E76EFC26202}"/>
+                </a:ext>
+              </a:extLst>
+            </p:cNvPr>
+            <p:cNvCxnSpPr>
+              <a:cxnSpLocks/>
+              <a:stCxn id="22" idx="2"/>
+            </p:cNvCxnSpPr>
+            <p:nvPr/>
+          </p:nvCxnSpPr>
+          <p:spPr>
+            <a:xfrm flipH="1" flipV="1">
+              <a:off x="386854" y="230955"/>
+              <a:ext cx="134123" cy="2"/>
+            </a:xfrm>
+            <a:prstGeom prst="line">
+              <a:avLst/>
+            </a:prstGeom>
+            <a:ln w="12700">
+              <a:solidFill>
+                <a:schemeClr val="tx1"/>
+              </a:solidFill>
+            </a:ln>
+          </p:spPr>
+          <p:style>
+            <a:lnRef idx="1">
+              <a:schemeClr val="accent1"/>
+            </a:lnRef>
+            <a:fillRef idx="0">
+              <a:schemeClr val="accent1"/>
+            </a:fillRef>
+            <a:effectRef idx="0">
+              <a:schemeClr val="accent1"/>
+            </a:effectRef>
+            <a:fontRef idx="minor">
+              <a:schemeClr val="tx1"/>
+            </a:fontRef>
+          </p:style>
+        </p:cxnSp>
+        <p:cxnSp>
+          <p:nvCxnSpPr>
+            <p:cNvPr id="31" name="Straight Connector 30">
+              <a:extLst>
+                <a:ext uri="{FF2B5EF4-FFF2-40B4-BE49-F238E27FC236}">
+                  <a16:creationId xmlns:a16="http://schemas.microsoft.com/office/drawing/2014/main" id="{7F6CD11E-80EB-3D6B-32BF-C07D2A811569}"/>
+                </a:ext>
+              </a:extLst>
+            </p:cNvPr>
+            <p:cNvCxnSpPr>
+              <a:cxnSpLocks/>
+              <a:endCxn id="22" idx="6"/>
+            </p:cNvCxnSpPr>
+            <p:nvPr/>
+          </p:nvCxnSpPr>
+          <p:spPr>
+            <a:xfrm flipH="1">
+              <a:off x="751935" y="230955"/>
+              <a:ext cx="134123" cy="2"/>
+            </a:xfrm>
+            <a:prstGeom prst="line">
+              <a:avLst/>
+            </a:prstGeom>
+            <a:ln w="12700">
+              <a:solidFill>
+                <a:schemeClr val="tx1"/>
+              </a:solidFill>
+            </a:ln>
+          </p:spPr>
+          <p:style>
+            <a:lnRef idx="1">
+              <a:schemeClr val="accent1"/>
+            </a:lnRef>
+            <a:fillRef idx="0">
+              <a:schemeClr val="accent1"/>
+            </a:fillRef>
+            <a:effectRef idx="0">
+              <a:schemeClr val="accent1"/>
+            </a:effectRef>
+            <a:fontRef idx="minor">
+              <a:schemeClr val="tx1"/>
+            </a:fontRef>
+          </p:style>
+        </p:cxnSp>
+      </p:grpSp>
+      <p:grpSp>
+        <p:nvGrpSpPr>
+          <p:cNvPr id="387" name="Group 386">
+            <a:extLst>
+              <a:ext uri="{FF2B5EF4-FFF2-40B4-BE49-F238E27FC236}">
+                <a16:creationId xmlns:a16="http://schemas.microsoft.com/office/drawing/2014/main" id="{5551D2BB-467E-0D9C-FF3E-ECA925B45B22}"/>
+              </a:ext>
+            </a:extLst>
+          </p:cNvPr>
+          <p:cNvGrpSpPr/>
+          <p:nvPr/>
+        </p:nvGrpSpPr>
+        <p:grpSpPr>
+          <a:xfrm>
+            <a:off x="428647" y="420329"/>
+            <a:ext cx="415618" cy="89383"/>
+            <a:chOff x="428647" y="420329"/>
+            <a:chExt cx="415618" cy="89383"/>
+          </a:xfrm>
+        </p:grpSpPr>
+        <p:cxnSp>
+          <p:nvCxnSpPr>
+            <p:cNvPr id="17" name="Straight Connector 16">
+              <a:extLst>
+                <a:ext uri="{FF2B5EF4-FFF2-40B4-BE49-F238E27FC236}">
+                  <a16:creationId xmlns:a16="http://schemas.microsoft.com/office/drawing/2014/main" id="{85E14C9A-83C2-CACF-A5EF-57C297671F2C}"/>
+                </a:ext>
+              </a:extLst>
+            </p:cNvPr>
+            <p:cNvCxnSpPr>
+              <a:cxnSpLocks/>
+              <a:stCxn id="34" idx="2"/>
+              <a:endCxn id="26" idx="6"/>
+            </p:cNvCxnSpPr>
+            <p:nvPr/>
+          </p:nvCxnSpPr>
+          <p:spPr>
+            <a:xfrm flipH="1">
+              <a:off x="520977" y="465021"/>
+              <a:ext cx="230958" cy="0"/>
+            </a:xfrm>
+            <a:prstGeom prst="line">
+              <a:avLst/>
+            </a:prstGeom>
+            <a:ln w="12700">
+              <a:solidFill>
+                <a:schemeClr val="tx1"/>
+              </a:solidFill>
+            </a:ln>
+          </p:spPr>
+          <p:style>
+            <a:lnRef idx="1">
+              <a:schemeClr val="accent1"/>
+            </a:lnRef>
+            <a:fillRef idx="0">
+              <a:schemeClr val="accent1"/>
+            </a:fillRef>
+            <a:effectRef idx="0">
+              <a:schemeClr val="accent1"/>
+            </a:effectRef>
+            <a:fontRef idx="minor">
+              <a:schemeClr val="tx1"/>
+            </a:fontRef>
+          </p:style>
+        </p:cxnSp>
+        <p:sp>
+          <p:nvSpPr>
+            <p:cNvPr id="26" name="Oval 25">
+              <a:extLst>
+                <a:ext uri="{FF2B5EF4-FFF2-40B4-BE49-F238E27FC236}">
+                  <a16:creationId xmlns:a16="http://schemas.microsoft.com/office/drawing/2014/main" id="{F0A8C059-93CA-AEC4-32B2-7B6994C835B4}"/>
+                </a:ext>
+              </a:extLst>
+            </p:cNvPr>
+            <p:cNvSpPr/>
+            <p:nvPr/>
+          </p:nvSpPr>
+          <p:spPr>
+            <a:xfrm>
+              <a:off x="428647" y="420329"/>
+              <a:ext cx="92330" cy="89383"/>
+            </a:xfrm>
+            <a:prstGeom prst="ellipse">
+              <a:avLst/>
+            </a:prstGeom>
+            <a:noFill/>
+            <a:ln>
+              <a:solidFill>
+                <a:schemeClr val="tx1"/>
+              </a:solidFill>
+            </a:ln>
+          </p:spPr>
+          <p:style>
+            <a:lnRef idx="2">
+              <a:schemeClr val="accent1">
+                <a:shade val="50000"/>
+              </a:schemeClr>
+            </a:lnRef>
+            <a:fillRef idx="1">
+              <a:schemeClr val="accent1"/>
+            </a:fillRef>
+            <a:effectRef idx="0">
+              <a:schemeClr val="accent1"/>
+            </a:effectRef>
+            <a:fontRef idx="minor">
+              <a:schemeClr val="lt1"/>
+            </a:fontRef>
+          </p:style>
+          <p:txBody>
+            <a:bodyPr rtlCol="0" anchor="ctr"/>
+            <a:lstStyle/>
+            <a:p>
+              <a:pPr algn="ctr"/>
+              <a:endParaRPr lang="en-US"/>
+            </a:p>
+          </p:txBody>
+        </p:sp>
+        <p:sp>
+          <p:nvSpPr>
+            <p:cNvPr id="34" name="Oval 33">
+              <a:extLst>
+                <a:ext uri="{FF2B5EF4-FFF2-40B4-BE49-F238E27FC236}">
+                  <a16:creationId xmlns:a16="http://schemas.microsoft.com/office/drawing/2014/main" id="{006459AB-89EA-11BA-0BE9-FA304A102C13}"/>
+                </a:ext>
+              </a:extLst>
+            </p:cNvPr>
+            <p:cNvSpPr/>
+            <p:nvPr/>
+          </p:nvSpPr>
+          <p:spPr>
+            <a:xfrm>
+              <a:off x="751935" y="420329"/>
+              <a:ext cx="92330" cy="89383"/>
+            </a:xfrm>
+            <a:prstGeom prst="ellipse">
+              <a:avLst/>
+            </a:prstGeom>
+            <a:noFill/>
+            <a:ln>
+              <a:solidFill>
+                <a:schemeClr val="tx1"/>
+              </a:solidFill>
+            </a:ln>
+          </p:spPr>
+          <p:style>
+            <a:lnRef idx="2">
+              <a:schemeClr val="accent1">
+                <a:shade val="50000"/>
+              </a:schemeClr>
+            </a:lnRef>
+            <a:fillRef idx="1">
+              <a:schemeClr val="accent1"/>
+            </a:fillRef>
+            <a:effectRef idx="0">
+              <a:schemeClr val="accent1"/>
+            </a:effectRef>
+            <a:fontRef idx="minor">
+              <a:schemeClr val="lt1"/>
+            </a:fontRef>
+          </p:style>
+          <p:txBody>
+            <a:bodyPr rtlCol="0" anchor="ctr"/>
+            <a:lstStyle/>
+            <a:p>
+              <a:pPr algn="ctr"/>
+              <a:endParaRPr lang="en-US"/>
+            </a:p>
+          </p:txBody>
+        </p:sp>
+      </p:grpSp>
+      <p:grpSp>
+        <p:nvGrpSpPr>
+          <p:cNvPr id="86" name="Group 85">
+            <a:extLst>
+              <a:ext uri="{FF2B5EF4-FFF2-40B4-BE49-F238E27FC236}">
+                <a16:creationId xmlns:a16="http://schemas.microsoft.com/office/drawing/2014/main" id="{775C04AE-B85F-5125-8717-6255E16192FF}"/>
+              </a:ext>
+            </a:extLst>
+          </p:cNvPr>
+          <p:cNvGrpSpPr/>
+          <p:nvPr/>
+        </p:nvGrpSpPr>
+        <p:grpSpPr>
+          <a:xfrm>
+            <a:off x="553774" y="614363"/>
+            <a:ext cx="165364" cy="123949"/>
+            <a:chOff x="553774" y="614363"/>
+            <a:chExt cx="165364" cy="123949"/>
+          </a:xfrm>
+        </p:grpSpPr>
+        <p:sp>
+          <p:nvSpPr>
+            <p:cNvPr id="38" name="Oval 37">
+              <a:extLst>
+                <a:ext uri="{FF2B5EF4-FFF2-40B4-BE49-F238E27FC236}">
+                  <a16:creationId xmlns:a16="http://schemas.microsoft.com/office/drawing/2014/main" id="{F6560DAD-60C9-9B91-F6A8-4A5C03C95205}"/>
+                </a:ext>
+              </a:extLst>
+            </p:cNvPr>
+            <p:cNvSpPr/>
+            <p:nvPr/>
+          </p:nvSpPr>
+          <p:spPr>
+            <a:xfrm>
+              <a:off x="590291" y="648929"/>
+              <a:ext cx="92330" cy="89383"/>
+            </a:xfrm>
+            <a:prstGeom prst="ellipse">
+              <a:avLst/>
+            </a:prstGeom>
+            <a:noFill/>
+            <a:ln>
+              <a:solidFill>
+                <a:schemeClr val="tx1"/>
+              </a:solidFill>
+            </a:ln>
+          </p:spPr>
+          <p:style>
+            <a:lnRef idx="2">
+              <a:schemeClr val="accent1">
+                <a:shade val="50000"/>
+              </a:schemeClr>
+            </a:lnRef>
+            <a:fillRef idx="1">
+              <a:schemeClr val="accent1"/>
+            </a:fillRef>
+            <a:effectRef idx="0">
+              <a:schemeClr val="accent1"/>
+            </a:effectRef>
+            <a:fontRef idx="minor">
+              <a:schemeClr val="lt1"/>
+            </a:fontRef>
+          </p:style>
+          <p:txBody>
+            <a:bodyPr rtlCol="0" anchor="ctr"/>
+            <a:lstStyle/>
+            <a:p>
+              <a:pPr algn="ctr"/>
+              <a:endParaRPr lang="en-US"/>
+            </a:p>
+          </p:txBody>
+        </p:sp>
+        <p:cxnSp>
+          <p:nvCxnSpPr>
+            <p:cNvPr id="39" name="Straight Connector 38">
+              <a:extLst>
+                <a:ext uri="{FF2B5EF4-FFF2-40B4-BE49-F238E27FC236}">
+                  <a16:creationId xmlns:a16="http://schemas.microsoft.com/office/drawing/2014/main" id="{88E40A88-9289-4B52-FE8E-F7C5D6D12E9B}"/>
+                </a:ext>
+              </a:extLst>
+            </p:cNvPr>
+            <p:cNvCxnSpPr>
+              <a:cxnSpLocks/>
+              <a:endCxn id="38" idx="7"/>
+            </p:cNvCxnSpPr>
+            <p:nvPr/>
+          </p:nvCxnSpPr>
+          <p:spPr>
+            <a:xfrm flipH="1">
+              <a:off x="669100" y="614363"/>
+              <a:ext cx="50038" cy="47656"/>
+            </a:xfrm>
+            <a:prstGeom prst="line">
+              <a:avLst/>
+            </a:prstGeom>
+            <a:ln w="12700">
+              <a:solidFill>
+                <a:schemeClr val="tx1"/>
+              </a:solidFill>
+            </a:ln>
+          </p:spPr>
+          <p:style>
+            <a:lnRef idx="1">
+              <a:schemeClr val="accent1"/>
+            </a:lnRef>
+            <a:fillRef idx="0">
+              <a:schemeClr val="accent1"/>
+            </a:fillRef>
+            <a:effectRef idx="0">
+              <a:schemeClr val="accent1"/>
+            </a:effectRef>
+            <a:fontRef idx="minor">
+              <a:schemeClr val="tx1"/>
+            </a:fontRef>
+          </p:style>
+        </p:cxnSp>
+        <p:cxnSp>
+          <p:nvCxnSpPr>
+            <p:cNvPr id="42" name="Straight Connector 41">
+              <a:extLst>
+                <a:ext uri="{FF2B5EF4-FFF2-40B4-BE49-F238E27FC236}">
+                  <a16:creationId xmlns:a16="http://schemas.microsoft.com/office/drawing/2014/main" id="{991810C3-B18E-081B-D1F4-2C1ED501799D}"/>
+                </a:ext>
+              </a:extLst>
+            </p:cNvPr>
+            <p:cNvCxnSpPr>
+              <a:cxnSpLocks/>
+              <a:stCxn id="38" idx="1"/>
+            </p:cNvCxnSpPr>
+            <p:nvPr/>
+          </p:nvCxnSpPr>
+          <p:spPr>
+            <a:xfrm flipH="1" flipV="1">
+              <a:off x="553774" y="614363"/>
+              <a:ext cx="50038" cy="47656"/>
+            </a:xfrm>
+            <a:prstGeom prst="line">
+              <a:avLst/>
+            </a:prstGeom>
+            <a:ln w="12700">
+              <a:solidFill>
+                <a:schemeClr val="tx1"/>
+              </a:solidFill>
+            </a:ln>
+          </p:spPr>
+          <p:style>
+            <a:lnRef idx="1">
+              <a:schemeClr val="accent1"/>
+            </a:lnRef>
+            <a:fillRef idx="0">
+              <a:schemeClr val="accent1"/>
+            </a:fillRef>
+            <a:effectRef idx="0">
+              <a:schemeClr val="accent1"/>
+            </a:effectRef>
+            <a:fontRef idx="minor">
+              <a:schemeClr val="tx1"/>
+            </a:fontRef>
+          </p:style>
+        </p:cxnSp>
+      </p:grpSp>
+      <p:grpSp>
+        <p:nvGrpSpPr>
+          <p:cNvPr id="62" name="Group 61">
+            <a:extLst>
+              <a:ext uri="{FF2B5EF4-FFF2-40B4-BE49-F238E27FC236}">
+                <a16:creationId xmlns:a16="http://schemas.microsoft.com/office/drawing/2014/main" id="{D0C64A84-093C-F6F3-4A5A-A57151CEBA28}"/>
+              </a:ext>
+            </a:extLst>
+          </p:cNvPr>
+          <p:cNvGrpSpPr/>
+          <p:nvPr/>
+        </p:nvGrpSpPr>
+        <p:grpSpPr>
+          <a:xfrm>
+            <a:off x="386854" y="811360"/>
+            <a:ext cx="499204" cy="165079"/>
+            <a:chOff x="386854" y="811360"/>
+            <a:chExt cx="499204" cy="165079"/>
+          </a:xfrm>
+        </p:grpSpPr>
+        <p:cxnSp>
+          <p:nvCxnSpPr>
+            <p:cNvPr id="49" name="Straight Connector 48">
+              <a:extLst>
+                <a:ext uri="{FF2B5EF4-FFF2-40B4-BE49-F238E27FC236}">
+                  <a16:creationId xmlns:a16="http://schemas.microsoft.com/office/drawing/2014/main" id="{C4D8509C-A78B-4836-375C-4BAEC630463F}"/>
+                </a:ext>
+              </a:extLst>
+            </p:cNvPr>
+            <p:cNvCxnSpPr>
+              <a:cxnSpLocks/>
+            </p:cNvCxnSpPr>
+            <p:nvPr/>
+          </p:nvCxnSpPr>
+          <p:spPr>
+            <a:xfrm flipH="1">
+              <a:off x="386854" y="817446"/>
+              <a:ext cx="499204" cy="0"/>
+            </a:xfrm>
+            <a:prstGeom prst="line">
+              <a:avLst/>
+            </a:prstGeom>
+            <a:ln w="12700">
+              <a:solidFill>
+                <a:schemeClr val="tx1"/>
+              </a:solidFill>
+            </a:ln>
+          </p:spPr>
+          <p:style>
+            <a:lnRef idx="1">
+              <a:schemeClr val="accent1"/>
+            </a:lnRef>
+            <a:fillRef idx="0">
+              <a:schemeClr val="accent1"/>
+            </a:fillRef>
+            <a:effectRef idx="0">
+              <a:schemeClr val="accent1"/>
+            </a:effectRef>
+            <a:fontRef idx="minor">
+              <a:schemeClr val="tx1"/>
+            </a:fontRef>
+          </p:style>
+        </p:cxnSp>
+        <p:cxnSp>
+          <p:nvCxnSpPr>
+            <p:cNvPr id="51" name="Straight Connector 50">
+              <a:extLst>
+                <a:ext uri="{FF2B5EF4-FFF2-40B4-BE49-F238E27FC236}">
+                  <a16:creationId xmlns:a16="http://schemas.microsoft.com/office/drawing/2014/main" id="{1BDED31E-1B3D-2213-2AAA-01D88D908DA2}"/>
+                </a:ext>
+              </a:extLst>
+            </p:cNvPr>
+            <p:cNvCxnSpPr>
+              <a:cxnSpLocks/>
+            </p:cNvCxnSpPr>
+            <p:nvPr/>
+          </p:nvCxnSpPr>
+          <p:spPr>
+            <a:xfrm flipH="1">
+              <a:off x="386854" y="867454"/>
+              <a:ext cx="499204" cy="0"/>
+            </a:xfrm>
+            <a:prstGeom prst="line">
+              <a:avLst/>
+            </a:prstGeom>
+            <a:ln w="12700">
+              <a:solidFill>
+                <a:schemeClr val="tx1"/>
+              </a:solidFill>
+            </a:ln>
+          </p:spPr>
+          <p:style>
+            <a:lnRef idx="1">
+              <a:schemeClr val="accent1"/>
+            </a:lnRef>
+            <a:fillRef idx="0">
+              <a:schemeClr val="accent1"/>
+            </a:fillRef>
+            <a:effectRef idx="0">
+              <a:schemeClr val="accent1"/>
+            </a:effectRef>
+            <a:fontRef idx="minor">
+              <a:schemeClr val="tx1"/>
+            </a:fontRef>
+          </p:style>
+        </p:cxnSp>
+        <p:cxnSp>
+          <p:nvCxnSpPr>
+            <p:cNvPr id="52" name="Straight Connector 51">
+              <a:extLst>
+                <a:ext uri="{FF2B5EF4-FFF2-40B4-BE49-F238E27FC236}">
+                  <a16:creationId xmlns:a16="http://schemas.microsoft.com/office/drawing/2014/main" id="{DF78A6DA-A9EA-3A8B-98FD-929088D7E7D4}"/>
+                </a:ext>
+              </a:extLst>
+            </p:cNvPr>
+            <p:cNvCxnSpPr>
+              <a:cxnSpLocks/>
+              <a:stCxn id="53" idx="2"/>
+            </p:cNvCxnSpPr>
+            <p:nvPr/>
+          </p:nvCxnSpPr>
+          <p:spPr>
+            <a:xfrm flipH="1" flipV="1">
+              <a:off x="386854" y="931747"/>
+              <a:ext cx="203437" cy="1"/>
+            </a:xfrm>
+            <a:prstGeom prst="line">
+              <a:avLst/>
+            </a:prstGeom>
+            <a:ln w="12700">
+              <a:solidFill>
+                <a:schemeClr val="tx1"/>
+              </a:solidFill>
+            </a:ln>
+          </p:spPr>
+          <p:style>
+            <a:lnRef idx="1">
+              <a:schemeClr val="accent1"/>
+            </a:lnRef>
+            <a:fillRef idx="0">
+              <a:schemeClr val="accent1"/>
+            </a:fillRef>
+            <a:effectRef idx="0">
+              <a:schemeClr val="accent1"/>
+            </a:effectRef>
+            <a:fontRef idx="minor">
+              <a:schemeClr val="tx1"/>
+            </a:fontRef>
+          </p:style>
+        </p:cxnSp>
+        <p:sp>
+          <p:nvSpPr>
+            <p:cNvPr id="53" name="Oval 52">
+              <a:extLst>
+                <a:ext uri="{FF2B5EF4-FFF2-40B4-BE49-F238E27FC236}">
+                  <a16:creationId xmlns:a16="http://schemas.microsoft.com/office/drawing/2014/main" id="{B134F00C-9CEB-AEA5-4160-8968C58775C9}"/>
+                </a:ext>
+              </a:extLst>
+            </p:cNvPr>
+            <p:cNvSpPr/>
+            <p:nvPr/>
+          </p:nvSpPr>
+          <p:spPr>
+            <a:xfrm>
+              <a:off x="590291" y="887056"/>
+              <a:ext cx="92330" cy="89383"/>
+            </a:xfrm>
+            <a:prstGeom prst="ellipse">
+              <a:avLst/>
+            </a:prstGeom>
+            <a:noFill/>
+            <a:ln>
+              <a:solidFill>
+                <a:schemeClr val="tx1"/>
+              </a:solidFill>
+            </a:ln>
+          </p:spPr>
+          <p:style>
+            <a:lnRef idx="2">
+              <a:schemeClr val="accent1">
+                <a:shade val="50000"/>
+              </a:schemeClr>
+            </a:lnRef>
+            <a:fillRef idx="1">
+              <a:schemeClr val="accent1"/>
+            </a:fillRef>
+            <a:effectRef idx="0">
+              <a:schemeClr val="accent1"/>
+            </a:effectRef>
+            <a:fontRef idx="minor">
+              <a:schemeClr val="lt1"/>
+            </a:fontRef>
+          </p:style>
+          <p:txBody>
+            <a:bodyPr rtlCol="0" anchor="ctr"/>
+            <a:lstStyle/>
+            <a:p>
+              <a:pPr algn="ctr"/>
+              <a:endParaRPr lang="en-US"/>
+            </a:p>
+          </p:txBody>
+        </p:sp>
+        <p:cxnSp>
+          <p:nvCxnSpPr>
+            <p:cNvPr id="55" name="Straight Connector 54">
+              <a:extLst>
+                <a:ext uri="{FF2B5EF4-FFF2-40B4-BE49-F238E27FC236}">
+                  <a16:creationId xmlns:a16="http://schemas.microsoft.com/office/drawing/2014/main" id="{AC8CAD37-4C85-A337-FDDD-D860BAE3410E}"/>
+                </a:ext>
+              </a:extLst>
+            </p:cNvPr>
+            <p:cNvCxnSpPr>
+              <a:cxnSpLocks/>
+              <a:endCxn id="53" idx="6"/>
+            </p:cNvCxnSpPr>
+            <p:nvPr/>
+          </p:nvCxnSpPr>
+          <p:spPr>
+            <a:xfrm flipH="1">
+              <a:off x="682621" y="931748"/>
+              <a:ext cx="203437" cy="0"/>
+            </a:xfrm>
+            <a:prstGeom prst="line">
+              <a:avLst/>
+            </a:prstGeom>
+            <a:ln w="12700">
+              <a:solidFill>
+                <a:schemeClr val="tx1"/>
+              </a:solidFill>
+            </a:ln>
+          </p:spPr>
+          <p:style>
+            <a:lnRef idx="1">
+              <a:schemeClr val="accent1"/>
+            </a:lnRef>
+            <a:fillRef idx="0">
+              <a:schemeClr val="accent1"/>
+            </a:fillRef>
+            <a:effectRef idx="0">
+              <a:schemeClr val="accent1"/>
+            </a:effectRef>
+            <a:fontRef idx="minor">
+              <a:schemeClr val="tx1"/>
+            </a:fontRef>
+          </p:style>
+        </p:cxnSp>
+        <p:cxnSp>
+          <p:nvCxnSpPr>
+            <p:cNvPr id="58" name="Straight Connector 57">
+              <a:extLst>
+                <a:ext uri="{FF2B5EF4-FFF2-40B4-BE49-F238E27FC236}">
+                  <a16:creationId xmlns:a16="http://schemas.microsoft.com/office/drawing/2014/main" id="{2B31857D-AD88-2326-DCFA-A1977AD2AB3D}"/>
+                </a:ext>
+              </a:extLst>
+            </p:cNvPr>
+            <p:cNvCxnSpPr>
+              <a:cxnSpLocks/>
+              <a:endCxn id="53" idx="0"/>
+            </p:cNvCxnSpPr>
+            <p:nvPr/>
+          </p:nvCxnSpPr>
+          <p:spPr>
+            <a:xfrm>
+              <a:off x="636456" y="811360"/>
+              <a:ext cx="0" cy="75696"/>
+            </a:xfrm>
+            <a:prstGeom prst="line">
+              <a:avLst/>
+            </a:prstGeom>
+            <a:ln w="12700">
+              <a:solidFill>
+                <a:schemeClr val="tx1"/>
+              </a:solidFill>
+            </a:ln>
+          </p:spPr>
+          <p:style>
+            <a:lnRef idx="1">
+              <a:schemeClr val="accent1"/>
+            </a:lnRef>
+            <a:fillRef idx="0">
+              <a:schemeClr val="accent1"/>
+            </a:fillRef>
+            <a:effectRef idx="0">
+              <a:schemeClr val="accent1"/>
+            </a:effectRef>
+            <a:fontRef idx="minor">
+              <a:schemeClr val="tx1"/>
+            </a:fontRef>
+          </p:style>
+        </p:cxnSp>
+      </p:grpSp>
+      <p:sp>
+        <p:nvSpPr>
+          <p:cNvPr id="61" name="Oval 60">
+            <a:extLst>
+              <a:ext uri="{FF2B5EF4-FFF2-40B4-BE49-F238E27FC236}">
+                <a16:creationId xmlns:a16="http://schemas.microsoft.com/office/drawing/2014/main" id="{FEBE9684-A767-0F6F-5DB4-C6A5D01E48C1}"/>
+              </a:ext>
+            </a:extLst>
+          </p:cNvPr>
+          <p:cNvSpPr/>
+          <p:nvPr/>
+        </p:nvSpPr>
+        <p:spPr>
+          <a:xfrm>
+            <a:off x="520977" y="1063292"/>
+            <a:ext cx="230958" cy="216818"/>
+          </a:xfrm>
+          <a:prstGeom prst="ellipse">
+            <a:avLst/>
+          </a:prstGeom>
+          <a:noFill/>
+          <a:ln>
+            <a:solidFill>
+              <a:schemeClr val="tx1"/>
+            </a:solidFill>
+          </a:ln>
+        </p:spPr>
+        <p:style>
+          <a:lnRef idx="2">
+            <a:schemeClr val="accent1">
+              <a:shade val="50000"/>
+            </a:schemeClr>
+          </a:lnRef>
+          <a:fillRef idx="1">
+            <a:schemeClr val="accent1"/>
+          </a:fillRef>
+          <a:effectRef idx="0">
+            <a:schemeClr val="accent1"/>
+          </a:effectRef>
+          <a:fontRef idx="minor">
+            <a:schemeClr val="lt1"/>
+          </a:fontRef>
+        </p:style>
+        <p:txBody>
+          <a:bodyPr rtlCol="0" anchor="ctr"/>
+          <a:lstStyle/>
+          <a:p>
+            <a:pPr algn="ctr"/>
+            <a:endParaRPr lang="en-US"/>
+          </a:p>
+        </p:txBody>
+      </p:sp>
+      <p:grpSp>
+        <p:nvGrpSpPr>
+          <p:cNvPr id="63" name="Group 62">
+            <a:extLst>
+              <a:ext uri="{FF2B5EF4-FFF2-40B4-BE49-F238E27FC236}">
+                <a16:creationId xmlns:a16="http://schemas.microsoft.com/office/drawing/2014/main" id="{E80A95A4-FF41-6FA5-FCB9-871D2A34ECE7}"/>
+              </a:ext>
+            </a:extLst>
+          </p:cNvPr>
+          <p:cNvGrpSpPr/>
+          <p:nvPr/>
+        </p:nvGrpSpPr>
+        <p:grpSpPr>
+          <a:xfrm rot="10800000">
+            <a:off x="386056" y="1363007"/>
+            <a:ext cx="499204" cy="165079"/>
+            <a:chOff x="386854" y="811360"/>
+            <a:chExt cx="499204" cy="165079"/>
+          </a:xfrm>
+        </p:grpSpPr>
+        <p:cxnSp>
+          <p:nvCxnSpPr>
+            <p:cNvPr id="64" name="Straight Connector 63">
+              <a:extLst>
+                <a:ext uri="{FF2B5EF4-FFF2-40B4-BE49-F238E27FC236}">
+                  <a16:creationId xmlns:a16="http://schemas.microsoft.com/office/drawing/2014/main" id="{5DCFFD88-4F63-B132-1A4A-245495A2D6DA}"/>
+                </a:ext>
+              </a:extLst>
+            </p:cNvPr>
+            <p:cNvCxnSpPr>
+              <a:cxnSpLocks/>
+            </p:cNvCxnSpPr>
+            <p:nvPr/>
+          </p:nvCxnSpPr>
+          <p:spPr>
+            <a:xfrm flipH="1">
+              <a:off x="386854" y="817446"/>
+              <a:ext cx="499204" cy="0"/>
+            </a:xfrm>
+            <a:prstGeom prst="line">
+              <a:avLst/>
+            </a:prstGeom>
+            <a:ln w="12700">
+              <a:solidFill>
+                <a:schemeClr val="tx1"/>
+              </a:solidFill>
+            </a:ln>
+          </p:spPr>
+          <p:style>
+            <a:lnRef idx="1">
+              <a:schemeClr val="accent1"/>
+            </a:lnRef>
+            <a:fillRef idx="0">
+              <a:schemeClr val="accent1"/>
+            </a:fillRef>
+            <a:effectRef idx="0">
+              <a:schemeClr val="accent1"/>
+            </a:effectRef>
+            <a:fontRef idx="minor">
+              <a:schemeClr val="tx1"/>
+            </a:fontRef>
+          </p:style>
+        </p:cxnSp>
+        <p:cxnSp>
+          <p:nvCxnSpPr>
+            <p:cNvPr id="65" name="Straight Connector 64">
+              <a:extLst>
+                <a:ext uri="{FF2B5EF4-FFF2-40B4-BE49-F238E27FC236}">
+                  <a16:creationId xmlns:a16="http://schemas.microsoft.com/office/drawing/2014/main" id="{F3700918-1875-C4D7-4EF3-9935E0155CDD}"/>
+                </a:ext>
+              </a:extLst>
+            </p:cNvPr>
+            <p:cNvCxnSpPr>
+              <a:cxnSpLocks/>
+            </p:cNvCxnSpPr>
+            <p:nvPr/>
+          </p:nvCxnSpPr>
+          <p:spPr>
+            <a:xfrm flipH="1">
+              <a:off x="386854" y="867454"/>
+              <a:ext cx="499204" cy="0"/>
+            </a:xfrm>
+            <a:prstGeom prst="line">
+              <a:avLst/>
+            </a:prstGeom>
+            <a:ln w="12700">
+              <a:solidFill>
+                <a:schemeClr val="tx1"/>
+              </a:solidFill>
+            </a:ln>
+          </p:spPr>
+          <p:style>
+            <a:lnRef idx="1">
+              <a:schemeClr val="accent1"/>
+            </a:lnRef>
+            <a:fillRef idx="0">
+              <a:schemeClr val="accent1"/>
+            </a:fillRef>
+            <a:effectRef idx="0">
+              <a:schemeClr val="accent1"/>
+            </a:effectRef>
+            <a:fontRef idx="minor">
+              <a:schemeClr val="tx1"/>
+            </a:fontRef>
+          </p:style>
+        </p:cxnSp>
+        <p:cxnSp>
+          <p:nvCxnSpPr>
+            <p:cNvPr id="66" name="Straight Connector 65">
+              <a:extLst>
+                <a:ext uri="{FF2B5EF4-FFF2-40B4-BE49-F238E27FC236}">
+                  <a16:creationId xmlns:a16="http://schemas.microsoft.com/office/drawing/2014/main" id="{8AC78FB4-6EB1-5F91-1F5D-10B9FB087084}"/>
+                </a:ext>
+              </a:extLst>
+            </p:cNvPr>
+            <p:cNvCxnSpPr>
+              <a:cxnSpLocks/>
+              <a:stCxn id="67" idx="2"/>
+            </p:cNvCxnSpPr>
+            <p:nvPr/>
+          </p:nvCxnSpPr>
+          <p:spPr>
+            <a:xfrm flipH="1" flipV="1">
+              <a:off x="386854" y="931747"/>
+              <a:ext cx="203437" cy="1"/>
+            </a:xfrm>
+            <a:prstGeom prst="line">
+              <a:avLst/>
+            </a:prstGeom>
+            <a:ln w="12700">
+              <a:solidFill>
+                <a:schemeClr val="tx1"/>
+              </a:solidFill>
+            </a:ln>
+          </p:spPr>
+          <p:style>
+            <a:lnRef idx="1">
+              <a:schemeClr val="accent1"/>
+            </a:lnRef>
+            <a:fillRef idx="0">
+              <a:schemeClr val="accent1"/>
+            </a:fillRef>
+            <a:effectRef idx="0">
+              <a:schemeClr val="accent1"/>
+            </a:effectRef>
+            <a:fontRef idx="minor">
+              <a:schemeClr val="tx1"/>
+            </a:fontRef>
+          </p:style>
+        </p:cxnSp>
+        <p:sp>
+          <p:nvSpPr>
+            <p:cNvPr id="67" name="Oval 66">
+              <a:extLst>
+                <a:ext uri="{FF2B5EF4-FFF2-40B4-BE49-F238E27FC236}">
+                  <a16:creationId xmlns:a16="http://schemas.microsoft.com/office/drawing/2014/main" id="{D5D8B00B-865D-3AFD-943D-D3B87B01C6A5}"/>
+                </a:ext>
+              </a:extLst>
+            </p:cNvPr>
+            <p:cNvSpPr/>
+            <p:nvPr/>
+          </p:nvSpPr>
+          <p:spPr>
+            <a:xfrm>
+              <a:off x="590291" y="887056"/>
+              <a:ext cx="92330" cy="89383"/>
+            </a:xfrm>
+            <a:prstGeom prst="ellipse">
+              <a:avLst/>
+            </a:prstGeom>
+            <a:noFill/>
+            <a:ln>
+              <a:solidFill>
+                <a:schemeClr val="tx1"/>
+              </a:solidFill>
+            </a:ln>
+          </p:spPr>
+          <p:style>
+            <a:lnRef idx="2">
+              <a:schemeClr val="accent1">
+                <a:shade val="50000"/>
+              </a:schemeClr>
+            </a:lnRef>
+            <a:fillRef idx="1">
+              <a:schemeClr val="accent1"/>
+            </a:fillRef>
+            <a:effectRef idx="0">
+              <a:schemeClr val="accent1"/>
+            </a:effectRef>
+            <a:fontRef idx="minor">
+              <a:schemeClr val="lt1"/>
+            </a:fontRef>
+          </p:style>
+          <p:txBody>
+            <a:bodyPr rtlCol="0" anchor="ctr"/>
+            <a:lstStyle/>
+            <a:p>
+              <a:pPr algn="ctr"/>
+              <a:endParaRPr lang="en-US"/>
+            </a:p>
+          </p:txBody>
+        </p:sp>
+        <p:cxnSp>
+          <p:nvCxnSpPr>
+            <p:cNvPr id="68" name="Straight Connector 67">
+              <a:extLst>
+                <a:ext uri="{FF2B5EF4-FFF2-40B4-BE49-F238E27FC236}">
+                  <a16:creationId xmlns:a16="http://schemas.microsoft.com/office/drawing/2014/main" id="{BCE421AC-50CD-9ED1-A6C0-4B2727B061DF}"/>
+                </a:ext>
+              </a:extLst>
+            </p:cNvPr>
+            <p:cNvCxnSpPr>
+              <a:cxnSpLocks/>
+              <a:endCxn id="67" idx="6"/>
+            </p:cNvCxnSpPr>
+            <p:nvPr/>
+          </p:nvCxnSpPr>
+          <p:spPr>
+            <a:xfrm flipH="1">
+              <a:off x="682621" y="931748"/>
+              <a:ext cx="203437" cy="0"/>
+            </a:xfrm>
+            <a:prstGeom prst="line">
+              <a:avLst/>
+            </a:prstGeom>
+            <a:ln w="12700">
+              <a:solidFill>
+                <a:schemeClr val="tx1"/>
+              </a:solidFill>
+            </a:ln>
+          </p:spPr>
+          <p:style>
+            <a:lnRef idx="1">
+              <a:schemeClr val="accent1"/>
+            </a:lnRef>
+            <a:fillRef idx="0">
+              <a:schemeClr val="accent1"/>
+            </a:fillRef>
+            <a:effectRef idx="0">
+              <a:schemeClr val="accent1"/>
+            </a:effectRef>
+            <a:fontRef idx="minor">
+              <a:schemeClr val="tx1"/>
+            </a:fontRef>
+          </p:style>
+        </p:cxnSp>
+        <p:cxnSp>
+          <p:nvCxnSpPr>
+            <p:cNvPr id="69" name="Straight Connector 68">
+              <a:extLst>
+                <a:ext uri="{FF2B5EF4-FFF2-40B4-BE49-F238E27FC236}">
+                  <a16:creationId xmlns:a16="http://schemas.microsoft.com/office/drawing/2014/main" id="{17262234-4F31-8A7B-4324-BEEF25E033CD}"/>
+                </a:ext>
+              </a:extLst>
+            </p:cNvPr>
+            <p:cNvCxnSpPr>
+              <a:cxnSpLocks/>
+              <a:endCxn id="67" idx="0"/>
+            </p:cNvCxnSpPr>
+            <p:nvPr/>
+          </p:nvCxnSpPr>
+          <p:spPr>
+            <a:xfrm>
+              <a:off x="636456" y="811360"/>
+              <a:ext cx="0" cy="75696"/>
+            </a:xfrm>
+            <a:prstGeom prst="line">
+              <a:avLst/>
+            </a:prstGeom>
+            <a:ln w="12700">
+              <a:solidFill>
+                <a:schemeClr val="tx1"/>
+              </a:solidFill>
+            </a:ln>
+          </p:spPr>
+          <p:style>
+            <a:lnRef idx="1">
+              <a:schemeClr val="accent1"/>
+            </a:lnRef>
+            <a:fillRef idx="0">
+              <a:schemeClr val="accent1"/>
+            </a:fillRef>
+            <a:effectRef idx="0">
+              <a:schemeClr val="accent1"/>
+            </a:effectRef>
+            <a:fontRef idx="minor">
+              <a:schemeClr val="tx1"/>
+            </a:fontRef>
+          </p:style>
+        </p:cxnSp>
+      </p:grpSp>
+      <p:grpSp>
+        <p:nvGrpSpPr>
+          <p:cNvPr id="70" name="Group 69">
+            <a:extLst>
+              <a:ext uri="{FF2B5EF4-FFF2-40B4-BE49-F238E27FC236}">
+                <a16:creationId xmlns:a16="http://schemas.microsoft.com/office/drawing/2014/main" id="{8AA8CCDB-4B32-6C6E-5D71-4A732985A1DD}"/>
+              </a:ext>
+            </a:extLst>
+          </p:cNvPr>
+          <p:cNvGrpSpPr/>
+          <p:nvPr/>
+        </p:nvGrpSpPr>
+        <p:grpSpPr>
+          <a:xfrm>
+            <a:off x="386056" y="1615465"/>
+            <a:ext cx="499204" cy="56094"/>
+            <a:chOff x="386854" y="811360"/>
+            <a:chExt cx="499204" cy="56094"/>
+          </a:xfrm>
+        </p:grpSpPr>
+        <p:cxnSp>
+          <p:nvCxnSpPr>
+            <p:cNvPr id="71" name="Straight Connector 70">
+              <a:extLst>
+                <a:ext uri="{FF2B5EF4-FFF2-40B4-BE49-F238E27FC236}">
+                  <a16:creationId xmlns:a16="http://schemas.microsoft.com/office/drawing/2014/main" id="{65BAAA6F-5BA7-AFB7-BA91-28A595E4BDA7}"/>
+                </a:ext>
+              </a:extLst>
+            </p:cNvPr>
+            <p:cNvCxnSpPr>
+              <a:cxnSpLocks/>
+            </p:cNvCxnSpPr>
+            <p:nvPr/>
+          </p:nvCxnSpPr>
+          <p:spPr>
+            <a:xfrm flipH="1">
+              <a:off x="386854" y="817446"/>
+              <a:ext cx="499204" cy="0"/>
+            </a:xfrm>
+            <a:prstGeom prst="line">
+              <a:avLst/>
+            </a:prstGeom>
+            <a:ln w="12700">
+              <a:solidFill>
+                <a:schemeClr val="tx1"/>
+              </a:solidFill>
+            </a:ln>
+          </p:spPr>
+          <p:style>
+            <a:lnRef idx="1">
+              <a:schemeClr val="accent1"/>
+            </a:lnRef>
+            <a:fillRef idx="0">
+              <a:schemeClr val="accent1"/>
+            </a:fillRef>
+            <a:effectRef idx="0">
+              <a:schemeClr val="accent1"/>
+            </a:effectRef>
+            <a:fontRef idx="minor">
+              <a:schemeClr val="tx1"/>
+            </a:fontRef>
+          </p:style>
+        </p:cxnSp>
+        <p:cxnSp>
+          <p:nvCxnSpPr>
+            <p:cNvPr id="72" name="Straight Connector 71">
+              <a:extLst>
+                <a:ext uri="{FF2B5EF4-FFF2-40B4-BE49-F238E27FC236}">
+                  <a16:creationId xmlns:a16="http://schemas.microsoft.com/office/drawing/2014/main" id="{428423A6-FBFE-2169-E1C1-46D6AEF20CD0}"/>
+                </a:ext>
+              </a:extLst>
+            </p:cNvPr>
+            <p:cNvCxnSpPr>
+              <a:cxnSpLocks/>
+            </p:cNvCxnSpPr>
+            <p:nvPr/>
+          </p:nvCxnSpPr>
+          <p:spPr>
+            <a:xfrm flipH="1">
+              <a:off x="386854" y="867454"/>
+              <a:ext cx="499204" cy="0"/>
+            </a:xfrm>
+            <a:prstGeom prst="line">
+              <a:avLst/>
+            </a:prstGeom>
+            <a:ln w="12700">
+              <a:solidFill>
+                <a:schemeClr val="tx1"/>
+              </a:solidFill>
+            </a:ln>
+          </p:spPr>
+          <p:style>
+            <a:lnRef idx="1">
+              <a:schemeClr val="accent1"/>
+            </a:lnRef>
+            <a:fillRef idx="0">
+              <a:schemeClr val="accent1"/>
+            </a:fillRef>
+            <a:effectRef idx="0">
+              <a:schemeClr val="accent1"/>
+            </a:effectRef>
+            <a:fontRef idx="minor">
+              <a:schemeClr val="tx1"/>
+            </a:fontRef>
+          </p:style>
+        </p:cxnSp>
+        <p:cxnSp>
+          <p:nvCxnSpPr>
+            <p:cNvPr id="76" name="Straight Connector 75">
+              <a:extLst>
+                <a:ext uri="{FF2B5EF4-FFF2-40B4-BE49-F238E27FC236}">
+                  <a16:creationId xmlns:a16="http://schemas.microsoft.com/office/drawing/2014/main" id="{B9003D2F-7BD5-5BBA-8BB5-2CEAFAA9A4F7}"/>
+                </a:ext>
+              </a:extLst>
+            </p:cNvPr>
+            <p:cNvCxnSpPr>
+              <a:cxnSpLocks/>
+            </p:cNvCxnSpPr>
+            <p:nvPr/>
+          </p:nvCxnSpPr>
+          <p:spPr>
+            <a:xfrm>
+              <a:off x="636456" y="811360"/>
+              <a:ext cx="0" cy="56094"/>
+            </a:xfrm>
+            <a:prstGeom prst="line">
+              <a:avLst/>
+            </a:prstGeom>
+            <a:ln w="12700">
+              <a:solidFill>
+                <a:schemeClr val="tx1"/>
+              </a:solidFill>
+            </a:ln>
+          </p:spPr>
+          <p:style>
+            <a:lnRef idx="1">
+              <a:schemeClr val="accent1"/>
+            </a:lnRef>
+            <a:fillRef idx="0">
+              <a:schemeClr val="accent1"/>
+            </a:fillRef>
+            <a:effectRef idx="0">
+              <a:schemeClr val="accent1"/>
+            </a:effectRef>
+            <a:fontRef idx="minor">
+              <a:schemeClr val="tx1"/>
+            </a:fontRef>
+          </p:style>
+        </p:cxnSp>
+      </p:grpSp>
+      <p:grpSp>
+        <p:nvGrpSpPr>
+          <p:cNvPr id="388" name="Group 387">
+            <a:extLst>
+              <a:ext uri="{FF2B5EF4-FFF2-40B4-BE49-F238E27FC236}">
+                <a16:creationId xmlns:a16="http://schemas.microsoft.com/office/drawing/2014/main" id="{782ADF8D-7ED7-3537-778D-C1D861D90A16}"/>
+              </a:ext>
+            </a:extLst>
+          </p:cNvPr>
+          <p:cNvGrpSpPr/>
+          <p:nvPr/>
+        </p:nvGrpSpPr>
+        <p:grpSpPr>
+          <a:xfrm>
+            <a:off x="428647" y="1765024"/>
+            <a:ext cx="415618" cy="216818"/>
+            <a:chOff x="428647" y="1765024"/>
+            <a:chExt cx="415618" cy="216818"/>
+          </a:xfrm>
+        </p:grpSpPr>
+        <p:sp>
+          <p:nvSpPr>
+            <p:cNvPr id="78" name="Oval 77">
+              <a:extLst>
+                <a:ext uri="{FF2B5EF4-FFF2-40B4-BE49-F238E27FC236}">
+                  <a16:creationId xmlns:a16="http://schemas.microsoft.com/office/drawing/2014/main" id="{D42CA9D8-AE36-B7E4-C927-AA80552F5232}"/>
+                </a:ext>
+              </a:extLst>
+            </p:cNvPr>
+            <p:cNvSpPr/>
+            <p:nvPr/>
+          </p:nvSpPr>
+          <p:spPr>
+            <a:xfrm>
+              <a:off x="520977" y="1765024"/>
+              <a:ext cx="230958" cy="216818"/>
+            </a:xfrm>
+            <a:prstGeom prst="ellipse">
+              <a:avLst/>
+            </a:prstGeom>
+            <a:noFill/>
+            <a:ln>
+              <a:solidFill>
+                <a:schemeClr val="tx1"/>
+              </a:solidFill>
+            </a:ln>
+          </p:spPr>
+          <p:style>
+            <a:lnRef idx="2">
+              <a:schemeClr val="accent1">
+                <a:shade val="50000"/>
+              </a:schemeClr>
+            </a:lnRef>
+            <a:fillRef idx="1">
+              <a:schemeClr val="accent1"/>
+            </a:fillRef>
+            <a:effectRef idx="0">
+              <a:schemeClr val="accent1"/>
+            </a:effectRef>
+            <a:fontRef idx="minor">
+              <a:schemeClr val="lt1"/>
+            </a:fontRef>
+          </p:style>
+          <p:txBody>
+            <a:bodyPr rtlCol="0" anchor="ctr"/>
+            <a:lstStyle/>
+            <a:p>
+              <a:pPr algn="ctr"/>
+              <a:endParaRPr lang="en-US"/>
+            </a:p>
+          </p:txBody>
+        </p:sp>
+        <p:sp>
+          <p:nvSpPr>
+            <p:cNvPr id="79" name="Oval 78">
+              <a:extLst>
+                <a:ext uri="{FF2B5EF4-FFF2-40B4-BE49-F238E27FC236}">
+                  <a16:creationId xmlns:a16="http://schemas.microsoft.com/office/drawing/2014/main" id="{EC1B1799-32A9-6C16-F984-ED67345E4927}"/>
+                </a:ext>
+              </a:extLst>
+            </p:cNvPr>
+            <p:cNvSpPr/>
+            <p:nvPr/>
+          </p:nvSpPr>
+          <p:spPr>
+            <a:xfrm>
+              <a:off x="751935" y="1828741"/>
+              <a:ext cx="92330" cy="89383"/>
+            </a:xfrm>
+            <a:prstGeom prst="ellipse">
+              <a:avLst/>
+            </a:prstGeom>
+            <a:noFill/>
+            <a:ln>
+              <a:solidFill>
+                <a:schemeClr val="tx1"/>
+              </a:solidFill>
+            </a:ln>
+          </p:spPr>
+          <p:style>
+            <a:lnRef idx="2">
+              <a:schemeClr val="accent1">
+                <a:shade val="50000"/>
+              </a:schemeClr>
+            </a:lnRef>
+            <a:fillRef idx="1">
+              <a:schemeClr val="accent1"/>
+            </a:fillRef>
+            <a:effectRef idx="0">
+              <a:schemeClr val="accent1"/>
+            </a:effectRef>
+            <a:fontRef idx="minor">
+              <a:schemeClr val="lt1"/>
+            </a:fontRef>
+          </p:style>
+          <p:txBody>
+            <a:bodyPr rtlCol="0" anchor="ctr"/>
+            <a:lstStyle/>
+            <a:p>
+              <a:pPr algn="ctr"/>
+              <a:endParaRPr lang="en-US"/>
+            </a:p>
+          </p:txBody>
+        </p:sp>
+        <p:sp>
+          <p:nvSpPr>
+            <p:cNvPr id="80" name="Oval 79">
+              <a:extLst>
+                <a:ext uri="{FF2B5EF4-FFF2-40B4-BE49-F238E27FC236}">
+                  <a16:creationId xmlns:a16="http://schemas.microsoft.com/office/drawing/2014/main" id="{03EBCE23-11CD-7ED8-A2D4-73A8D5594084}"/>
+                </a:ext>
+              </a:extLst>
+            </p:cNvPr>
+            <p:cNvSpPr/>
+            <p:nvPr/>
+          </p:nvSpPr>
+          <p:spPr>
+            <a:xfrm>
+              <a:off x="428647" y="1828740"/>
+              <a:ext cx="92330" cy="89383"/>
+            </a:xfrm>
+            <a:prstGeom prst="ellipse">
+              <a:avLst/>
+            </a:prstGeom>
+            <a:noFill/>
+            <a:ln>
+              <a:solidFill>
+                <a:schemeClr val="tx1"/>
+              </a:solidFill>
+            </a:ln>
+          </p:spPr>
+          <p:style>
+            <a:lnRef idx="2">
+              <a:schemeClr val="accent1">
+                <a:shade val="50000"/>
+              </a:schemeClr>
+            </a:lnRef>
+            <a:fillRef idx="1">
+              <a:schemeClr val="accent1"/>
+            </a:fillRef>
+            <a:effectRef idx="0">
+              <a:schemeClr val="accent1"/>
+            </a:effectRef>
+            <a:fontRef idx="minor">
+              <a:schemeClr val="lt1"/>
+            </a:fontRef>
+          </p:style>
+          <p:txBody>
+            <a:bodyPr rtlCol="0" anchor="ctr"/>
+            <a:lstStyle/>
+            <a:p>
+              <a:pPr algn="ctr"/>
+              <a:endParaRPr lang="en-US"/>
+            </a:p>
+          </p:txBody>
+        </p:sp>
+      </p:grpSp>
+      <p:sp>
+        <p:nvSpPr>
+          <p:cNvPr id="83" name="Oval 82">
+            <a:extLst>
+              <a:ext uri="{FF2B5EF4-FFF2-40B4-BE49-F238E27FC236}">
+                <a16:creationId xmlns:a16="http://schemas.microsoft.com/office/drawing/2014/main" id="{97255420-9257-1D73-7A8E-5D57FA4CD0C0}"/>
+              </a:ext>
+            </a:extLst>
+          </p:cNvPr>
+          <p:cNvSpPr/>
+          <p:nvPr/>
+        </p:nvSpPr>
+        <p:spPr>
+          <a:xfrm>
+            <a:off x="589492" y="2135762"/>
+            <a:ext cx="92330" cy="89383"/>
+          </a:xfrm>
+          <a:prstGeom prst="ellipse">
+            <a:avLst/>
+          </a:prstGeom>
+          <a:noFill/>
+          <a:ln>
+            <a:solidFill>
+              <a:schemeClr val="tx1"/>
+            </a:solidFill>
+          </a:ln>
+        </p:spPr>
+        <p:style>
+          <a:lnRef idx="2">
+            <a:schemeClr val="accent1">
+              <a:shade val="50000"/>
+            </a:schemeClr>
+          </a:lnRef>
+          <a:fillRef idx="1">
+            <a:schemeClr val="accent1"/>
+          </a:fillRef>
+          <a:effectRef idx="0">
+            <a:schemeClr val="accent1"/>
+          </a:effectRef>
+          <a:fontRef idx="minor">
+            <a:schemeClr val="lt1"/>
+          </a:fontRef>
+        </p:style>
+        <p:txBody>
+          <a:bodyPr rtlCol="0" anchor="ctr"/>
+          <a:lstStyle/>
+          <a:p>
+            <a:pPr algn="ctr"/>
+            <a:endParaRPr lang="en-US"/>
+          </a:p>
+        </p:txBody>
+      </p:sp>
+      <p:grpSp>
+        <p:nvGrpSpPr>
+          <p:cNvPr id="389" name="Group 388">
+            <a:extLst>
+              <a:ext uri="{FF2B5EF4-FFF2-40B4-BE49-F238E27FC236}">
+                <a16:creationId xmlns:a16="http://schemas.microsoft.com/office/drawing/2014/main" id="{F62EC271-3B14-2961-0802-62CD2DBCA4C1}"/>
+              </a:ext>
+            </a:extLst>
+          </p:cNvPr>
+          <p:cNvGrpSpPr/>
+          <p:nvPr/>
+        </p:nvGrpSpPr>
+        <p:grpSpPr>
+          <a:xfrm>
+            <a:off x="541719" y="2339446"/>
+            <a:ext cx="186268" cy="89383"/>
+            <a:chOff x="541719" y="2339446"/>
+            <a:chExt cx="186268" cy="89383"/>
+          </a:xfrm>
+        </p:grpSpPr>
+        <p:sp>
+          <p:nvSpPr>
+            <p:cNvPr id="84" name="Oval 83">
+              <a:extLst>
+                <a:ext uri="{FF2B5EF4-FFF2-40B4-BE49-F238E27FC236}">
+                  <a16:creationId xmlns:a16="http://schemas.microsoft.com/office/drawing/2014/main" id="{FCEB678F-2603-7F9D-BF3D-12C6BA96EFFE}"/>
+                </a:ext>
+              </a:extLst>
+            </p:cNvPr>
+            <p:cNvSpPr/>
+            <p:nvPr/>
+          </p:nvSpPr>
+          <p:spPr>
+            <a:xfrm>
+              <a:off x="635657" y="2339446"/>
+              <a:ext cx="92330" cy="89383"/>
+            </a:xfrm>
+            <a:prstGeom prst="ellipse">
+              <a:avLst/>
+            </a:prstGeom>
+            <a:noFill/>
+            <a:ln>
+              <a:solidFill>
+                <a:schemeClr val="tx1"/>
+              </a:solidFill>
+            </a:ln>
+          </p:spPr>
+          <p:style>
+            <a:lnRef idx="2">
+              <a:schemeClr val="accent1">
+                <a:shade val="50000"/>
+              </a:schemeClr>
+            </a:lnRef>
+            <a:fillRef idx="1">
+              <a:schemeClr val="accent1"/>
+            </a:fillRef>
+            <a:effectRef idx="0">
+              <a:schemeClr val="accent1"/>
+            </a:effectRef>
+            <a:fontRef idx="minor">
+              <a:schemeClr val="lt1"/>
+            </a:fontRef>
+          </p:style>
+          <p:txBody>
+            <a:bodyPr rtlCol="0" anchor="ctr"/>
+            <a:lstStyle/>
+            <a:p>
+              <a:pPr algn="ctr"/>
+              <a:endParaRPr lang="en-US"/>
+            </a:p>
+          </p:txBody>
+        </p:sp>
+        <p:sp>
+          <p:nvSpPr>
+            <p:cNvPr id="85" name="Oval 84">
+              <a:extLst>
+                <a:ext uri="{FF2B5EF4-FFF2-40B4-BE49-F238E27FC236}">
+                  <a16:creationId xmlns:a16="http://schemas.microsoft.com/office/drawing/2014/main" id="{CCB9BCAE-07A7-EE09-A04D-0ACF1EEC14BF}"/>
+                </a:ext>
+              </a:extLst>
+            </p:cNvPr>
+            <p:cNvSpPr/>
+            <p:nvPr/>
+          </p:nvSpPr>
+          <p:spPr>
+            <a:xfrm>
+              <a:off x="541719" y="2339446"/>
+              <a:ext cx="92330" cy="89383"/>
+            </a:xfrm>
+            <a:prstGeom prst="ellipse">
+              <a:avLst/>
+            </a:prstGeom>
+            <a:noFill/>
+            <a:ln>
+              <a:solidFill>
+                <a:schemeClr val="tx1"/>
+              </a:solidFill>
+            </a:ln>
+          </p:spPr>
+          <p:style>
+            <a:lnRef idx="2">
+              <a:schemeClr val="accent1">
+                <a:shade val="50000"/>
+              </a:schemeClr>
+            </a:lnRef>
+            <a:fillRef idx="1">
+              <a:schemeClr val="accent1"/>
+            </a:fillRef>
+            <a:effectRef idx="0">
+              <a:schemeClr val="accent1"/>
+            </a:effectRef>
+            <a:fontRef idx="minor">
+              <a:schemeClr val="lt1"/>
+            </a:fontRef>
+          </p:style>
+          <p:txBody>
+            <a:bodyPr rtlCol="0" anchor="ctr"/>
+            <a:lstStyle/>
+            <a:p>
+              <a:pPr algn="ctr"/>
+              <a:endParaRPr lang="en-US"/>
+            </a:p>
+          </p:txBody>
+        </p:sp>
+      </p:grpSp>
+      <p:grpSp>
+        <p:nvGrpSpPr>
+          <p:cNvPr id="87" name="Group 86">
+            <a:extLst>
+              <a:ext uri="{FF2B5EF4-FFF2-40B4-BE49-F238E27FC236}">
+                <a16:creationId xmlns:a16="http://schemas.microsoft.com/office/drawing/2014/main" id="{CA60D76A-4D74-419C-EEB2-AE632FA8F95D}"/>
+              </a:ext>
+            </a:extLst>
+          </p:cNvPr>
+          <p:cNvGrpSpPr/>
+          <p:nvPr/>
+        </p:nvGrpSpPr>
+        <p:grpSpPr>
+          <a:xfrm rot="10800000">
+            <a:off x="553774" y="2520774"/>
+            <a:ext cx="165364" cy="123949"/>
+            <a:chOff x="553774" y="614363"/>
+            <a:chExt cx="165364" cy="123949"/>
+          </a:xfrm>
+        </p:grpSpPr>
+        <p:sp>
+          <p:nvSpPr>
+            <p:cNvPr id="88" name="Oval 87">
+              <a:extLst>
+                <a:ext uri="{FF2B5EF4-FFF2-40B4-BE49-F238E27FC236}">
+                  <a16:creationId xmlns:a16="http://schemas.microsoft.com/office/drawing/2014/main" id="{5C1EDE0E-C333-E744-11A2-5930BE5930D2}"/>
+                </a:ext>
+              </a:extLst>
+            </p:cNvPr>
+            <p:cNvSpPr/>
+            <p:nvPr/>
+          </p:nvSpPr>
+          <p:spPr>
+            <a:xfrm>
+              <a:off x="590291" y="648929"/>
+              <a:ext cx="92330" cy="89383"/>
+            </a:xfrm>
+            <a:prstGeom prst="ellipse">
+              <a:avLst/>
+            </a:prstGeom>
+            <a:noFill/>
+            <a:ln>
+              <a:solidFill>
+                <a:schemeClr val="tx1"/>
+              </a:solidFill>
+            </a:ln>
+          </p:spPr>
+          <p:style>
+            <a:lnRef idx="2">
+              <a:schemeClr val="accent1">
+                <a:shade val="50000"/>
+              </a:schemeClr>
+            </a:lnRef>
+            <a:fillRef idx="1">
+              <a:schemeClr val="accent1"/>
+            </a:fillRef>
+            <a:effectRef idx="0">
+              <a:schemeClr val="accent1"/>
+            </a:effectRef>
+            <a:fontRef idx="minor">
+              <a:schemeClr val="lt1"/>
+            </a:fontRef>
+          </p:style>
+          <p:txBody>
+            <a:bodyPr rtlCol="0" anchor="ctr"/>
+            <a:lstStyle/>
+            <a:p>
+              <a:pPr algn="ctr"/>
+              <a:endParaRPr lang="en-US"/>
+            </a:p>
+          </p:txBody>
+        </p:sp>
+        <p:cxnSp>
+          <p:nvCxnSpPr>
+            <p:cNvPr id="89" name="Straight Connector 88">
+              <a:extLst>
+                <a:ext uri="{FF2B5EF4-FFF2-40B4-BE49-F238E27FC236}">
+                  <a16:creationId xmlns:a16="http://schemas.microsoft.com/office/drawing/2014/main" id="{0CF098A3-336F-1242-98EE-BEE3BD59F1C2}"/>
+                </a:ext>
+              </a:extLst>
+            </p:cNvPr>
+            <p:cNvCxnSpPr>
+              <a:cxnSpLocks/>
+              <a:endCxn id="88" idx="7"/>
+            </p:cNvCxnSpPr>
+            <p:nvPr/>
+          </p:nvCxnSpPr>
+          <p:spPr>
+            <a:xfrm flipH="1">
+              <a:off x="669100" y="614363"/>
+              <a:ext cx="50038" cy="47656"/>
+            </a:xfrm>
+            <a:prstGeom prst="line">
+              <a:avLst/>
+            </a:prstGeom>
+            <a:ln w="12700">
+              <a:solidFill>
+                <a:schemeClr val="tx1"/>
+              </a:solidFill>
+            </a:ln>
+          </p:spPr>
+          <p:style>
+            <a:lnRef idx="1">
+              <a:schemeClr val="accent1"/>
+            </a:lnRef>
+            <a:fillRef idx="0">
+              <a:schemeClr val="accent1"/>
+            </a:fillRef>
+            <a:effectRef idx="0">
+              <a:schemeClr val="accent1"/>
+            </a:effectRef>
+            <a:fontRef idx="minor">
+              <a:schemeClr val="tx1"/>
+            </a:fontRef>
+          </p:style>
+        </p:cxnSp>
+        <p:cxnSp>
+          <p:nvCxnSpPr>
+            <p:cNvPr id="90" name="Straight Connector 89">
+              <a:extLst>
+                <a:ext uri="{FF2B5EF4-FFF2-40B4-BE49-F238E27FC236}">
+                  <a16:creationId xmlns:a16="http://schemas.microsoft.com/office/drawing/2014/main" id="{433CE6DB-BADB-0C48-FB54-F0C6AB9D2C16}"/>
+                </a:ext>
+              </a:extLst>
+            </p:cNvPr>
+            <p:cNvCxnSpPr>
+              <a:cxnSpLocks/>
+              <a:stCxn id="88" idx="1"/>
+            </p:cNvCxnSpPr>
+            <p:nvPr/>
+          </p:nvCxnSpPr>
+          <p:spPr>
+            <a:xfrm flipH="1" flipV="1">
+              <a:off x="553774" y="614363"/>
+              <a:ext cx="50038" cy="47656"/>
+            </a:xfrm>
+            <a:prstGeom prst="line">
+              <a:avLst/>
+            </a:prstGeom>
+            <a:ln w="12700">
+              <a:solidFill>
+                <a:schemeClr val="tx1"/>
+              </a:solidFill>
+            </a:ln>
+          </p:spPr>
+          <p:style>
+            <a:lnRef idx="1">
+              <a:schemeClr val="accent1"/>
+            </a:lnRef>
+            <a:fillRef idx="0">
+              <a:schemeClr val="accent1"/>
+            </a:fillRef>
+            <a:effectRef idx="0">
+              <a:schemeClr val="accent1"/>
+            </a:effectRef>
+            <a:fontRef idx="minor">
+              <a:schemeClr val="tx1"/>
+            </a:fontRef>
+          </p:style>
+        </p:cxnSp>
+      </p:grpSp>
+      <p:grpSp>
+        <p:nvGrpSpPr>
+          <p:cNvPr id="123" name="Group 122">
+            <a:extLst>
+              <a:ext uri="{FF2B5EF4-FFF2-40B4-BE49-F238E27FC236}">
+                <a16:creationId xmlns:a16="http://schemas.microsoft.com/office/drawing/2014/main" id="{D7012DEF-EE89-85B7-F2FC-5ED392BCE7E3}"/>
+              </a:ext>
+            </a:extLst>
+          </p:cNvPr>
+          <p:cNvGrpSpPr/>
+          <p:nvPr/>
+        </p:nvGrpSpPr>
+        <p:grpSpPr>
+          <a:xfrm>
+            <a:off x="428647" y="2735115"/>
+            <a:ext cx="415618" cy="265260"/>
+            <a:chOff x="428647" y="2735115"/>
+            <a:chExt cx="415618" cy="265260"/>
+          </a:xfrm>
+        </p:grpSpPr>
+        <p:sp>
+          <p:nvSpPr>
+            <p:cNvPr id="91" name="Oval 90">
+              <a:extLst>
+                <a:ext uri="{FF2B5EF4-FFF2-40B4-BE49-F238E27FC236}">
+                  <a16:creationId xmlns:a16="http://schemas.microsoft.com/office/drawing/2014/main" id="{228928A6-F0EB-BE93-46E5-2C5AB071C20F}"/>
+                </a:ext>
+              </a:extLst>
+            </p:cNvPr>
+            <p:cNvSpPr/>
+            <p:nvPr/>
+          </p:nvSpPr>
+          <p:spPr>
+            <a:xfrm>
+              <a:off x="520977" y="2759336"/>
+              <a:ext cx="230958" cy="216818"/>
+            </a:xfrm>
+            <a:prstGeom prst="ellipse">
+              <a:avLst/>
+            </a:prstGeom>
+            <a:noFill/>
+            <a:ln>
+              <a:solidFill>
+                <a:schemeClr val="tx1"/>
+              </a:solidFill>
+            </a:ln>
+          </p:spPr>
+          <p:style>
+            <a:lnRef idx="2">
+              <a:schemeClr val="accent1">
+                <a:shade val="50000"/>
+              </a:schemeClr>
+            </a:lnRef>
+            <a:fillRef idx="1">
+              <a:schemeClr val="accent1"/>
+            </a:fillRef>
+            <a:effectRef idx="0">
+              <a:schemeClr val="accent1"/>
+            </a:effectRef>
+            <a:fontRef idx="minor">
+              <a:schemeClr val="lt1"/>
+            </a:fontRef>
+          </p:style>
+          <p:txBody>
+            <a:bodyPr rtlCol="0" anchor="ctr"/>
+            <a:lstStyle/>
+            <a:p>
+              <a:pPr algn="ctr"/>
+              <a:endParaRPr lang="en-US"/>
+            </a:p>
+          </p:txBody>
+        </p:sp>
+        <p:cxnSp>
+          <p:nvCxnSpPr>
+            <p:cNvPr id="92" name="Straight Connector 91">
+              <a:extLst>
+                <a:ext uri="{FF2B5EF4-FFF2-40B4-BE49-F238E27FC236}">
+                  <a16:creationId xmlns:a16="http://schemas.microsoft.com/office/drawing/2014/main" id="{A7C3BE71-B61D-5BB2-5B81-80E38E49754B}"/>
+                </a:ext>
+              </a:extLst>
+            </p:cNvPr>
+            <p:cNvCxnSpPr>
+              <a:cxnSpLocks/>
+              <a:stCxn id="91" idx="5"/>
+            </p:cNvCxnSpPr>
+            <p:nvPr/>
+          </p:nvCxnSpPr>
+          <p:spPr>
+            <a:xfrm>
+              <a:off x="718112" y="2944402"/>
+              <a:ext cx="65429" cy="55973"/>
+            </a:xfrm>
+            <a:prstGeom prst="line">
+              <a:avLst/>
+            </a:prstGeom>
+            <a:ln w="12700">
+              <a:solidFill>
+                <a:schemeClr val="tx1"/>
+              </a:solidFill>
+            </a:ln>
+          </p:spPr>
+          <p:style>
+            <a:lnRef idx="1">
+              <a:schemeClr val="accent1"/>
+            </a:lnRef>
+            <a:fillRef idx="0">
+              <a:schemeClr val="accent1"/>
+            </a:fillRef>
+            <a:effectRef idx="0">
+              <a:schemeClr val="accent1"/>
+            </a:effectRef>
+            <a:fontRef idx="minor">
+              <a:schemeClr val="tx1"/>
+            </a:fontRef>
+          </p:style>
+        </p:cxnSp>
+        <p:cxnSp>
+          <p:nvCxnSpPr>
+            <p:cNvPr id="95" name="Straight Connector 94">
+              <a:extLst>
+                <a:ext uri="{FF2B5EF4-FFF2-40B4-BE49-F238E27FC236}">
+                  <a16:creationId xmlns:a16="http://schemas.microsoft.com/office/drawing/2014/main" id="{4C5D44EE-82E9-F38E-A5A9-83BB71DEFF28}"/>
+                </a:ext>
+              </a:extLst>
+            </p:cNvPr>
+            <p:cNvCxnSpPr>
+              <a:cxnSpLocks/>
+              <a:stCxn id="91" idx="6"/>
+            </p:cNvCxnSpPr>
+            <p:nvPr/>
+          </p:nvCxnSpPr>
+          <p:spPr>
+            <a:xfrm>
+              <a:off x="751935" y="2867745"/>
+              <a:ext cx="92330" cy="0"/>
+            </a:xfrm>
+            <a:prstGeom prst="line">
+              <a:avLst/>
+            </a:prstGeom>
+            <a:ln w="12700">
+              <a:solidFill>
+                <a:schemeClr val="tx1"/>
+              </a:solidFill>
+            </a:ln>
+          </p:spPr>
+          <p:style>
+            <a:lnRef idx="1">
+              <a:schemeClr val="accent1"/>
+            </a:lnRef>
+            <a:fillRef idx="0">
+              <a:schemeClr val="accent1"/>
+            </a:fillRef>
+            <a:effectRef idx="0">
+              <a:schemeClr val="accent1"/>
+            </a:effectRef>
+            <a:fontRef idx="minor">
+              <a:schemeClr val="tx1"/>
+            </a:fontRef>
+          </p:style>
+        </p:cxnSp>
+        <p:cxnSp>
+          <p:nvCxnSpPr>
+            <p:cNvPr id="98" name="Straight Connector 97">
+              <a:extLst>
+                <a:ext uri="{FF2B5EF4-FFF2-40B4-BE49-F238E27FC236}">
+                  <a16:creationId xmlns:a16="http://schemas.microsoft.com/office/drawing/2014/main" id="{4DAEE1CA-6878-15C7-1476-DC7DF5DAB23B}"/>
+                </a:ext>
+              </a:extLst>
+            </p:cNvPr>
+            <p:cNvCxnSpPr>
+              <a:cxnSpLocks/>
+              <a:stCxn id="91" idx="2"/>
+            </p:cNvCxnSpPr>
+            <p:nvPr/>
+          </p:nvCxnSpPr>
+          <p:spPr>
+            <a:xfrm flipH="1">
+              <a:off x="428647" y="2867745"/>
+              <a:ext cx="92330" cy="0"/>
+            </a:xfrm>
+            <a:prstGeom prst="line">
+              <a:avLst/>
+            </a:prstGeom>
+            <a:ln w="12700">
+              <a:solidFill>
+                <a:schemeClr val="tx1"/>
+              </a:solidFill>
+            </a:ln>
+          </p:spPr>
+          <p:style>
+            <a:lnRef idx="1">
+              <a:schemeClr val="accent1"/>
+            </a:lnRef>
+            <a:fillRef idx="0">
+              <a:schemeClr val="accent1"/>
+            </a:fillRef>
+            <a:effectRef idx="0">
+              <a:schemeClr val="accent1"/>
+            </a:effectRef>
+            <a:fontRef idx="minor">
+              <a:schemeClr val="tx1"/>
+            </a:fontRef>
+          </p:style>
+        </p:cxnSp>
+        <p:cxnSp>
+          <p:nvCxnSpPr>
+            <p:cNvPr id="102" name="Straight Connector 101">
+              <a:extLst>
+                <a:ext uri="{FF2B5EF4-FFF2-40B4-BE49-F238E27FC236}">
+                  <a16:creationId xmlns:a16="http://schemas.microsoft.com/office/drawing/2014/main" id="{29C53DAD-D684-FD89-DF8E-3339E4A566FC}"/>
+                </a:ext>
+              </a:extLst>
+            </p:cNvPr>
+            <p:cNvCxnSpPr>
+              <a:cxnSpLocks/>
+              <a:stCxn id="91" idx="7"/>
+            </p:cNvCxnSpPr>
+            <p:nvPr/>
+          </p:nvCxnSpPr>
+          <p:spPr>
+            <a:xfrm flipV="1">
+              <a:off x="718112" y="2735115"/>
+              <a:ext cx="59112" cy="55973"/>
+            </a:xfrm>
+            <a:prstGeom prst="line">
+              <a:avLst/>
+            </a:prstGeom>
+            <a:ln w="12700">
+              <a:solidFill>
+                <a:schemeClr val="tx1"/>
+              </a:solidFill>
+            </a:ln>
+          </p:spPr>
+          <p:style>
+            <a:lnRef idx="1">
+              <a:schemeClr val="accent1"/>
+            </a:lnRef>
+            <a:fillRef idx="0">
+              <a:schemeClr val="accent1"/>
+            </a:fillRef>
+            <a:effectRef idx="0">
+              <a:schemeClr val="accent1"/>
+            </a:effectRef>
+            <a:fontRef idx="minor">
+              <a:schemeClr val="tx1"/>
+            </a:fontRef>
+          </p:style>
+        </p:cxnSp>
+        <p:cxnSp>
+          <p:nvCxnSpPr>
+            <p:cNvPr id="105" name="Straight Connector 104">
+              <a:extLst>
+                <a:ext uri="{FF2B5EF4-FFF2-40B4-BE49-F238E27FC236}">
+                  <a16:creationId xmlns:a16="http://schemas.microsoft.com/office/drawing/2014/main" id="{B396210B-2585-A0D8-0140-B6735EDCC769}"/>
+                </a:ext>
+              </a:extLst>
+            </p:cNvPr>
+            <p:cNvCxnSpPr>
+              <a:cxnSpLocks/>
+              <a:stCxn id="91" idx="1"/>
+            </p:cNvCxnSpPr>
+            <p:nvPr/>
+          </p:nvCxnSpPr>
+          <p:spPr>
+            <a:xfrm flipH="1" flipV="1">
+              <a:off x="495688" y="2735115"/>
+              <a:ext cx="59112" cy="55973"/>
+            </a:xfrm>
+            <a:prstGeom prst="line">
+              <a:avLst/>
+            </a:prstGeom>
+            <a:ln w="12700">
+              <a:solidFill>
+                <a:schemeClr val="tx1"/>
+              </a:solidFill>
+            </a:ln>
+          </p:spPr>
+          <p:style>
+            <a:lnRef idx="1">
+              <a:schemeClr val="accent1"/>
+            </a:lnRef>
+            <a:fillRef idx="0">
+              <a:schemeClr val="accent1"/>
+            </a:fillRef>
+            <a:effectRef idx="0">
+              <a:schemeClr val="accent1"/>
+            </a:effectRef>
+            <a:fontRef idx="minor">
+              <a:schemeClr val="tx1"/>
+            </a:fontRef>
+          </p:style>
+        </p:cxnSp>
+        <p:cxnSp>
+          <p:nvCxnSpPr>
+            <p:cNvPr id="108" name="Straight Connector 107">
+              <a:extLst>
+                <a:ext uri="{FF2B5EF4-FFF2-40B4-BE49-F238E27FC236}">
+                  <a16:creationId xmlns:a16="http://schemas.microsoft.com/office/drawing/2014/main" id="{731C17CB-B151-8ECE-5735-48BFE5F53776}"/>
+                </a:ext>
+              </a:extLst>
+            </p:cNvPr>
+            <p:cNvCxnSpPr>
+              <a:cxnSpLocks/>
+              <a:endCxn id="91" idx="3"/>
+            </p:cNvCxnSpPr>
+            <p:nvPr/>
+          </p:nvCxnSpPr>
+          <p:spPr>
+            <a:xfrm flipV="1">
+              <a:off x="495688" y="2944402"/>
+              <a:ext cx="59112" cy="55973"/>
+            </a:xfrm>
+            <a:prstGeom prst="line">
+              <a:avLst/>
+            </a:prstGeom>
+            <a:ln w="12700">
+              <a:solidFill>
+                <a:schemeClr val="tx1"/>
+              </a:solidFill>
+            </a:ln>
+          </p:spPr>
+          <p:style>
+            <a:lnRef idx="1">
+              <a:schemeClr val="accent1"/>
+            </a:lnRef>
+            <a:fillRef idx="0">
+              <a:schemeClr val="accent1"/>
+            </a:fillRef>
+            <a:effectRef idx="0">
+              <a:schemeClr val="accent1"/>
+            </a:effectRef>
+            <a:fontRef idx="minor">
+              <a:schemeClr val="tx1"/>
+            </a:fontRef>
+          </p:style>
+        </p:cxnSp>
+      </p:grpSp>
+      <p:grpSp>
+        <p:nvGrpSpPr>
+          <p:cNvPr id="390" name="Group 389">
+            <a:extLst>
+              <a:ext uri="{FF2B5EF4-FFF2-40B4-BE49-F238E27FC236}">
+                <a16:creationId xmlns:a16="http://schemas.microsoft.com/office/drawing/2014/main" id="{1581C1B9-A422-9AE0-10AD-31BF6135F1C2}"/>
+              </a:ext>
+            </a:extLst>
+          </p:cNvPr>
+          <p:cNvGrpSpPr/>
+          <p:nvPr/>
+        </p:nvGrpSpPr>
+        <p:grpSpPr>
+          <a:xfrm>
+            <a:off x="457810" y="3121164"/>
+            <a:ext cx="352478" cy="89383"/>
+            <a:chOff x="457810" y="3121164"/>
+            <a:chExt cx="352478" cy="89383"/>
+          </a:xfrm>
+        </p:grpSpPr>
+        <p:sp>
+          <p:nvSpPr>
+            <p:cNvPr id="111" name="Oval 110">
+              <a:extLst>
+                <a:ext uri="{FF2B5EF4-FFF2-40B4-BE49-F238E27FC236}">
+                  <a16:creationId xmlns:a16="http://schemas.microsoft.com/office/drawing/2014/main" id="{51E36142-2195-3E8A-1247-7E31F1004F2A}"/>
+                </a:ext>
+              </a:extLst>
+            </p:cNvPr>
+            <p:cNvSpPr/>
+            <p:nvPr/>
+          </p:nvSpPr>
+          <p:spPr>
+            <a:xfrm>
+              <a:off x="587884" y="3121164"/>
+              <a:ext cx="92330" cy="89383"/>
+            </a:xfrm>
+            <a:prstGeom prst="ellipse">
+              <a:avLst/>
+            </a:prstGeom>
+            <a:noFill/>
+            <a:ln>
+              <a:solidFill>
+                <a:schemeClr val="tx1"/>
+              </a:solidFill>
+            </a:ln>
+          </p:spPr>
+          <p:style>
+            <a:lnRef idx="2">
+              <a:schemeClr val="accent1">
+                <a:shade val="50000"/>
+              </a:schemeClr>
+            </a:lnRef>
+            <a:fillRef idx="1">
+              <a:schemeClr val="accent1"/>
+            </a:fillRef>
+            <a:effectRef idx="0">
+              <a:schemeClr val="accent1"/>
+            </a:effectRef>
+            <a:fontRef idx="minor">
+              <a:schemeClr val="lt1"/>
+            </a:fontRef>
+          </p:style>
+          <p:txBody>
+            <a:bodyPr rtlCol="0" anchor="ctr"/>
+            <a:lstStyle/>
+            <a:p>
+              <a:pPr algn="ctr"/>
+              <a:endParaRPr lang="en-US"/>
+            </a:p>
+          </p:txBody>
+        </p:sp>
+        <p:sp>
+          <p:nvSpPr>
+            <p:cNvPr id="112" name="Oval 111">
+              <a:extLst>
+                <a:ext uri="{FF2B5EF4-FFF2-40B4-BE49-F238E27FC236}">
+                  <a16:creationId xmlns:a16="http://schemas.microsoft.com/office/drawing/2014/main" id="{A3FA5984-9028-9EC1-925B-B23CCDD06F6A}"/>
+                </a:ext>
+              </a:extLst>
+            </p:cNvPr>
+            <p:cNvSpPr/>
+            <p:nvPr/>
+          </p:nvSpPr>
+          <p:spPr>
+            <a:xfrm>
+              <a:off x="717958" y="3121164"/>
+              <a:ext cx="92330" cy="89383"/>
+            </a:xfrm>
+            <a:prstGeom prst="ellipse">
+              <a:avLst/>
+            </a:prstGeom>
+            <a:noFill/>
+            <a:ln>
+              <a:solidFill>
+                <a:schemeClr val="tx1"/>
+              </a:solidFill>
+            </a:ln>
+          </p:spPr>
+          <p:style>
+            <a:lnRef idx="2">
+              <a:schemeClr val="accent1">
+                <a:shade val="50000"/>
+              </a:schemeClr>
+            </a:lnRef>
+            <a:fillRef idx="1">
+              <a:schemeClr val="accent1"/>
+            </a:fillRef>
+            <a:effectRef idx="0">
+              <a:schemeClr val="accent1"/>
+            </a:effectRef>
+            <a:fontRef idx="minor">
+              <a:schemeClr val="lt1"/>
+            </a:fontRef>
+          </p:style>
+          <p:txBody>
+            <a:bodyPr rtlCol="0" anchor="ctr"/>
+            <a:lstStyle/>
+            <a:p>
+              <a:pPr algn="ctr"/>
+              <a:endParaRPr lang="en-US"/>
+            </a:p>
+          </p:txBody>
+        </p:sp>
+        <p:sp>
+          <p:nvSpPr>
+            <p:cNvPr id="113" name="Oval 112">
+              <a:extLst>
+                <a:ext uri="{FF2B5EF4-FFF2-40B4-BE49-F238E27FC236}">
+                  <a16:creationId xmlns:a16="http://schemas.microsoft.com/office/drawing/2014/main" id="{8CB3D150-354A-C1C9-9EB0-39CA5A8E771D}"/>
+                </a:ext>
+              </a:extLst>
+            </p:cNvPr>
+            <p:cNvSpPr/>
+            <p:nvPr/>
+          </p:nvSpPr>
+          <p:spPr>
+            <a:xfrm>
+              <a:off x="457810" y="3121164"/>
+              <a:ext cx="92330" cy="89383"/>
+            </a:xfrm>
+            <a:prstGeom prst="ellipse">
+              <a:avLst/>
+            </a:prstGeom>
+            <a:noFill/>
+            <a:ln>
+              <a:solidFill>
+                <a:schemeClr val="tx1"/>
+              </a:solidFill>
+            </a:ln>
+          </p:spPr>
+          <p:style>
+            <a:lnRef idx="2">
+              <a:schemeClr val="accent1">
+                <a:shade val="50000"/>
+              </a:schemeClr>
+            </a:lnRef>
+            <a:fillRef idx="1">
+              <a:schemeClr val="accent1"/>
+            </a:fillRef>
+            <a:effectRef idx="0">
+              <a:schemeClr val="accent1"/>
+            </a:effectRef>
+            <a:fontRef idx="minor">
+              <a:schemeClr val="lt1"/>
+            </a:fontRef>
+          </p:style>
+          <p:txBody>
+            <a:bodyPr rtlCol="0" anchor="ctr"/>
+            <a:lstStyle/>
+            <a:p>
+              <a:pPr algn="ctr"/>
+              <a:endParaRPr lang="en-US"/>
+            </a:p>
+          </p:txBody>
+        </p:sp>
+      </p:grpSp>
+      <p:grpSp>
+        <p:nvGrpSpPr>
+          <p:cNvPr id="391" name="Group 390">
+            <a:extLst>
+              <a:ext uri="{FF2B5EF4-FFF2-40B4-BE49-F238E27FC236}">
+                <a16:creationId xmlns:a16="http://schemas.microsoft.com/office/drawing/2014/main" id="{19C1554A-7425-5933-6A25-E02F064BB39D}"/>
+              </a:ext>
+            </a:extLst>
+          </p:cNvPr>
+          <p:cNvGrpSpPr/>
+          <p:nvPr/>
+        </p:nvGrpSpPr>
+        <p:grpSpPr>
+          <a:xfrm>
+            <a:off x="418858" y="3316739"/>
+            <a:ext cx="425407" cy="89383"/>
+            <a:chOff x="418858" y="3316739"/>
+            <a:chExt cx="425407" cy="89383"/>
+          </a:xfrm>
+        </p:grpSpPr>
+        <p:cxnSp>
+          <p:nvCxnSpPr>
+            <p:cNvPr id="114" name="Straight Connector 113">
+              <a:extLst>
+                <a:ext uri="{FF2B5EF4-FFF2-40B4-BE49-F238E27FC236}">
+                  <a16:creationId xmlns:a16="http://schemas.microsoft.com/office/drawing/2014/main" id="{A83D4A92-AACB-567D-5596-7F5FC962972C}"/>
+                </a:ext>
+              </a:extLst>
+            </p:cNvPr>
+            <p:cNvCxnSpPr>
+              <a:cxnSpLocks/>
+              <a:stCxn id="116" idx="2"/>
+              <a:endCxn id="115" idx="6"/>
+            </p:cNvCxnSpPr>
+            <p:nvPr/>
+          </p:nvCxnSpPr>
+          <p:spPr>
+            <a:xfrm flipH="1">
+              <a:off x="580104" y="3361431"/>
+              <a:ext cx="101718" cy="0"/>
+            </a:xfrm>
+            <a:prstGeom prst="line">
+              <a:avLst/>
+            </a:prstGeom>
+            <a:ln w="12700">
+              <a:solidFill>
+                <a:schemeClr val="tx1"/>
+              </a:solidFill>
+            </a:ln>
+          </p:spPr>
+          <p:style>
+            <a:lnRef idx="1">
+              <a:schemeClr val="accent1"/>
+            </a:lnRef>
+            <a:fillRef idx="0">
+              <a:schemeClr val="accent1"/>
+            </a:fillRef>
+            <a:effectRef idx="0">
+              <a:schemeClr val="accent1"/>
+            </a:effectRef>
+            <a:fontRef idx="minor">
+              <a:schemeClr val="tx1"/>
+            </a:fontRef>
+          </p:style>
+        </p:cxnSp>
+        <p:sp>
+          <p:nvSpPr>
+            <p:cNvPr id="115" name="Oval 114">
+              <a:extLst>
+                <a:ext uri="{FF2B5EF4-FFF2-40B4-BE49-F238E27FC236}">
+                  <a16:creationId xmlns:a16="http://schemas.microsoft.com/office/drawing/2014/main" id="{26597D5A-A878-C916-DB32-768EB4E8D11D}"/>
+                </a:ext>
+              </a:extLst>
+            </p:cNvPr>
+            <p:cNvSpPr/>
+            <p:nvPr/>
+          </p:nvSpPr>
+          <p:spPr>
+            <a:xfrm>
+              <a:off x="487774" y="3316739"/>
+              <a:ext cx="92330" cy="89383"/>
+            </a:xfrm>
+            <a:prstGeom prst="ellipse">
+              <a:avLst/>
+            </a:prstGeom>
+            <a:noFill/>
+            <a:ln>
+              <a:solidFill>
+                <a:schemeClr val="tx1"/>
+              </a:solidFill>
+            </a:ln>
+          </p:spPr>
+          <p:style>
+            <a:lnRef idx="2">
+              <a:schemeClr val="accent1">
+                <a:shade val="50000"/>
+              </a:schemeClr>
+            </a:lnRef>
+            <a:fillRef idx="1">
+              <a:schemeClr val="accent1"/>
+            </a:fillRef>
+            <a:effectRef idx="0">
+              <a:schemeClr val="accent1"/>
+            </a:effectRef>
+            <a:fontRef idx="minor">
+              <a:schemeClr val="lt1"/>
+            </a:fontRef>
+          </p:style>
+          <p:txBody>
+            <a:bodyPr rtlCol="0" anchor="ctr"/>
+            <a:lstStyle/>
+            <a:p>
+              <a:pPr algn="ctr"/>
+              <a:endParaRPr lang="en-US"/>
+            </a:p>
+          </p:txBody>
+        </p:sp>
+        <p:sp>
+          <p:nvSpPr>
+            <p:cNvPr id="116" name="Oval 115">
+              <a:extLst>
+                <a:ext uri="{FF2B5EF4-FFF2-40B4-BE49-F238E27FC236}">
+                  <a16:creationId xmlns:a16="http://schemas.microsoft.com/office/drawing/2014/main" id="{A1FE6087-5F40-8615-9D86-E00AC8DBB9D8}"/>
+                </a:ext>
+              </a:extLst>
+            </p:cNvPr>
+            <p:cNvSpPr/>
+            <p:nvPr/>
+          </p:nvSpPr>
+          <p:spPr>
+            <a:xfrm>
+              <a:off x="681822" y="3316739"/>
+              <a:ext cx="92330" cy="89383"/>
+            </a:xfrm>
+            <a:prstGeom prst="ellipse">
+              <a:avLst/>
+            </a:prstGeom>
+            <a:noFill/>
+            <a:ln>
+              <a:solidFill>
+                <a:schemeClr val="tx1"/>
+              </a:solidFill>
+            </a:ln>
+          </p:spPr>
+          <p:style>
+            <a:lnRef idx="2">
+              <a:schemeClr val="accent1">
+                <a:shade val="50000"/>
+              </a:schemeClr>
+            </a:lnRef>
+            <a:fillRef idx="1">
+              <a:schemeClr val="accent1"/>
+            </a:fillRef>
+            <a:effectRef idx="0">
+              <a:schemeClr val="accent1"/>
+            </a:effectRef>
+            <a:fontRef idx="minor">
+              <a:schemeClr val="lt1"/>
+            </a:fontRef>
+          </p:style>
+          <p:txBody>
+            <a:bodyPr rtlCol="0" anchor="ctr"/>
+            <a:lstStyle/>
+            <a:p>
+              <a:pPr algn="ctr"/>
+              <a:endParaRPr lang="en-US"/>
+            </a:p>
+          </p:txBody>
+        </p:sp>
+        <p:cxnSp>
+          <p:nvCxnSpPr>
+            <p:cNvPr id="119" name="Straight Connector 118">
+              <a:extLst>
+                <a:ext uri="{FF2B5EF4-FFF2-40B4-BE49-F238E27FC236}">
+                  <a16:creationId xmlns:a16="http://schemas.microsoft.com/office/drawing/2014/main" id="{C814CCCD-DDDB-AA69-B5C8-A151CD43C32B}"/>
+                </a:ext>
+              </a:extLst>
+            </p:cNvPr>
+            <p:cNvCxnSpPr>
+              <a:cxnSpLocks/>
+              <a:endCxn id="116" idx="6"/>
+            </p:cNvCxnSpPr>
+            <p:nvPr/>
+          </p:nvCxnSpPr>
+          <p:spPr>
+            <a:xfrm flipH="1">
+              <a:off x="774152" y="3361431"/>
+              <a:ext cx="70113" cy="0"/>
+            </a:xfrm>
+            <a:prstGeom prst="line">
+              <a:avLst/>
+            </a:prstGeom>
+            <a:ln w="12700">
+              <a:solidFill>
+                <a:schemeClr val="tx1"/>
+              </a:solidFill>
+            </a:ln>
+          </p:spPr>
+          <p:style>
+            <a:lnRef idx="1">
+              <a:schemeClr val="accent1"/>
+            </a:lnRef>
+            <a:fillRef idx="0">
+              <a:schemeClr val="accent1"/>
+            </a:fillRef>
+            <a:effectRef idx="0">
+              <a:schemeClr val="accent1"/>
+            </a:effectRef>
+            <a:fontRef idx="minor">
+              <a:schemeClr val="tx1"/>
+            </a:fontRef>
+          </p:style>
+        </p:cxnSp>
+        <p:cxnSp>
+          <p:nvCxnSpPr>
+            <p:cNvPr id="122" name="Straight Connector 121">
+              <a:extLst>
+                <a:ext uri="{FF2B5EF4-FFF2-40B4-BE49-F238E27FC236}">
+                  <a16:creationId xmlns:a16="http://schemas.microsoft.com/office/drawing/2014/main" id="{28823131-B4C1-6034-921C-DED59D0A0DB7}"/>
+                </a:ext>
+              </a:extLst>
+            </p:cNvPr>
+            <p:cNvCxnSpPr>
+              <a:cxnSpLocks/>
+            </p:cNvCxnSpPr>
+            <p:nvPr/>
+          </p:nvCxnSpPr>
+          <p:spPr>
+            <a:xfrm flipH="1">
+              <a:off x="418858" y="3361430"/>
+              <a:ext cx="70113" cy="0"/>
+            </a:xfrm>
+            <a:prstGeom prst="line">
+              <a:avLst/>
+            </a:prstGeom>
+            <a:ln w="12700">
+              <a:solidFill>
+                <a:schemeClr val="tx1"/>
+              </a:solidFill>
+            </a:ln>
+          </p:spPr>
+          <p:style>
+            <a:lnRef idx="1">
+              <a:schemeClr val="accent1"/>
+            </a:lnRef>
+            <a:fillRef idx="0">
+              <a:schemeClr val="accent1"/>
+            </a:fillRef>
+            <a:effectRef idx="0">
+              <a:schemeClr val="accent1"/>
+            </a:effectRef>
+            <a:fontRef idx="minor">
+              <a:schemeClr val="tx1"/>
+            </a:fontRef>
+          </p:style>
+        </p:cxnSp>
+      </p:grpSp>
+      <p:grpSp>
+        <p:nvGrpSpPr>
+          <p:cNvPr id="124" name="Group 123">
+            <a:extLst>
+              <a:ext uri="{FF2B5EF4-FFF2-40B4-BE49-F238E27FC236}">
+                <a16:creationId xmlns:a16="http://schemas.microsoft.com/office/drawing/2014/main" id="{895ED669-A263-1816-0D80-DABC7474CAF0}"/>
+              </a:ext>
+            </a:extLst>
+          </p:cNvPr>
+          <p:cNvGrpSpPr/>
+          <p:nvPr/>
+        </p:nvGrpSpPr>
+        <p:grpSpPr>
+          <a:xfrm>
+            <a:off x="428647" y="3499661"/>
+            <a:ext cx="415618" cy="241039"/>
+            <a:chOff x="428647" y="2759336"/>
+            <a:chExt cx="415618" cy="241039"/>
+          </a:xfrm>
+        </p:grpSpPr>
+        <p:sp>
+          <p:nvSpPr>
+            <p:cNvPr id="125" name="Oval 124">
+              <a:extLst>
+                <a:ext uri="{FF2B5EF4-FFF2-40B4-BE49-F238E27FC236}">
+                  <a16:creationId xmlns:a16="http://schemas.microsoft.com/office/drawing/2014/main" id="{9EE23168-A2AA-6226-AF1A-DD287DDD6973}"/>
+                </a:ext>
+              </a:extLst>
+            </p:cNvPr>
+            <p:cNvSpPr/>
+            <p:nvPr/>
+          </p:nvSpPr>
+          <p:spPr>
+            <a:xfrm>
+              <a:off x="520977" y="2759336"/>
+              <a:ext cx="230958" cy="216818"/>
+            </a:xfrm>
+            <a:prstGeom prst="ellipse">
+              <a:avLst/>
+            </a:prstGeom>
+            <a:noFill/>
+            <a:ln>
+              <a:solidFill>
+                <a:schemeClr val="tx1"/>
+              </a:solidFill>
+            </a:ln>
+          </p:spPr>
+          <p:style>
+            <a:lnRef idx="2">
+              <a:schemeClr val="accent1">
+                <a:shade val="50000"/>
+              </a:schemeClr>
+            </a:lnRef>
+            <a:fillRef idx="1">
+              <a:schemeClr val="accent1"/>
+            </a:fillRef>
+            <a:effectRef idx="0">
+              <a:schemeClr val="accent1"/>
+            </a:effectRef>
+            <a:fontRef idx="minor">
+              <a:schemeClr val="lt1"/>
+            </a:fontRef>
+          </p:style>
+          <p:txBody>
+            <a:bodyPr rtlCol="0" anchor="ctr"/>
+            <a:lstStyle/>
+            <a:p>
+              <a:pPr algn="ctr"/>
+              <a:endParaRPr lang="en-US"/>
+            </a:p>
+          </p:txBody>
+        </p:sp>
+        <p:cxnSp>
+          <p:nvCxnSpPr>
+            <p:cNvPr id="126" name="Straight Connector 125">
+              <a:extLst>
+                <a:ext uri="{FF2B5EF4-FFF2-40B4-BE49-F238E27FC236}">
+                  <a16:creationId xmlns:a16="http://schemas.microsoft.com/office/drawing/2014/main" id="{285CB33D-BEA3-F9F6-8EBA-F12FF1C00917}"/>
+                </a:ext>
+              </a:extLst>
+            </p:cNvPr>
+            <p:cNvCxnSpPr>
+              <a:cxnSpLocks/>
+              <a:stCxn id="125" idx="5"/>
+            </p:cNvCxnSpPr>
+            <p:nvPr/>
+          </p:nvCxnSpPr>
+          <p:spPr>
+            <a:xfrm>
+              <a:off x="718112" y="2944402"/>
+              <a:ext cx="65429" cy="55973"/>
+            </a:xfrm>
+            <a:prstGeom prst="line">
+              <a:avLst/>
+            </a:prstGeom>
+            <a:ln w="12700">
+              <a:solidFill>
+                <a:schemeClr val="tx1"/>
+              </a:solidFill>
+            </a:ln>
+          </p:spPr>
+          <p:style>
+            <a:lnRef idx="1">
+              <a:schemeClr val="accent1"/>
+            </a:lnRef>
+            <a:fillRef idx="0">
+              <a:schemeClr val="accent1"/>
+            </a:fillRef>
+            <a:effectRef idx="0">
+              <a:schemeClr val="accent1"/>
+            </a:effectRef>
+            <a:fontRef idx="minor">
+              <a:schemeClr val="tx1"/>
+            </a:fontRef>
+          </p:style>
+        </p:cxnSp>
+        <p:cxnSp>
+          <p:nvCxnSpPr>
+            <p:cNvPr id="127" name="Straight Connector 126">
+              <a:extLst>
+                <a:ext uri="{FF2B5EF4-FFF2-40B4-BE49-F238E27FC236}">
+                  <a16:creationId xmlns:a16="http://schemas.microsoft.com/office/drawing/2014/main" id="{57865426-FCAD-B4A1-7346-6391997EE581}"/>
+                </a:ext>
+              </a:extLst>
+            </p:cNvPr>
+            <p:cNvCxnSpPr>
+              <a:cxnSpLocks/>
+              <a:stCxn id="125" idx="6"/>
+            </p:cNvCxnSpPr>
+            <p:nvPr/>
+          </p:nvCxnSpPr>
+          <p:spPr>
+            <a:xfrm>
+              <a:off x="751935" y="2867745"/>
+              <a:ext cx="92330" cy="0"/>
+            </a:xfrm>
+            <a:prstGeom prst="line">
+              <a:avLst/>
+            </a:prstGeom>
+            <a:ln w="12700">
+              <a:solidFill>
+                <a:schemeClr val="tx1"/>
+              </a:solidFill>
+            </a:ln>
+          </p:spPr>
+          <p:style>
+            <a:lnRef idx="1">
+              <a:schemeClr val="accent1"/>
+            </a:lnRef>
+            <a:fillRef idx="0">
+              <a:schemeClr val="accent1"/>
+            </a:fillRef>
+            <a:effectRef idx="0">
+              <a:schemeClr val="accent1"/>
+            </a:effectRef>
+            <a:fontRef idx="minor">
+              <a:schemeClr val="tx1"/>
+            </a:fontRef>
+          </p:style>
+        </p:cxnSp>
+        <p:cxnSp>
+          <p:nvCxnSpPr>
+            <p:cNvPr id="128" name="Straight Connector 127">
+              <a:extLst>
+                <a:ext uri="{FF2B5EF4-FFF2-40B4-BE49-F238E27FC236}">
+                  <a16:creationId xmlns:a16="http://schemas.microsoft.com/office/drawing/2014/main" id="{A600C8B2-E133-739C-ECE0-284D0DA71108}"/>
+                </a:ext>
+              </a:extLst>
+            </p:cNvPr>
+            <p:cNvCxnSpPr>
+              <a:cxnSpLocks/>
+              <a:stCxn id="125" idx="2"/>
+            </p:cNvCxnSpPr>
+            <p:nvPr/>
+          </p:nvCxnSpPr>
+          <p:spPr>
+            <a:xfrm flipH="1">
+              <a:off x="428647" y="2867745"/>
+              <a:ext cx="92330" cy="0"/>
+            </a:xfrm>
+            <a:prstGeom prst="line">
+              <a:avLst/>
+            </a:prstGeom>
+            <a:ln w="12700">
+              <a:solidFill>
+                <a:schemeClr val="tx1"/>
+              </a:solidFill>
+            </a:ln>
+          </p:spPr>
+          <p:style>
+            <a:lnRef idx="1">
+              <a:schemeClr val="accent1"/>
+            </a:lnRef>
+            <a:fillRef idx="0">
+              <a:schemeClr val="accent1"/>
+            </a:fillRef>
+            <a:effectRef idx="0">
+              <a:schemeClr val="accent1"/>
+            </a:effectRef>
+            <a:fontRef idx="minor">
+              <a:schemeClr val="tx1"/>
+            </a:fontRef>
+          </p:style>
+        </p:cxnSp>
+        <p:cxnSp>
+          <p:nvCxnSpPr>
+            <p:cNvPr id="131" name="Straight Connector 130">
+              <a:extLst>
+                <a:ext uri="{FF2B5EF4-FFF2-40B4-BE49-F238E27FC236}">
+                  <a16:creationId xmlns:a16="http://schemas.microsoft.com/office/drawing/2014/main" id="{309AC7C8-E6CC-5E6A-CFBD-903E49BB2241}"/>
+                </a:ext>
+              </a:extLst>
+            </p:cNvPr>
+            <p:cNvCxnSpPr>
+              <a:cxnSpLocks/>
+              <a:endCxn id="125" idx="3"/>
+            </p:cNvCxnSpPr>
+            <p:nvPr/>
+          </p:nvCxnSpPr>
+          <p:spPr>
+            <a:xfrm flipV="1">
+              <a:off x="495688" y="2944402"/>
+              <a:ext cx="59112" cy="55973"/>
+            </a:xfrm>
+            <a:prstGeom prst="line">
+              <a:avLst/>
+            </a:prstGeom>
+            <a:ln w="12700">
+              <a:solidFill>
+                <a:schemeClr val="tx1"/>
+              </a:solidFill>
+            </a:ln>
+          </p:spPr>
+          <p:style>
+            <a:lnRef idx="1">
+              <a:schemeClr val="accent1"/>
+            </a:lnRef>
+            <a:fillRef idx="0">
+              <a:schemeClr val="accent1"/>
+            </a:fillRef>
+            <a:effectRef idx="0">
+              <a:schemeClr val="accent1"/>
+            </a:effectRef>
+            <a:fontRef idx="minor">
+              <a:schemeClr val="tx1"/>
+            </a:fontRef>
+          </p:style>
+        </p:cxnSp>
+      </p:grpSp>
+      <p:pic>
+        <p:nvPicPr>
+          <p:cNvPr id="133" name="Picture 132">
+            <a:extLst>
+              <a:ext uri="{FF2B5EF4-FFF2-40B4-BE49-F238E27FC236}">
+                <a16:creationId xmlns:a16="http://schemas.microsoft.com/office/drawing/2014/main" id="{6FD14535-1058-E64B-2363-DAC46E7D1F00}"/>
+              </a:ext>
+            </a:extLst>
+          </p:cNvPr>
+          <p:cNvPicPr>
+            <a:picLocks noChangeAspect="1"/>
+          </p:cNvPicPr>
+          <p:nvPr/>
+        </p:nvPicPr>
+        <p:blipFill>
+          <a:blip r:embed="rId2">
+            <a:extLst>
+              <a:ext uri="{28A0092B-C50C-407E-A947-70E740481C1C}">
+                <a14:useLocalDpi xmlns:a14="http://schemas.microsoft.com/office/drawing/2010/main" val="0"/>
+              </a:ext>
+            </a:extLst>
+          </a:blip>
+          <a:stretch>
+            <a:fillRect/>
+          </a:stretch>
+        </p:blipFill>
+        <p:spPr>
+          <a:xfrm>
+            <a:off x="2309144" y="-22878"/>
+            <a:ext cx="756920" cy="6858000"/>
+          </a:xfrm>
+          <a:prstGeom prst="rect">
+            <a:avLst/>
+          </a:prstGeom>
+        </p:spPr>
+      </p:pic>
+      <p:grpSp>
+        <p:nvGrpSpPr>
+          <p:cNvPr id="156" name="Group 155">
+            <a:extLst>
+              <a:ext uri="{FF2B5EF4-FFF2-40B4-BE49-F238E27FC236}">
+                <a16:creationId xmlns:a16="http://schemas.microsoft.com/office/drawing/2014/main" id="{D64212D9-1908-833C-2D7A-1A5F0B9F5166}"/>
+              </a:ext>
+            </a:extLst>
+          </p:cNvPr>
+          <p:cNvGrpSpPr/>
+          <p:nvPr/>
+        </p:nvGrpSpPr>
+        <p:grpSpPr>
+          <a:xfrm>
+            <a:off x="457810" y="3865515"/>
+            <a:ext cx="352478" cy="356290"/>
+            <a:chOff x="457810" y="3865515"/>
+            <a:chExt cx="352478" cy="356290"/>
+          </a:xfrm>
+        </p:grpSpPr>
+        <p:sp>
+          <p:nvSpPr>
+            <p:cNvPr id="134" name="Oval 133">
+              <a:extLst>
+                <a:ext uri="{FF2B5EF4-FFF2-40B4-BE49-F238E27FC236}">
+                  <a16:creationId xmlns:a16="http://schemas.microsoft.com/office/drawing/2014/main" id="{FED4A4CF-02D6-9D02-4D23-CDA1866D518D}"/>
+                </a:ext>
+              </a:extLst>
+            </p:cNvPr>
+            <p:cNvSpPr/>
+            <p:nvPr/>
+          </p:nvSpPr>
+          <p:spPr>
+            <a:xfrm>
+              <a:off x="587884" y="3865515"/>
+              <a:ext cx="92330" cy="89383"/>
+            </a:xfrm>
+            <a:prstGeom prst="ellipse">
+              <a:avLst/>
+            </a:prstGeom>
+            <a:noFill/>
+            <a:ln>
+              <a:solidFill>
+                <a:schemeClr val="tx1"/>
+              </a:solidFill>
+            </a:ln>
+          </p:spPr>
+          <p:style>
+            <a:lnRef idx="2">
+              <a:schemeClr val="accent1">
+                <a:shade val="50000"/>
+              </a:schemeClr>
+            </a:lnRef>
+            <a:fillRef idx="1">
+              <a:schemeClr val="accent1"/>
+            </a:fillRef>
+            <a:effectRef idx="0">
+              <a:schemeClr val="accent1"/>
+            </a:effectRef>
+            <a:fontRef idx="minor">
+              <a:schemeClr val="lt1"/>
+            </a:fontRef>
+          </p:style>
+          <p:txBody>
+            <a:bodyPr rtlCol="0" anchor="ctr"/>
+            <a:lstStyle/>
+            <a:p>
+              <a:pPr algn="ctr"/>
+              <a:endParaRPr lang="en-US"/>
+            </a:p>
+          </p:txBody>
+        </p:sp>
+        <p:sp>
+          <p:nvSpPr>
+            <p:cNvPr id="135" name="Oval 134">
+              <a:extLst>
+                <a:ext uri="{FF2B5EF4-FFF2-40B4-BE49-F238E27FC236}">
+                  <a16:creationId xmlns:a16="http://schemas.microsoft.com/office/drawing/2014/main" id="{87D83F5F-00F1-9FFB-EF43-A5CB1FBE8192}"/>
+                </a:ext>
+              </a:extLst>
+            </p:cNvPr>
+            <p:cNvSpPr/>
+            <p:nvPr/>
+          </p:nvSpPr>
+          <p:spPr>
+            <a:xfrm>
+              <a:off x="717958" y="3865515"/>
+              <a:ext cx="92330" cy="89383"/>
+            </a:xfrm>
+            <a:prstGeom prst="ellipse">
+              <a:avLst/>
+            </a:prstGeom>
+            <a:noFill/>
+            <a:ln>
+              <a:solidFill>
+                <a:schemeClr val="tx1"/>
+              </a:solidFill>
+            </a:ln>
+          </p:spPr>
+          <p:style>
+            <a:lnRef idx="2">
+              <a:schemeClr val="accent1">
+                <a:shade val="50000"/>
+              </a:schemeClr>
+            </a:lnRef>
+            <a:fillRef idx="1">
+              <a:schemeClr val="accent1"/>
+            </a:fillRef>
+            <a:effectRef idx="0">
+              <a:schemeClr val="accent1"/>
+            </a:effectRef>
+            <a:fontRef idx="minor">
+              <a:schemeClr val="lt1"/>
+            </a:fontRef>
+          </p:style>
+          <p:txBody>
+            <a:bodyPr rtlCol="0" anchor="ctr"/>
+            <a:lstStyle/>
+            <a:p>
+              <a:pPr algn="ctr"/>
+              <a:endParaRPr lang="en-US"/>
+            </a:p>
+          </p:txBody>
+        </p:sp>
+        <p:sp>
+          <p:nvSpPr>
+            <p:cNvPr id="136" name="Oval 135">
+              <a:extLst>
+                <a:ext uri="{FF2B5EF4-FFF2-40B4-BE49-F238E27FC236}">
+                  <a16:creationId xmlns:a16="http://schemas.microsoft.com/office/drawing/2014/main" id="{0B4D456C-51DD-CC0B-83A0-338224A8577D}"/>
+                </a:ext>
+              </a:extLst>
+            </p:cNvPr>
+            <p:cNvSpPr/>
+            <p:nvPr/>
+          </p:nvSpPr>
+          <p:spPr>
+            <a:xfrm>
+              <a:off x="457810" y="3865515"/>
+              <a:ext cx="92330" cy="89383"/>
+            </a:xfrm>
+            <a:prstGeom prst="ellipse">
+              <a:avLst/>
+            </a:prstGeom>
+            <a:noFill/>
+            <a:ln>
+              <a:solidFill>
+                <a:schemeClr val="tx1"/>
+              </a:solidFill>
+            </a:ln>
+          </p:spPr>
+          <p:style>
+            <a:lnRef idx="2">
+              <a:schemeClr val="accent1">
+                <a:shade val="50000"/>
+              </a:schemeClr>
+            </a:lnRef>
+            <a:fillRef idx="1">
+              <a:schemeClr val="accent1"/>
+            </a:fillRef>
+            <a:effectRef idx="0">
+              <a:schemeClr val="accent1"/>
+            </a:effectRef>
+            <a:fontRef idx="minor">
+              <a:schemeClr val="lt1"/>
+            </a:fontRef>
+          </p:style>
+          <p:txBody>
+            <a:bodyPr rtlCol="0" anchor="ctr"/>
+            <a:lstStyle/>
+            <a:p>
+              <a:pPr algn="ctr"/>
+              <a:endParaRPr lang="en-US"/>
+            </a:p>
+          </p:txBody>
+        </p:sp>
+        <p:sp>
+          <p:nvSpPr>
+            <p:cNvPr id="137" name="Oval 136">
+              <a:extLst>
+                <a:ext uri="{FF2B5EF4-FFF2-40B4-BE49-F238E27FC236}">
+                  <a16:creationId xmlns:a16="http://schemas.microsoft.com/office/drawing/2014/main" id="{1E062CE3-1263-BB54-927F-4C9D1B339918}"/>
+                </a:ext>
+              </a:extLst>
+            </p:cNvPr>
+            <p:cNvSpPr/>
+            <p:nvPr/>
+          </p:nvSpPr>
+          <p:spPr>
+            <a:xfrm>
+              <a:off x="717958" y="4132422"/>
+              <a:ext cx="92330" cy="89383"/>
+            </a:xfrm>
+            <a:prstGeom prst="ellipse">
+              <a:avLst/>
+            </a:prstGeom>
+            <a:noFill/>
+            <a:ln>
+              <a:solidFill>
+                <a:schemeClr val="tx1"/>
+              </a:solidFill>
+            </a:ln>
+          </p:spPr>
+          <p:style>
+            <a:lnRef idx="2">
+              <a:schemeClr val="accent1">
+                <a:shade val="50000"/>
+              </a:schemeClr>
+            </a:lnRef>
+            <a:fillRef idx="1">
+              <a:schemeClr val="accent1"/>
+            </a:fillRef>
+            <a:effectRef idx="0">
+              <a:schemeClr val="accent1"/>
+            </a:effectRef>
+            <a:fontRef idx="minor">
+              <a:schemeClr val="lt1"/>
+            </a:fontRef>
+          </p:style>
+          <p:txBody>
+            <a:bodyPr rtlCol="0" anchor="ctr"/>
+            <a:lstStyle/>
+            <a:p>
+              <a:pPr algn="ctr"/>
+              <a:endParaRPr lang="en-US"/>
+            </a:p>
+          </p:txBody>
+        </p:sp>
+        <p:sp>
+          <p:nvSpPr>
+            <p:cNvPr id="138" name="Oval 137">
+              <a:extLst>
+                <a:ext uri="{FF2B5EF4-FFF2-40B4-BE49-F238E27FC236}">
+                  <a16:creationId xmlns:a16="http://schemas.microsoft.com/office/drawing/2014/main" id="{EFB0B92E-E466-80AA-377B-435CC44C0DE1}"/>
+                </a:ext>
+              </a:extLst>
+            </p:cNvPr>
+            <p:cNvSpPr/>
+            <p:nvPr/>
+          </p:nvSpPr>
+          <p:spPr>
+            <a:xfrm>
+              <a:off x="457810" y="4132422"/>
+              <a:ext cx="92330" cy="89383"/>
+            </a:xfrm>
+            <a:prstGeom prst="ellipse">
+              <a:avLst/>
+            </a:prstGeom>
+            <a:noFill/>
+            <a:ln>
+              <a:solidFill>
+                <a:schemeClr val="tx1"/>
+              </a:solidFill>
+            </a:ln>
+          </p:spPr>
+          <p:style>
+            <a:lnRef idx="2">
+              <a:schemeClr val="accent1">
+                <a:shade val="50000"/>
+              </a:schemeClr>
+            </a:lnRef>
+            <a:fillRef idx="1">
+              <a:schemeClr val="accent1"/>
+            </a:fillRef>
+            <a:effectRef idx="0">
+              <a:schemeClr val="accent1"/>
+            </a:effectRef>
+            <a:fontRef idx="minor">
+              <a:schemeClr val="lt1"/>
+            </a:fontRef>
+          </p:style>
+          <p:txBody>
+            <a:bodyPr rtlCol="0" anchor="ctr"/>
+            <a:lstStyle/>
+            <a:p>
+              <a:pPr algn="ctr"/>
+              <a:endParaRPr lang="en-US"/>
+            </a:p>
+          </p:txBody>
+        </p:sp>
+        <p:cxnSp>
+          <p:nvCxnSpPr>
+            <p:cNvPr id="139" name="Straight Connector 138">
+              <a:extLst>
+                <a:ext uri="{FF2B5EF4-FFF2-40B4-BE49-F238E27FC236}">
+                  <a16:creationId xmlns:a16="http://schemas.microsoft.com/office/drawing/2014/main" id="{89214BB9-FB46-4101-7D39-F8BB4BC327D8}"/>
+                </a:ext>
+              </a:extLst>
+            </p:cNvPr>
+            <p:cNvCxnSpPr>
+              <a:cxnSpLocks/>
+              <a:stCxn id="137" idx="0"/>
+              <a:endCxn id="135" idx="4"/>
+            </p:cNvCxnSpPr>
+            <p:nvPr/>
+          </p:nvCxnSpPr>
+          <p:spPr>
+            <a:xfrm flipV="1">
+              <a:off x="764123" y="3954898"/>
+              <a:ext cx="0" cy="177524"/>
+            </a:xfrm>
+            <a:prstGeom prst="line">
+              <a:avLst/>
+            </a:prstGeom>
+            <a:ln w="12700">
+              <a:solidFill>
+                <a:schemeClr val="tx1"/>
+              </a:solidFill>
+            </a:ln>
+          </p:spPr>
+          <p:style>
+            <a:lnRef idx="1">
+              <a:schemeClr val="accent1"/>
+            </a:lnRef>
+            <a:fillRef idx="0">
+              <a:schemeClr val="accent1"/>
+            </a:fillRef>
+            <a:effectRef idx="0">
+              <a:schemeClr val="accent1"/>
+            </a:effectRef>
+            <a:fontRef idx="minor">
+              <a:schemeClr val="tx1"/>
+            </a:fontRef>
+          </p:style>
+        </p:cxnSp>
+        <p:cxnSp>
+          <p:nvCxnSpPr>
+            <p:cNvPr id="142" name="Straight Connector 141">
+              <a:extLst>
+                <a:ext uri="{FF2B5EF4-FFF2-40B4-BE49-F238E27FC236}">
+                  <a16:creationId xmlns:a16="http://schemas.microsoft.com/office/drawing/2014/main" id="{8427F00D-EAAB-72E2-E1C8-4AF68E7DDE70}"/>
+                </a:ext>
+              </a:extLst>
+            </p:cNvPr>
+            <p:cNvCxnSpPr>
+              <a:cxnSpLocks/>
+              <a:stCxn id="138" idx="0"/>
+              <a:endCxn id="136" idx="4"/>
+            </p:cNvCxnSpPr>
+            <p:nvPr/>
+          </p:nvCxnSpPr>
+          <p:spPr>
+            <a:xfrm flipV="1">
+              <a:off x="503975" y="3954898"/>
+              <a:ext cx="0" cy="177524"/>
+            </a:xfrm>
+            <a:prstGeom prst="line">
+              <a:avLst/>
+            </a:prstGeom>
+            <a:ln w="12700">
+              <a:solidFill>
+                <a:schemeClr val="tx1"/>
+              </a:solidFill>
+            </a:ln>
+          </p:spPr>
+          <p:style>
+            <a:lnRef idx="1">
+              <a:schemeClr val="accent1"/>
+            </a:lnRef>
+            <a:fillRef idx="0">
+              <a:schemeClr val="accent1"/>
+            </a:fillRef>
+            <a:effectRef idx="0">
+              <a:schemeClr val="accent1"/>
+            </a:effectRef>
+            <a:fontRef idx="minor">
+              <a:schemeClr val="tx1"/>
+            </a:fontRef>
+          </p:style>
+        </p:cxnSp>
+        <p:cxnSp>
+          <p:nvCxnSpPr>
+            <p:cNvPr id="145" name="Straight Connector 144">
+              <a:extLst>
+                <a:ext uri="{FF2B5EF4-FFF2-40B4-BE49-F238E27FC236}">
+                  <a16:creationId xmlns:a16="http://schemas.microsoft.com/office/drawing/2014/main" id="{FBF11813-5425-1BD6-EEF6-61A42F9C2139}"/>
+                </a:ext>
+              </a:extLst>
+            </p:cNvPr>
+            <p:cNvCxnSpPr>
+              <a:cxnSpLocks/>
+              <a:stCxn id="134" idx="2"/>
+              <a:endCxn id="136" idx="6"/>
+            </p:cNvCxnSpPr>
+            <p:nvPr/>
+          </p:nvCxnSpPr>
+          <p:spPr>
+            <a:xfrm flipH="1">
+              <a:off x="550140" y="3910207"/>
+              <a:ext cx="37744" cy="0"/>
+            </a:xfrm>
+            <a:prstGeom prst="line">
+              <a:avLst/>
+            </a:prstGeom>
+            <a:ln w="12700">
+              <a:solidFill>
+                <a:schemeClr val="tx1"/>
+              </a:solidFill>
+            </a:ln>
+          </p:spPr>
+          <p:style>
+            <a:lnRef idx="1">
+              <a:schemeClr val="accent1"/>
+            </a:lnRef>
+            <a:fillRef idx="0">
+              <a:schemeClr val="accent1"/>
+            </a:fillRef>
+            <a:effectRef idx="0">
+              <a:schemeClr val="accent1"/>
+            </a:effectRef>
+            <a:fontRef idx="minor">
+              <a:schemeClr val="tx1"/>
+            </a:fontRef>
+          </p:style>
+        </p:cxnSp>
+        <p:cxnSp>
+          <p:nvCxnSpPr>
+            <p:cNvPr id="148" name="Straight Connector 147">
+              <a:extLst>
+                <a:ext uri="{FF2B5EF4-FFF2-40B4-BE49-F238E27FC236}">
+                  <a16:creationId xmlns:a16="http://schemas.microsoft.com/office/drawing/2014/main" id="{E93F8A39-7580-8441-546D-0378FF768BE3}"/>
+                </a:ext>
+              </a:extLst>
+            </p:cNvPr>
+            <p:cNvCxnSpPr>
+              <a:cxnSpLocks/>
+              <a:stCxn id="135" idx="2"/>
+              <a:endCxn id="134" idx="6"/>
+            </p:cNvCxnSpPr>
+            <p:nvPr/>
+          </p:nvCxnSpPr>
+          <p:spPr>
+            <a:xfrm flipH="1">
+              <a:off x="680214" y="3910207"/>
+              <a:ext cx="37744" cy="0"/>
+            </a:xfrm>
+            <a:prstGeom prst="line">
+              <a:avLst/>
+            </a:prstGeom>
+            <a:ln w="12700">
+              <a:solidFill>
+                <a:schemeClr val="tx1"/>
+              </a:solidFill>
+            </a:ln>
+          </p:spPr>
+          <p:style>
+            <a:lnRef idx="1">
+              <a:schemeClr val="accent1"/>
+            </a:lnRef>
+            <a:fillRef idx="0">
+              <a:schemeClr val="accent1"/>
+            </a:fillRef>
+            <a:effectRef idx="0">
+              <a:schemeClr val="accent1"/>
+            </a:effectRef>
+            <a:fontRef idx="minor">
+              <a:schemeClr val="tx1"/>
+            </a:fontRef>
+          </p:style>
+        </p:cxnSp>
+      </p:grpSp>
+      <p:grpSp>
+        <p:nvGrpSpPr>
+          <p:cNvPr id="392" name="Group 391">
+            <a:extLst>
+              <a:ext uri="{FF2B5EF4-FFF2-40B4-BE49-F238E27FC236}">
+                <a16:creationId xmlns:a16="http://schemas.microsoft.com/office/drawing/2014/main" id="{0353B970-ABF1-1D4F-D9F8-D94ECDDB3278}"/>
+              </a:ext>
+            </a:extLst>
+          </p:cNvPr>
+          <p:cNvGrpSpPr/>
+          <p:nvPr/>
+        </p:nvGrpSpPr>
+        <p:grpSpPr>
+          <a:xfrm>
+            <a:off x="488609" y="4303156"/>
+            <a:ext cx="297950" cy="431534"/>
+            <a:chOff x="488609" y="4303156"/>
+            <a:chExt cx="297950" cy="431534"/>
+          </a:xfrm>
+        </p:grpSpPr>
+        <p:sp>
+          <p:nvSpPr>
+            <p:cNvPr id="151" name="Oval 150">
+              <a:extLst>
+                <a:ext uri="{FF2B5EF4-FFF2-40B4-BE49-F238E27FC236}">
+                  <a16:creationId xmlns:a16="http://schemas.microsoft.com/office/drawing/2014/main" id="{04CF2E9E-3DA8-CB8B-AFF5-FA910EE2CB61}"/>
+                </a:ext>
+              </a:extLst>
+            </p:cNvPr>
+            <p:cNvSpPr/>
+            <p:nvPr/>
+          </p:nvSpPr>
+          <p:spPr>
+            <a:xfrm>
+              <a:off x="520977" y="4303156"/>
+              <a:ext cx="230958" cy="216818"/>
+            </a:xfrm>
+            <a:prstGeom prst="ellipse">
+              <a:avLst/>
+            </a:prstGeom>
+            <a:noFill/>
+            <a:ln>
+              <a:solidFill>
+                <a:schemeClr val="tx1"/>
+              </a:solidFill>
+            </a:ln>
+          </p:spPr>
+          <p:style>
+            <a:lnRef idx="2">
+              <a:schemeClr val="accent1">
+                <a:shade val="50000"/>
+              </a:schemeClr>
+            </a:lnRef>
+            <a:fillRef idx="1">
+              <a:schemeClr val="accent1"/>
+            </a:fillRef>
+            <a:effectRef idx="0">
+              <a:schemeClr val="accent1"/>
+            </a:effectRef>
+            <a:fontRef idx="minor">
+              <a:schemeClr val="lt1"/>
+            </a:fontRef>
+          </p:style>
+          <p:txBody>
+            <a:bodyPr rtlCol="0" anchor="ctr"/>
+            <a:lstStyle/>
+            <a:p>
+              <a:pPr algn="ctr"/>
+              <a:endParaRPr lang="en-US"/>
+            </a:p>
+          </p:txBody>
+        </p:sp>
+        <p:sp>
+          <p:nvSpPr>
+            <p:cNvPr id="152" name="Oval 151">
+              <a:extLst>
+                <a:ext uri="{FF2B5EF4-FFF2-40B4-BE49-F238E27FC236}">
+                  <a16:creationId xmlns:a16="http://schemas.microsoft.com/office/drawing/2014/main" id="{BD63B9AF-65E6-71FC-2145-FEFF7B5E8F22}"/>
+                </a:ext>
+              </a:extLst>
+            </p:cNvPr>
+            <p:cNvSpPr/>
+            <p:nvPr/>
+          </p:nvSpPr>
+          <p:spPr>
+            <a:xfrm>
+              <a:off x="694229" y="4535956"/>
+              <a:ext cx="92330" cy="89383"/>
+            </a:xfrm>
+            <a:prstGeom prst="ellipse">
+              <a:avLst/>
+            </a:prstGeom>
+            <a:noFill/>
+            <a:ln>
+              <a:solidFill>
+                <a:schemeClr val="tx1"/>
+              </a:solidFill>
+            </a:ln>
+          </p:spPr>
+          <p:style>
+            <a:lnRef idx="2">
+              <a:schemeClr val="accent1">
+                <a:shade val="50000"/>
+              </a:schemeClr>
+            </a:lnRef>
+            <a:fillRef idx="1">
+              <a:schemeClr val="accent1"/>
+            </a:fillRef>
+            <a:effectRef idx="0">
+              <a:schemeClr val="accent1"/>
+            </a:effectRef>
+            <a:fontRef idx="minor">
+              <a:schemeClr val="lt1"/>
+            </a:fontRef>
+          </p:style>
+          <p:txBody>
+            <a:bodyPr rtlCol="0" anchor="ctr"/>
+            <a:lstStyle/>
+            <a:p>
+              <a:pPr algn="ctr"/>
+              <a:endParaRPr lang="en-US"/>
+            </a:p>
+          </p:txBody>
+        </p:sp>
+        <p:sp>
+          <p:nvSpPr>
+            <p:cNvPr id="153" name="Diamond 152">
+              <a:extLst>
+                <a:ext uri="{FF2B5EF4-FFF2-40B4-BE49-F238E27FC236}">
+                  <a16:creationId xmlns:a16="http://schemas.microsoft.com/office/drawing/2014/main" id="{DBF84485-D1C2-3394-A1FF-228D6DD4AB46}"/>
+                </a:ext>
+              </a:extLst>
+            </p:cNvPr>
+            <p:cNvSpPr/>
+            <p:nvPr/>
+          </p:nvSpPr>
+          <p:spPr>
+            <a:xfrm>
+              <a:off x="594639" y="4530443"/>
+              <a:ext cx="89418" cy="104395"/>
+            </a:xfrm>
+            <a:prstGeom prst="diamond">
+              <a:avLst/>
+            </a:prstGeom>
+            <a:noFill/>
+            <a:ln>
+              <a:solidFill>
+                <a:schemeClr val="tx1"/>
+              </a:solidFill>
+            </a:ln>
+          </p:spPr>
+          <p:style>
+            <a:lnRef idx="2">
+              <a:schemeClr val="accent1">
+                <a:shade val="50000"/>
+              </a:schemeClr>
+            </a:lnRef>
+            <a:fillRef idx="1">
+              <a:schemeClr val="accent1"/>
+            </a:fillRef>
+            <a:effectRef idx="0">
+              <a:schemeClr val="accent1"/>
+            </a:effectRef>
+            <a:fontRef idx="minor">
+              <a:schemeClr val="lt1"/>
+            </a:fontRef>
+          </p:style>
+          <p:txBody>
+            <a:bodyPr rtlCol="0" anchor="ctr"/>
+            <a:lstStyle/>
+            <a:p>
+              <a:pPr algn="ctr"/>
+              <a:endParaRPr lang="en-US"/>
+            </a:p>
+          </p:txBody>
+        </p:sp>
+        <p:sp>
+          <p:nvSpPr>
+            <p:cNvPr id="154" name="Oval 153">
+              <a:extLst>
+                <a:ext uri="{FF2B5EF4-FFF2-40B4-BE49-F238E27FC236}">
+                  <a16:creationId xmlns:a16="http://schemas.microsoft.com/office/drawing/2014/main" id="{0ED3729B-4CC1-EF4A-F63F-837128493D7B}"/>
+                </a:ext>
+              </a:extLst>
+            </p:cNvPr>
+            <p:cNvSpPr/>
+            <p:nvPr/>
+          </p:nvSpPr>
+          <p:spPr>
+            <a:xfrm>
+              <a:off x="488609" y="4535956"/>
+              <a:ext cx="92330" cy="89383"/>
+            </a:xfrm>
+            <a:prstGeom prst="ellipse">
+              <a:avLst/>
+            </a:prstGeom>
+            <a:noFill/>
+            <a:ln>
+              <a:solidFill>
+                <a:schemeClr val="tx1"/>
+              </a:solidFill>
+            </a:ln>
+          </p:spPr>
+          <p:style>
+            <a:lnRef idx="2">
+              <a:schemeClr val="accent1">
+                <a:shade val="50000"/>
+              </a:schemeClr>
+            </a:lnRef>
+            <a:fillRef idx="1">
+              <a:schemeClr val="accent1"/>
+            </a:fillRef>
+            <a:effectRef idx="0">
+              <a:schemeClr val="accent1"/>
+            </a:effectRef>
+            <a:fontRef idx="minor">
+              <a:schemeClr val="lt1"/>
+            </a:fontRef>
+          </p:style>
+          <p:txBody>
+            <a:bodyPr rtlCol="0" anchor="ctr"/>
+            <a:lstStyle/>
+            <a:p>
+              <a:pPr algn="ctr"/>
+              <a:endParaRPr lang="en-US"/>
+            </a:p>
+          </p:txBody>
+        </p:sp>
+        <p:sp>
+          <p:nvSpPr>
+            <p:cNvPr id="155" name="Oval 154">
+              <a:extLst>
+                <a:ext uri="{FF2B5EF4-FFF2-40B4-BE49-F238E27FC236}">
+                  <a16:creationId xmlns:a16="http://schemas.microsoft.com/office/drawing/2014/main" id="{5B971166-6BE2-9E76-DC4A-0FC52D0870BF}"/>
+                </a:ext>
+              </a:extLst>
+            </p:cNvPr>
+            <p:cNvSpPr/>
+            <p:nvPr/>
+          </p:nvSpPr>
+          <p:spPr>
+            <a:xfrm>
+              <a:off x="594639" y="4645307"/>
+              <a:ext cx="92330" cy="89383"/>
+            </a:xfrm>
+            <a:prstGeom prst="ellipse">
+              <a:avLst/>
+            </a:prstGeom>
+            <a:noFill/>
+            <a:ln>
+              <a:solidFill>
+                <a:schemeClr val="tx1"/>
+              </a:solidFill>
+            </a:ln>
+          </p:spPr>
+          <p:style>
+            <a:lnRef idx="2">
+              <a:schemeClr val="accent1">
+                <a:shade val="50000"/>
+              </a:schemeClr>
+            </a:lnRef>
+            <a:fillRef idx="1">
+              <a:schemeClr val="accent1"/>
+            </a:fillRef>
+            <a:effectRef idx="0">
+              <a:schemeClr val="accent1"/>
+            </a:effectRef>
+            <a:fontRef idx="minor">
+              <a:schemeClr val="lt1"/>
+            </a:fontRef>
+          </p:style>
+          <p:txBody>
+            <a:bodyPr rtlCol="0" anchor="ctr"/>
+            <a:lstStyle/>
+            <a:p>
+              <a:pPr algn="ctr"/>
+              <a:endParaRPr lang="en-US"/>
+            </a:p>
+          </p:txBody>
+        </p:sp>
+      </p:grpSp>
+      <p:grpSp>
+        <p:nvGrpSpPr>
+          <p:cNvPr id="157" name="Group 156">
+            <a:extLst>
+              <a:ext uri="{FF2B5EF4-FFF2-40B4-BE49-F238E27FC236}">
+                <a16:creationId xmlns:a16="http://schemas.microsoft.com/office/drawing/2014/main" id="{F34CA0C3-00FA-5675-F874-DA737C369BDB}"/>
+              </a:ext>
+            </a:extLst>
+          </p:cNvPr>
+          <p:cNvGrpSpPr/>
+          <p:nvPr/>
+        </p:nvGrpSpPr>
+        <p:grpSpPr>
+          <a:xfrm rot="10800000">
+            <a:off x="456730" y="4806941"/>
+            <a:ext cx="352478" cy="356290"/>
+            <a:chOff x="457810" y="3865515"/>
+            <a:chExt cx="352478" cy="356290"/>
+          </a:xfrm>
+        </p:grpSpPr>
+        <p:sp>
+          <p:nvSpPr>
+            <p:cNvPr id="158" name="Oval 157">
+              <a:extLst>
+                <a:ext uri="{FF2B5EF4-FFF2-40B4-BE49-F238E27FC236}">
+                  <a16:creationId xmlns:a16="http://schemas.microsoft.com/office/drawing/2014/main" id="{DB4AD8B2-993D-AD94-4901-E4EAE92B25DA}"/>
+                </a:ext>
+              </a:extLst>
+            </p:cNvPr>
+            <p:cNvSpPr/>
+            <p:nvPr/>
+          </p:nvSpPr>
+          <p:spPr>
+            <a:xfrm>
+              <a:off x="587884" y="3865515"/>
+              <a:ext cx="92330" cy="89383"/>
+            </a:xfrm>
+            <a:prstGeom prst="ellipse">
+              <a:avLst/>
+            </a:prstGeom>
+            <a:noFill/>
+            <a:ln>
+              <a:solidFill>
+                <a:schemeClr val="tx1"/>
+              </a:solidFill>
+            </a:ln>
+          </p:spPr>
+          <p:style>
+            <a:lnRef idx="2">
+              <a:schemeClr val="accent1">
+                <a:shade val="50000"/>
+              </a:schemeClr>
+            </a:lnRef>
+            <a:fillRef idx="1">
+              <a:schemeClr val="accent1"/>
+            </a:fillRef>
+            <a:effectRef idx="0">
+              <a:schemeClr val="accent1"/>
+            </a:effectRef>
+            <a:fontRef idx="minor">
+              <a:schemeClr val="lt1"/>
+            </a:fontRef>
+          </p:style>
+          <p:txBody>
+            <a:bodyPr rtlCol="0" anchor="ctr"/>
+            <a:lstStyle/>
+            <a:p>
+              <a:pPr algn="ctr"/>
+              <a:endParaRPr lang="en-US"/>
+            </a:p>
+          </p:txBody>
+        </p:sp>
+        <p:sp>
+          <p:nvSpPr>
+            <p:cNvPr id="159" name="Oval 158">
+              <a:extLst>
+                <a:ext uri="{FF2B5EF4-FFF2-40B4-BE49-F238E27FC236}">
+                  <a16:creationId xmlns:a16="http://schemas.microsoft.com/office/drawing/2014/main" id="{1BCC9F29-24C5-1F41-FE78-576B38EAA348}"/>
+                </a:ext>
+              </a:extLst>
+            </p:cNvPr>
+            <p:cNvSpPr/>
+            <p:nvPr/>
+          </p:nvSpPr>
+          <p:spPr>
+            <a:xfrm>
+              <a:off x="717958" y="3865515"/>
+              <a:ext cx="92330" cy="89383"/>
+            </a:xfrm>
+            <a:prstGeom prst="ellipse">
+              <a:avLst/>
+            </a:prstGeom>
+            <a:noFill/>
+            <a:ln>
+              <a:solidFill>
+                <a:schemeClr val="tx1"/>
+              </a:solidFill>
+            </a:ln>
+          </p:spPr>
+          <p:style>
+            <a:lnRef idx="2">
+              <a:schemeClr val="accent1">
+                <a:shade val="50000"/>
+              </a:schemeClr>
+            </a:lnRef>
+            <a:fillRef idx="1">
+              <a:schemeClr val="accent1"/>
+            </a:fillRef>
+            <a:effectRef idx="0">
+              <a:schemeClr val="accent1"/>
+            </a:effectRef>
+            <a:fontRef idx="minor">
+              <a:schemeClr val="lt1"/>
+            </a:fontRef>
+          </p:style>
+          <p:txBody>
+            <a:bodyPr rtlCol="0" anchor="ctr"/>
+            <a:lstStyle/>
+            <a:p>
+              <a:pPr algn="ctr"/>
+              <a:endParaRPr lang="en-US"/>
+            </a:p>
+          </p:txBody>
+        </p:sp>
+        <p:sp>
+          <p:nvSpPr>
+            <p:cNvPr id="160" name="Oval 159">
+              <a:extLst>
+                <a:ext uri="{FF2B5EF4-FFF2-40B4-BE49-F238E27FC236}">
+                  <a16:creationId xmlns:a16="http://schemas.microsoft.com/office/drawing/2014/main" id="{60D5F2D2-A8FB-2702-7255-50D458ACCFA0}"/>
+                </a:ext>
+              </a:extLst>
+            </p:cNvPr>
+            <p:cNvSpPr/>
+            <p:nvPr/>
+          </p:nvSpPr>
+          <p:spPr>
+            <a:xfrm>
+              <a:off x="457810" y="3865515"/>
+              <a:ext cx="92330" cy="89383"/>
+            </a:xfrm>
+            <a:prstGeom prst="ellipse">
+              <a:avLst/>
+            </a:prstGeom>
+            <a:noFill/>
+            <a:ln>
+              <a:solidFill>
+                <a:schemeClr val="tx1"/>
+              </a:solidFill>
+            </a:ln>
+          </p:spPr>
+          <p:style>
+            <a:lnRef idx="2">
+              <a:schemeClr val="accent1">
+                <a:shade val="50000"/>
+              </a:schemeClr>
+            </a:lnRef>
+            <a:fillRef idx="1">
+              <a:schemeClr val="accent1"/>
+            </a:fillRef>
+            <a:effectRef idx="0">
+              <a:schemeClr val="accent1"/>
+            </a:effectRef>
+            <a:fontRef idx="minor">
+              <a:schemeClr val="lt1"/>
+            </a:fontRef>
+          </p:style>
+          <p:txBody>
+            <a:bodyPr rtlCol="0" anchor="ctr"/>
+            <a:lstStyle/>
+            <a:p>
+              <a:pPr algn="ctr"/>
+              <a:endParaRPr lang="en-US"/>
+            </a:p>
+          </p:txBody>
+        </p:sp>
+        <p:sp>
+          <p:nvSpPr>
+            <p:cNvPr id="161" name="Oval 160">
+              <a:extLst>
+                <a:ext uri="{FF2B5EF4-FFF2-40B4-BE49-F238E27FC236}">
+                  <a16:creationId xmlns:a16="http://schemas.microsoft.com/office/drawing/2014/main" id="{62A13567-0AF2-D230-7849-095183D7FE15}"/>
+                </a:ext>
+              </a:extLst>
+            </p:cNvPr>
+            <p:cNvSpPr/>
+            <p:nvPr/>
+          </p:nvSpPr>
+          <p:spPr>
+            <a:xfrm>
+              <a:off x="717958" y="4132422"/>
+              <a:ext cx="92330" cy="89383"/>
+            </a:xfrm>
+            <a:prstGeom prst="ellipse">
+              <a:avLst/>
+            </a:prstGeom>
+            <a:noFill/>
+            <a:ln>
+              <a:solidFill>
+                <a:schemeClr val="tx1"/>
+              </a:solidFill>
+            </a:ln>
+          </p:spPr>
+          <p:style>
+            <a:lnRef idx="2">
+              <a:schemeClr val="accent1">
+                <a:shade val="50000"/>
+              </a:schemeClr>
+            </a:lnRef>
+            <a:fillRef idx="1">
+              <a:schemeClr val="accent1"/>
+            </a:fillRef>
+            <a:effectRef idx="0">
+              <a:schemeClr val="accent1"/>
+            </a:effectRef>
+            <a:fontRef idx="minor">
+              <a:schemeClr val="lt1"/>
+            </a:fontRef>
+          </p:style>
+          <p:txBody>
+            <a:bodyPr rtlCol="0" anchor="ctr"/>
+            <a:lstStyle/>
+            <a:p>
+              <a:pPr algn="ctr"/>
+              <a:endParaRPr lang="en-US"/>
+            </a:p>
+          </p:txBody>
+        </p:sp>
+        <p:sp>
+          <p:nvSpPr>
+            <p:cNvPr id="162" name="Oval 161">
+              <a:extLst>
+                <a:ext uri="{FF2B5EF4-FFF2-40B4-BE49-F238E27FC236}">
+                  <a16:creationId xmlns:a16="http://schemas.microsoft.com/office/drawing/2014/main" id="{3CD658AA-FB33-4F0E-F3AB-B538FC261084}"/>
+                </a:ext>
+              </a:extLst>
+            </p:cNvPr>
+            <p:cNvSpPr/>
+            <p:nvPr/>
+          </p:nvSpPr>
+          <p:spPr>
+            <a:xfrm>
+              <a:off x="457810" y="4132422"/>
+              <a:ext cx="92330" cy="89383"/>
+            </a:xfrm>
+            <a:prstGeom prst="ellipse">
+              <a:avLst/>
+            </a:prstGeom>
+            <a:noFill/>
+            <a:ln>
+              <a:solidFill>
+                <a:schemeClr val="tx1"/>
+              </a:solidFill>
+            </a:ln>
+          </p:spPr>
+          <p:style>
+            <a:lnRef idx="2">
+              <a:schemeClr val="accent1">
+                <a:shade val="50000"/>
+              </a:schemeClr>
+            </a:lnRef>
+            <a:fillRef idx="1">
+              <a:schemeClr val="accent1"/>
+            </a:fillRef>
+            <a:effectRef idx="0">
+              <a:schemeClr val="accent1"/>
+            </a:effectRef>
+            <a:fontRef idx="minor">
+              <a:schemeClr val="lt1"/>
+            </a:fontRef>
+          </p:style>
+          <p:txBody>
+            <a:bodyPr rtlCol="0" anchor="ctr"/>
+            <a:lstStyle/>
+            <a:p>
+              <a:pPr algn="ctr"/>
+              <a:endParaRPr lang="en-US"/>
+            </a:p>
+          </p:txBody>
+        </p:sp>
+        <p:cxnSp>
+          <p:nvCxnSpPr>
+            <p:cNvPr id="163" name="Straight Connector 162">
+              <a:extLst>
+                <a:ext uri="{FF2B5EF4-FFF2-40B4-BE49-F238E27FC236}">
+                  <a16:creationId xmlns:a16="http://schemas.microsoft.com/office/drawing/2014/main" id="{0FEB8474-D104-83C4-E6F0-3987FE7C2CEE}"/>
+                </a:ext>
+              </a:extLst>
+            </p:cNvPr>
+            <p:cNvCxnSpPr>
+              <a:cxnSpLocks/>
+              <a:stCxn id="161" idx="0"/>
+              <a:endCxn id="159" idx="4"/>
+            </p:cNvCxnSpPr>
+            <p:nvPr/>
+          </p:nvCxnSpPr>
+          <p:spPr>
+            <a:xfrm flipV="1">
+              <a:off x="764123" y="3954898"/>
+              <a:ext cx="0" cy="177524"/>
+            </a:xfrm>
+            <a:prstGeom prst="line">
+              <a:avLst/>
+            </a:prstGeom>
+            <a:ln w="12700">
+              <a:solidFill>
+                <a:schemeClr val="tx1"/>
+              </a:solidFill>
+            </a:ln>
+          </p:spPr>
+          <p:style>
+            <a:lnRef idx="1">
+              <a:schemeClr val="accent1"/>
+            </a:lnRef>
+            <a:fillRef idx="0">
+              <a:schemeClr val="accent1"/>
+            </a:fillRef>
+            <a:effectRef idx="0">
+              <a:schemeClr val="accent1"/>
+            </a:effectRef>
+            <a:fontRef idx="minor">
+              <a:schemeClr val="tx1"/>
+            </a:fontRef>
+          </p:style>
+        </p:cxnSp>
+        <p:cxnSp>
+          <p:nvCxnSpPr>
+            <p:cNvPr id="164" name="Straight Connector 163">
+              <a:extLst>
+                <a:ext uri="{FF2B5EF4-FFF2-40B4-BE49-F238E27FC236}">
+                  <a16:creationId xmlns:a16="http://schemas.microsoft.com/office/drawing/2014/main" id="{3820AD8A-5BA7-332E-1D96-BCAC2B7C6FB3}"/>
+                </a:ext>
+              </a:extLst>
+            </p:cNvPr>
+            <p:cNvCxnSpPr>
+              <a:cxnSpLocks/>
+              <a:stCxn id="162" idx="0"/>
+              <a:endCxn id="160" idx="4"/>
+            </p:cNvCxnSpPr>
+            <p:nvPr/>
+          </p:nvCxnSpPr>
+          <p:spPr>
+            <a:xfrm flipV="1">
+              <a:off x="503975" y="3954898"/>
+              <a:ext cx="0" cy="177524"/>
+            </a:xfrm>
+            <a:prstGeom prst="line">
+              <a:avLst/>
+            </a:prstGeom>
+            <a:ln w="12700">
+              <a:solidFill>
+                <a:schemeClr val="tx1"/>
+              </a:solidFill>
+            </a:ln>
+          </p:spPr>
+          <p:style>
+            <a:lnRef idx="1">
+              <a:schemeClr val="accent1"/>
+            </a:lnRef>
+            <a:fillRef idx="0">
+              <a:schemeClr val="accent1"/>
+            </a:fillRef>
+            <a:effectRef idx="0">
+              <a:schemeClr val="accent1"/>
+            </a:effectRef>
+            <a:fontRef idx="minor">
+              <a:schemeClr val="tx1"/>
+            </a:fontRef>
+          </p:style>
+        </p:cxnSp>
+        <p:cxnSp>
+          <p:nvCxnSpPr>
+            <p:cNvPr id="165" name="Straight Connector 164">
+              <a:extLst>
+                <a:ext uri="{FF2B5EF4-FFF2-40B4-BE49-F238E27FC236}">
+                  <a16:creationId xmlns:a16="http://schemas.microsoft.com/office/drawing/2014/main" id="{A681C429-1191-E5D0-2F1B-59E404FF47F2}"/>
+                </a:ext>
+              </a:extLst>
+            </p:cNvPr>
+            <p:cNvCxnSpPr>
+              <a:cxnSpLocks/>
+              <a:stCxn id="158" idx="2"/>
+              <a:endCxn id="160" idx="6"/>
+            </p:cNvCxnSpPr>
+            <p:nvPr/>
+          </p:nvCxnSpPr>
+          <p:spPr>
+            <a:xfrm flipH="1">
+              <a:off x="550140" y="3910207"/>
+              <a:ext cx="37744" cy="0"/>
+            </a:xfrm>
+            <a:prstGeom prst="line">
+              <a:avLst/>
+            </a:prstGeom>
+            <a:ln w="12700">
+              <a:solidFill>
+                <a:schemeClr val="tx1"/>
+              </a:solidFill>
+            </a:ln>
+          </p:spPr>
+          <p:style>
+            <a:lnRef idx="1">
+              <a:schemeClr val="accent1"/>
+            </a:lnRef>
+            <a:fillRef idx="0">
+              <a:schemeClr val="accent1"/>
+            </a:fillRef>
+            <a:effectRef idx="0">
+              <a:schemeClr val="accent1"/>
+            </a:effectRef>
+            <a:fontRef idx="minor">
+              <a:schemeClr val="tx1"/>
+            </a:fontRef>
+          </p:style>
+        </p:cxnSp>
+        <p:cxnSp>
+          <p:nvCxnSpPr>
+            <p:cNvPr id="166" name="Straight Connector 165">
+              <a:extLst>
+                <a:ext uri="{FF2B5EF4-FFF2-40B4-BE49-F238E27FC236}">
+                  <a16:creationId xmlns:a16="http://schemas.microsoft.com/office/drawing/2014/main" id="{19C6F0B7-842E-76B9-37C4-463FE8602BFE}"/>
+                </a:ext>
+              </a:extLst>
+            </p:cNvPr>
+            <p:cNvCxnSpPr>
+              <a:cxnSpLocks/>
+              <a:stCxn id="159" idx="2"/>
+              <a:endCxn id="158" idx="6"/>
+            </p:cNvCxnSpPr>
+            <p:nvPr/>
+          </p:nvCxnSpPr>
+          <p:spPr>
+            <a:xfrm flipH="1">
+              <a:off x="680214" y="3910207"/>
+              <a:ext cx="37744" cy="0"/>
+            </a:xfrm>
+            <a:prstGeom prst="line">
+              <a:avLst/>
+            </a:prstGeom>
+            <a:ln w="12700">
+              <a:solidFill>
+                <a:schemeClr val="tx1"/>
+              </a:solidFill>
+            </a:ln>
+          </p:spPr>
+          <p:style>
+            <a:lnRef idx="1">
+              <a:schemeClr val="accent1"/>
+            </a:lnRef>
+            <a:fillRef idx="0">
+              <a:schemeClr val="accent1"/>
+            </a:fillRef>
+            <a:effectRef idx="0">
+              <a:schemeClr val="accent1"/>
+            </a:effectRef>
+            <a:fontRef idx="minor">
+              <a:schemeClr val="tx1"/>
+            </a:fontRef>
+          </p:style>
+        </p:cxnSp>
+      </p:grpSp>
+      <p:grpSp>
+        <p:nvGrpSpPr>
+          <p:cNvPr id="393" name="Group 392">
+            <a:extLst>
+              <a:ext uri="{FF2B5EF4-FFF2-40B4-BE49-F238E27FC236}">
+                <a16:creationId xmlns:a16="http://schemas.microsoft.com/office/drawing/2014/main" id="{9C3AC73C-606D-D470-B73E-37FC627200AF}"/>
+              </a:ext>
+            </a:extLst>
+          </p:cNvPr>
+          <p:cNvGrpSpPr/>
+          <p:nvPr/>
+        </p:nvGrpSpPr>
+        <p:grpSpPr>
+          <a:xfrm>
+            <a:off x="389282" y="5298444"/>
+            <a:ext cx="499204" cy="101338"/>
+            <a:chOff x="389282" y="5298444"/>
+            <a:chExt cx="499204" cy="101338"/>
+          </a:xfrm>
+        </p:grpSpPr>
+        <p:cxnSp>
+          <p:nvCxnSpPr>
+            <p:cNvPr id="168" name="Straight Connector 167">
+              <a:extLst>
+                <a:ext uri="{FF2B5EF4-FFF2-40B4-BE49-F238E27FC236}">
+                  <a16:creationId xmlns:a16="http://schemas.microsoft.com/office/drawing/2014/main" id="{4889CF86-D6B1-760B-D146-F3A1B6A1D83C}"/>
+                </a:ext>
+              </a:extLst>
+            </p:cNvPr>
+            <p:cNvCxnSpPr>
+              <a:cxnSpLocks/>
+            </p:cNvCxnSpPr>
+            <p:nvPr/>
+          </p:nvCxnSpPr>
+          <p:spPr>
+            <a:xfrm flipH="1">
+              <a:off x="389282" y="5302149"/>
+              <a:ext cx="499204" cy="0"/>
+            </a:xfrm>
+            <a:prstGeom prst="line">
+              <a:avLst/>
+            </a:prstGeom>
+            <a:ln w="12700">
+              <a:solidFill>
+                <a:schemeClr val="tx1"/>
+              </a:solidFill>
+            </a:ln>
+          </p:spPr>
+          <p:style>
+            <a:lnRef idx="1">
+              <a:schemeClr val="accent1"/>
+            </a:lnRef>
+            <a:fillRef idx="0">
+              <a:schemeClr val="accent1"/>
+            </a:fillRef>
+            <a:effectRef idx="0">
+              <a:schemeClr val="accent1"/>
+            </a:effectRef>
+            <a:fontRef idx="minor">
+              <a:schemeClr val="tx1"/>
+            </a:fontRef>
+          </p:style>
+        </p:cxnSp>
+        <p:cxnSp>
+          <p:nvCxnSpPr>
+            <p:cNvPr id="169" name="Straight Connector 168">
+              <a:extLst>
+                <a:ext uri="{FF2B5EF4-FFF2-40B4-BE49-F238E27FC236}">
+                  <a16:creationId xmlns:a16="http://schemas.microsoft.com/office/drawing/2014/main" id="{37FD194A-94E3-F198-EFFE-17D3FE38238D}"/>
+                </a:ext>
+              </a:extLst>
+            </p:cNvPr>
+            <p:cNvCxnSpPr>
+              <a:cxnSpLocks/>
+            </p:cNvCxnSpPr>
+            <p:nvPr/>
+          </p:nvCxnSpPr>
+          <p:spPr>
+            <a:xfrm flipH="1">
+              <a:off x="389282" y="5352157"/>
+              <a:ext cx="499204" cy="0"/>
+            </a:xfrm>
+            <a:prstGeom prst="line">
+              <a:avLst/>
+            </a:prstGeom>
+            <a:ln w="12700">
+              <a:solidFill>
+                <a:schemeClr val="tx1"/>
+              </a:solidFill>
+            </a:ln>
+          </p:spPr>
+          <p:style>
+            <a:lnRef idx="1">
+              <a:schemeClr val="accent1"/>
+            </a:lnRef>
+            <a:fillRef idx="0">
+              <a:schemeClr val="accent1"/>
+            </a:fillRef>
+            <a:effectRef idx="0">
+              <a:schemeClr val="accent1"/>
+            </a:effectRef>
+            <a:fontRef idx="minor">
+              <a:schemeClr val="tx1"/>
+            </a:fontRef>
+          </p:style>
+        </p:cxnSp>
+        <p:cxnSp>
+          <p:nvCxnSpPr>
+            <p:cNvPr id="170" name="Straight Connector 169">
+              <a:extLst>
+                <a:ext uri="{FF2B5EF4-FFF2-40B4-BE49-F238E27FC236}">
+                  <a16:creationId xmlns:a16="http://schemas.microsoft.com/office/drawing/2014/main" id="{31D3C03B-CE1F-7182-86EA-4EF14ACCF019}"/>
+                </a:ext>
+              </a:extLst>
+            </p:cNvPr>
+            <p:cNvCxnSpPr>
+              <a:cxnSpLocks/>
+            </p:cNvCxnSpPr>
+            <p:nvPr/>
+          </p:nvCxnSpPr>
+          <p:spPr>
+            <a:xfrm>
+              <a:off x="638884" y="5298444"/>
+              <a:ext cx="0" cy="101338"/>
+            </a:xfrm>
+            <a:prstGeom prst="line">
+              <a:avLst/>
+            </a:prstGeom>
+            <a:ln w="12700">
+              <a:solidFill>
+                <a:schemeClr val="tx1"/>
+              </a:solidFill>
+            </a:ln>
+          </p:spPr>
+          <p:style>
+            <a:lnRef idx="1">
+              <a:schemeClr val="accent1"/>
+            </a:lnRef>
+            <a:fillRef idx="0">
+              <a:schemeClr val="accent1"/>
+            </a:fillRef>
+            <a:effectRef idx="0">
+              <a:schemeClr val="accent1"/>
+            </a:effectRef>
+            <a:fontRef idx="minor">
+              <a:schemeClr val="tx1"/>
+            </a:fontRef>
+          </p:style>
+        </p:cxnSp>
+        <p:cxnSp>
+          <p:nvCxnSpPr>
+            <p:cNvPr id="171" name="Straight Connector 170">
+              <a:extLst>
+                <a:ext uri="{FF2B5EF4-FFF2-40B4-BE49-F238E27FC236}">
+                  <a16:creationId xmlns:a16="http://schemas.microsoft.com/office/drawing/2014/main" id="{72FB868C-919E-3A5C-A721-BB5F67DBCB49}"/>
+                </a:ext>
+              </a:extLst>
+            </p:cNvPr>
+            <p:cNvCxnSpPr>
+              <a:cxnSpLocks/>
+            </p:cNvCxnSpPr>
+            <p:nvPr/>
+          </p:nvCxnSpPr>
+          <p:spPr>
+            <a:xfrm flipH="1">
+              <a:off x="389282" y="5399782"/>
+              <a:ext cx="499204" cy="0"/>
+            </a:xfrm>
+            <a:prstGeom prst="line">
+              <a:avLst/>
+            </a:prstGeom>
+            <a:ln w="12700">
+              <a:solidFill>
+                <a:schemeClr val="tx1"/>
+              </a:solidFill>
+            </a:ln>
+          </p:spPr>
+          <p:style>
+            <a:lnRef idx="1">
+              <a:schemeClr val="accent1"/>
+            </a:lnRef>
+            <a:fillRef idx="0">
+              <a:schemeClr val="accent1"/>
+            </a:fillRef>
+            <a:effectRef idx="0">
+              <a:schemeClr val="accent1"/>
+            </a:effectRef>
+            <a:fontRef idx="minor">
+              <a:schemeClr val="tx1"/>
+            </a:fontRef>
+          </p:style>
+        </p:cxnSp>
+      </p:grpSp>
+      <p:grpSp>
+        <p:nvGrpSpPr>
+          <p:cNvPr id="394" name="Group 393">
+            <a:extLst>
+              <a:ext uri="{FF2B5EF4-FFF2-40B4-BE49-F238E27FC236}">
+                <a16:creationId xmlns:a16="http://schemas.microsoft.com/office/drawing/2014/main" id="{876F41EA-CA8F-F3C4-AD40-244990851600}"/>
+              </a:ext>
+            </a:extLst>
+          </p:cNvPr>
+          <p:cNvGrpSpPr/>
+          <p:nvPr/>
+        </p:nvGrpSpPr>
+        <p:grpSpPr>
+          <a:xfrm>
+            <a:off x="388146" y="5515138"/>
+            <a:ext cx="500450" cy="145007"/>
+            <a:chOff x="388146" y="5515138"/>
+            <a:chExt cx="500450" cy="145007"/>
+          </a:xfrm>
+        </p:grpSpPr>
+        <p:cxnSp>
+          <p:nvCxnSpPr>
+            <p:cNvPr id="173" name="Straight Connector 172">
+              <a:extLst>
+                <a:ext uri="{FF2B5EF4-FFF2-40B4-BE49-F238E27FC236}">
+                  <a16:creationId xmlns:a16="http://schemas.microsoft.com/office/drawing/2014/main" id="{9E3573B3-60CC-DF4D-6693-DF9E0FD4C5CE}"/>
+                </a:ext>
+              </a:extLst>
+            </p:cNvPr>
+            <p:cNvCxnSpPr>
+              <a:cxnSpLocks/>
+            </p:cNvCxnSpPr>
+            <p:nvPr/>
+          </p:nvCxnSpPr>
+          <p:spPr>
+            <a:xfrm flipH="1">
+              <a:off x="389392" y="5518843"/>
+              <a:ext cx="499204" cy="0"/>
+            </a:xfrm>
+            <a:prstGeom prst="line">
+              <a:avLst/>
+            </a:prstGeom>
+            <a:ln w="12700">
+              <a:solidFill>
+                <a:schemeClr val="tx1"/>
+              </a:solidFill>
+            </a:ln>
+          </p:spPr>
+          <p:style>
+            <a:lnRef idx="1">
+              <a:schemeClr val="accent1"/>
+            </a:lnRef>
+            <a:fillRef idx="0">
+              <a:schemeClr val="accent1"/>
+            </a:fillRef>
+            <a:effectRef idx="0">
+              <a:schemeClr val="accent1"/>
+            </a:effectRef>
+            <a:fontRef idx="minor">
+              <a:schemeClr val="tx1"/>
+            </a:fontRef>
+          </p:style>
+        </p:cxnSp>
+        <p:cxnSp>
+          <p:nvCxnSpPr>
+            <p:cNvPr id="174" name="Straight Connector 173">
+              <a:extLst>
+                <a:ext uri="{FF2B5EF4-FFF2-40B4-BE49-F238E27FC236}">
+                  <a16:creationId xmlns:a16="http://schemas.microsoft.com/office/drawing/2014/main" id="{CF0B3F76-1C28-A8B1-D70E-9121C22390CC}"/>
+                </a:ext>
+              </a:extLst>
+            </p:cNvPr>
+            <p:cNvCxnSpPr>
+              <a:cxnSpLocks/>
+              <a:stCxn id="177" idx="6"/>
+            </p:cNvCxnSpPr>
+            <p:nvPr/>
+          </p:nvCxnSpPr>
+          <p:spPr>
+            <a:xfrm flipH="1">
+              <a:off x="388146" y="5585776"/>
+              <a:ext cx="202192" cy="0"/>
+            </a:xfrm>
+            <a:prstGeom prst="line">
+              <a:avLst/>
+            </a:prstGeom>
+            <a:ln w="12700">
+              <a:solidFill>
+                <a:schemeClr val="tx1"/>
+              </a:solidFill>
+            </a:ln>
+          </p:spPr>
+          <p:style>
+            <a:lnRef idx="1">
+              <a:schemeClr val="accent1"/>
+            </a:lnRef>
+            <a:fillRef idx="0">
+              <a:schemeClr val="accent1"/>
+            </a:fillRef>
+            <a:effectRef idx="0">
+              <a:schemeClr val="accent1"/>
+            </a:effectRef>
+            <a:fontRef idx="minor">
+              <a:schemeClr val="tx1"/>
+            </a:fontRef>
+          </p:style>
+        </p:cxnSp>
+        <p:cxnSp>
+          <p:nvCxnSpPr>
+            <p:cNvPr id="175" name="Straight Connector 174">
+              <a:extLst>
+                <a:ext uri="{FF2B5EF4-FFF2-40B4-BE49-F238E27FC236}">
+                  <a16:creationId xmlns:a16="http://schemas.microsoft.com/office/drawing/2014/main" id="{60CDD7FA-186C-9949-FCED-F5A65C1E2504}"/>
+                </a:ext>
+              </a:extLst>
+            </p:cNvPr>
+            <p:cNvCxnSpPr>
+              <a:cxnSpLocks/>
+              <a:endCxn id="177" idx="4"/>
+            </p:cNvCxnSpPr>
+            <p:nvPr/>
+          </p:nvCxnSpPr>
+          <p:spPr>
+            <a:xfrm flipH="1">
+              <a:off x="636503" y="5515138"/>
+              <a:ext cx="2491" cy="25947"/>
+            </a:xfrm>
+            <a:prstGeom prst="line">
+              <a:avLst/>
+            </a:prstGeom>
+            <a:ln w="12700">
+              <a:solidFill>
+                <a:schemeClr val="tx1"/>
+              </a:solidFill>
+            </a:ln>
+          </p:spPr>
+          <p:style>
+            <a:lnRef idx="1">
+              <a:schemeClr val="accent1"/>
+            </a:lnRef>
+            <a:fillRef idx="0">
+              <a:schemeClr val="accent1"/>
+            </a:fillRef>
+            <a:effectRef idx="0">
+              <a:schemeClr val="accent1"/>
+            </a:effectRef>
+            <a:fontRef idx="minor">
+              <a:schemeClr val="tx1"/>
+            </a:fontRef>
+          </p:style>
+        </p:cxnSp>
+        <p:cxnSp>
+          <p:nvCxnSpPr>
+            <p:cNvPr id="176" name="Straight Connector 175">
+              <a:extLst>
+                <a:ext uri="{FF2B5EF4-FFF2-40B4-BE49-F238E27FC236}">
+                  <a16:creationId xmlns:a16="http://schemas.microsoft.com/office/drawing/2014/main" id="{CC458564-2277-28B6-098C-0928194617A1}"/>
+                </a:ext>
+              </a:extLst>
+            </p:cNvPr>
+            <p:cNvCxnSpPr>
+              <a:cxnSpLocks/>
+            </p:cNvCxnSpPr>
+            <p:nvPr/>
+          </p:nvCxnSpPr>
+          <p:spPr>
+            <a:xfrm flipH="1">
+              <a:off x="389392" y="5654572"/>
+              <a:ext cx="499204" cy="0"/>
+            </a:xfrm>
+            <a:prstGeom prst="line">
+              <a:avLst/>
+            </a:prstGeom>
+            <a:ln w="12700">
+              <a:solidFill>
+                <a:schemeClr val="tx1"/>
+              </a:solidFill>
+            </a:ln>
+          </p:spPr>
+          <p:style>
+            <a:lnRef idx="1">
+              <a:schemeClr val="accent1"/>
+            </a:lnRef>
+            <a:fillRef idx="0">
+              <a:schemeClr val="accent1"/>
+            </a:fillRef>
+            <a:effectRef idx="0">
+              <a:schemeClr val="accent1"/>
+            </a:effectRef>
+            <a:fontRef idx="minor">
+              <a:schemeClr val="tx1"/>
+            </a:fontRef>
+          </p:style>
+        </p:cxnSp>
+        <p:sp>
+          <p:nvSpPr>
+            <p:cNvPr id="177" name="Oval 176">
+              <a:extLst>
+                <a:ext uri="{FF2B5EF4-FFF2-40B4-BE49-F238E27FC236}">
+                  <a16:creationId xmlns:a16="http://schemas.microsoft.com/office/drawing/2014/main" id="{A6237086-3BF8-C338-F463-6F75302E17DD}"/>
+                </a:ext>
+              </a:extLst>
+            </p:cNvPr>
+            <p:cNvSpPr/>
+            <p:nvPr/>
+          </p:nvSpPr>
+          <p:spPr>
+            <a:xfrm rot="10800000">
+              <a:off x="590338" y="5541085"/>
+              <a:ext cx="92330" cy="89383"/>
+            </a:xfrm>
+            <a:prstGeom prst="ellipse">
+              <a:avLst/>
+            </a:prstGeom>
+            <a:noFill/>
+            <a:ln>
+              <a:solidFill>
+                <a:schemeClr val="tx1"/>
+              </a:solidFill>
+            </a:ln>
+          </p:spPr>
+          <p:style>
+            <a:lnRef idx="2">
+              <a:schemeClr val="accent1">
+                <a:shade val="50000"/>
+              </a:schemeClr>
+            </a:lnRef>
+            <a:fillRef idx="1">
+              <a:schemeClr val="accent1"/>
+            </a:fillRef>
+            <a:effectRef idx="0">
+              <a:schemeClr val="accent1"/>
+            </a:effectRef>
+            <a:fontRef idx="minor">
+              <a:schemeClr val="lt1"/>
+            </a:fontRef>
+          </p:style>
+          <p:txBody>
+            <a:bodyPr rtlCol="0" anchor="ctr"/>
+            <a:lstStyle/>
+            <a:p>
+              <a:pPr algn="ctr"/>
+              <a:endParaRPr lang="en-US"/>
+            </a:p>
+          </p:txBody>
+        </p:sp>
+        <p:cxnSp>
+          <p:nvCxnSpPr>
+            <p:cNvPr id="179" name="Straight Connector 178">
+              <a:extLst>
+                <a:ext uri="{FF2B5EF4-FFF2-40B4-BE49-F238E27FC236}">
+                  <a16:creationId xmlns:a16="http://schemas.microsoft.com/office/drawing/2014/main" id="{58C0486F-0723-304A-BCC0-0978E236FBAA}"/>
+                </a:ext>
+              </a:extLst>
+            </p:cNvPr>
+            <p:cNvCxnSpPr>
+              <a:cxnSpLocks/>
+              <a:stCxn id="177" idx="0"/>
+            </p:cNvCxnSpPr>
+            <p:nvPr/>
+          </p:nvCxnSpPr>
+          <p:spPr>
+            <a:xfrm>
+              <a:off x="636503" y="5630468"/>
+              <a:ext cx="1245" cy="29677"/>
+            </a:xfrm>
+            <a:prstGeom prst="line">
+              <a:avLst/>
+            </a:prstGeom>
+            <a:ln w="12700">
+              <a:solidFill>
+                <a:schemeClr val="tx1"/>
+              </a:solidFill>
+            </a:ln>
+          </p:spPr>
+          <p:style>
+            <a:lnRef idx="1">
+              <a:schemeClr val="accent1"/>
+            </a:lnRef>
+            <a:fillRef idx="0">
+              <a:schemeClr val="accent1"/>
+            </a:fillRef>
+            <a:effectRef idx="0">
+              <a:schemeClr val="accent1"/>
+            </a:effectRef>
+            <a:fontRef idx="minor">
+              <a:schemeClr val="tx1"/>
+            </a:fontRef>
+          </p:style>
+        </p:cxnSp>
+        <p:cxnSp>
+          <p:nvCxnSpPr>
+            <p:cNvPr id="183" name="Straight Connector 182">
+              <a:extLst>
+                <a:ext uri="{FF2B5EF4-FFF2-40B4-BE49-F238E27FC236}">
+                  <a16:creationId xmlns:a16="http://schemas.microsoft.com/office/drawing/2014/main" id="{C8F988D3-D854-CE43-1883-B7F923A4BC56}"/>
+                </a:ext>
+              </a:extLst>
+            </p:cNvPr>
+            <p:cNvCxnSpPr>
+              <a:cxnSpLocks/>
+            </p:cNvCxnSpPr>
+            <p:nvPr/>
+          </p:nvCxnSpPr>
+          <p:spPr>
+            <a:xfrm flipH="1">
+              <a:off x="683068" y="5582758"/>
+              <a:ext cx="202192" cy="0"/>
+            </a:xfrm>
+            <a:prstGeom prst="line">
+              <a:avLst/>
+            </a:prstGeom>
+            <a:ln w="12700">
+              <a:solidFill>
+                <a:schemeClr val="tx1"/>
+              </a:solidFill>
+            </a:ln>
+          </p:spPr>
+          <p:style>
+            <a:lnRef idx="1">
+              <a:schemeClr val="accent1"/>
+            </a:lnRef>
+            <a:fillRef idx="0">
+              <a:schemeClr val="accent1"/>
+            </a:fillRef>
+            <a:effectRef idx="0">
+              <a:schemeClr val="accent1"/>
+            </a:effectRef>
+            <a:fontRef idx="minor">
+              <a:schemeClr val="tx1"/>
+            </a:fontRef>
+          </p:style>
+        </p:cxnSp>
+      </p:grpSp>
+      <p:grpSp>
+        <p:nvGrpSpPr>
+          <p:cNvPr id="395" name="Group 394">
+            <a:extLst>
+              <a:ext uri="{FF2B5EF4-FFF2-40B4-BE49-F238E27FC236}">
+                <a16:creationId xmlns:a16="http://schemas.microsoft.com/office/drawing/2014/main" id="{151D281A-B308-B4AE-3B84-58A4918B441B}"/>
+              </a:ext>
+            </a:extLst>
+          </p:cNvPr>
+          <p:cNvGrpSpPr/>
+          <p:nvPr/>
+        </p:nvGrpSpPr>
+        <p:grpSpPr>
+          <a:xfrm>
+            <a:off x="495688" y="5745330"/>
+            <a:ext cx="286378" cy="370251"/>
+            <a:chOff x="495688" y="5745330"/>
+            <a:chExt cx="286378" cy="370251"/>
+          </a:xfrm>
+        </p:grpSpPr>
+        <p:sp>
+          <p:nvSpPr>
+            <p:cNvPr id="184" name="Oval 183">
+              <a:extLst>
+                <a:ext uri="{FF2B5EF4-FFF2-40B4-BE49-F238E27FC236}">
+                  <a16:creationId xmlns:a16="http://schemas.microsoft.com/office/drawing/2014/main" id="{BBC1CB38-CB53-51A4-431E-C82EB170A2F3}"/>
+                </a:ext>
+              </a:extLst>
+            </p:cNvPr>
+            <p:cNvSpPr/>
+            <p:nvPr/>
+          </p:nvSpPr>
+          <p:spPr>
+            <a:xfrm>
+              <a:off x="520977" y="5745330"/>
+              <a:ext cx="230958" cy="216818"/>
+            </a:xfrm>
+            <a:prstGeom prst="ellipse">
+              <a:avLst/>
+            </a:prstGeom>
+            <a:noFill/>
+            <a:ln>
+              <a:solidFill>
+                <a:schemeClr val="tx1"/>
+              </a:solidFill>
+            </a:ln>
+          </p:spPr>
+          <p:style>
+            <a:lnRef idx="2">
+              <a:schemeClr val="accent1">
+                <a:shade val="50000"/>
+              </a:schemeClr>
+            </a:lnRef>
+            <a:fillRef idx="1">
+              <a:schemeClr val="accent1"/>
+            </a:fillRef>
+            <a:effectRef idx="0">
+              <a:schemeClr val="accent1"/>
+            </a:effectRef>
+            <a:fontRef idx="minor">
+              <a:schemeClr val="lt1"/>
+            </a:fontRef>
+          </p:style>
+          <p:txBody>
+            <a:bodyPr rtlCol="0" anchor="ctr"/>
+            <a:lstStyle/>
+            <a:p>
+              <a:pPr algn="ctr"/>
+              <a:endParaRPr lang="en-US"/>
+            </a:p>
+          </p:txBody>
+        </p:sp>
+        <p:sp>
+          <p:nvSpPr>
+            <p:cNvPr id="185" name="Oval 184">
+              <a:extLst>
+                <a:ext uri="{FF2B5EF4-FFF2-40B4-BE49-F238E27FC236}">
+                  <a16:creationId xmlns:a16="http://schemas.microsoft.com/office/drawing/2014/main" id="{CDF53594-6E5B-0417-19F6-89A5F9E8E3A1}"/>
+                </a:ext>
+              </a:extLst>
+            </p:cNvPr>
+            <p:cNvSpPr/>
+            <p:nvPr/>
+          </p:nvSpPr>
+          <p:spPr>
+            <a:xfrm>
+              <a:off x="495688" y="6026198"/>
+              <a:ext cx="92330" cy="89383"/>
+            </a:xfrm>
+            <a:prstGeom prst="ellipse">
+              <a:avLst/>
+            </a:prstGeom>
+            <a:noFill/>
+            <a:ln>
+              <a:solidFill>
+                <a:schemeClr val="tx1"/>
+              </a:solidFill>
+            </a:ln>
+          </p:spPr>
+          <p:style>
+            <a:lnRef idx="2">
+              <a:schemeClr val="accent1">
+                <a:shade val="50000"/>
+              </a:schemeClr>
+            </a:lnRef>
+            <a:fillRef idx="1">
+              <a:schemeClr val="accent1"/>
+            </a:fillRef>
+            <a:effectRef idx="0">
+              <a:schemeClr val="accent1"/>
+            </a:effectRef>
+            <a:fontRef idx="minor">
+              <a:schemeClr val="lt1"/>
+            </a:fontRef>
+          </p:style>
+          <p:txBody>
+            <a:bodyPr rtlCol="0" anchor="ctr"/>
+            <a:lstStyle/>
+            <a:p>
+              <a:pPr algn="ctr"/>
+              <a:endParaRPr lang="en-US"/>
+            </a:p>
+          </p:txBody>
+        </p:sp>
+        <p:sp>
+          <p:nvSpPr>
+            <p:cNvPr id="186" name="Oval 185">
+              <a:extLst>
+                <a:ext uri="{FF2B5EF4-FFF2-40B4-BE49-F238E27FC236}">
+                  <a16:creationId xmlns:a16="http://schemas.microsoft.com/office/drawing/2014/main" id="{F65CFD1D-D041-2A6E-5E75-057FEA40D327}"/>
+                </a:ext>
+              </a:extLst>
+            </p:cNvPr>
+            <p:cNvSpPr/>
+            <p:nvPr/>
+          </p:nvSpPr>
+          <p:spPr>
+            <a:xfrm>
+              <a:off x="689736" y="6026198"/>
+              <a:ext cx="92330" cy="89383"/>
+            </a:xfrm>
+            <a:prstGeom prst="ellipse">
+              <a:avLst/>
+            </a:prstGeom>
+            <a:noFill/>
+            <a:ln>
+              <a:solidFill>
+                <a:schemeClr val="tx1"/>
+              </a:solidFill>
+            </a:ln>
+          </p:spPr>
+          <p:style>
+            <a:lnRef idx="2">
+              <a:schemeClr val="accent1">
+                <a:shade val="50000"/>
+              </a:schemeClr>
+            </a:lnRef>
+            <a:fillRef idx="1">
+              <a:schemeClr val="accent1"/>
+            </a:fillRef>
+            <a:effectRef idx="0">
+              <a:schemeClr val="accent1"/>
+            </a:effectRef>
+            <a:fontRef idx="minor">
+              <a:schemeClr val="lt1"/>
+            </a:fontRef>
+          </p:style>
+          <p:txBody>
+            <a:bodyPr rtlCol="0" anchor="ctr"/>
+            <a:lstStyle/>
+            <a:p>
+              <a:pPr algn="ctr"/>
+              <a:endParaRPr lang="en-US"/>
+            </a:p>
+          </p:txBody>
+        </p:sp>
+        <p:cxnSp>
+          <p:nvCxnSpPr>
+            <p:cNvPr id="187" name="Straight Connector 186">
+              <a:extLst>
+                <a:ext uri="{FF2B5EF4-FFF2-40B4-BE49-F238E27FC236}">
+                  <a16:creationId xmlns:a16="http://schemas.microsoft.com/office/drawing/2014/main" id="{B0E63303-A2E9-7124-6FA2-3F128395C9E5}"/>
+                </a:ext>
+              </a:extLst>
+            </p:cNvPr>
+            <p:cNvCxnSpPr>
+              <a:cxnSpLocks/>
+              <a:stCxn id="185" idx="7"/>
+              <a:endCxn id="184" idx="4"/>
+            </p:cNvCxnSpPr>
+            <p:nvPr/>
+          </p:nvCxnSpPr>
+          <p:spPr>
+            <a:xfrm flipV="1">
+              <a:off x="574497" y="5962148"/>
+              <a:ext cx="61959" cy="77140"/>
+            </a:xfrm>
+            <a:prstGeom prst="line">
+              <a:avLst/>
+            </a:prstGeom>
+            <a:ln w="12700">
+              <a:solidFill>
+                <a:schemeClr val="tx1"/>
+              </a:solidFill>
+            </a:ln>
+          </p:spPr>
+          <p:style>
+            <a:lnRef idx="1">
+              <a:schemeClr val="accent1"/>
+            </a:lnRef>
+            <a:fillRef idx="0">
+              <a:schemeClr val="accent1"/>
+            </a:fillRef>
+            <a:effectRef idx="0">
+              <a:schemeClr val="accent1"/>
+            </a:effectRef>
+            <a:fontRef idx="minor">
+              <a:schemeClr val="tx1"/>
+            </a:fontRef>
+          </p:style>
+        </p:cxnSp>
+        <p:cxnSp>
+          <p:nvCxnSpPr>
+            <p:cNvPr id="190" name="Straight Connector 189">
+              <a:extLst>
+                <a:ext uri="{FF2B5EF4-FFF2-40B4-BE49-F238E27FC236}">
+                  <a16:creationId xmlns:a16="http://schemas.microsoft.com/office/drawing/2014/main" id="{0F690EF9-E59B-BA6D-8D4F-E370FFC40177}"/>
+                </a:ext>
+              </a:extLst>
+            </p:cNvPr>
+            <p:cNvCxnSpPr>
+              <a:cxnSpLocks/>
+              <a:stCxn id="184" idx="4"/>
+              <a:endCxn id="186" idx="1"/>
+            </p:cNvCxnSpPr>
+            <p:nvPr/>
+          </p:nvCxnSpPr>
+          <p:spPr>
+            <a:xfrm>
+              <a:off x="636456" y="5962148"/>
+              <a:ext cx="66801" cy="77140"/>
+            </a:xfrm>
+            <a:prstGeom prst="line">
+              <a:avLst/>
+            </a:prstGeom>
+            <a:ln w="12700">
+              <a:solidFill>
+                <a:schemeClr val="tx1"/>
+              </a:solidFill>
+            </a:ln>
+          </p:spPr>
+          <p:style>
+            <a:lnRef idx="1">
+              <a:schemeClr val="accent1"/>
+            </a:lnRef>
+            <a:fillRef idx="0">
+              <a:schemeClr val="accent1"/>
+            </a:fillRef>
+            <a:effectRef idx="0">
+              <a:schemeClr val="accent1"/>
+            </a:effectRef>
+            <a:fontRef idx="minor">
+              <a:schemeClr val="tx1"/>
+            </a:fontRef>
+          </p:style>
+        </p:cxnSp>
+      </p:grpSp>
+      <p:grpSp>
+        <p:nvGrpSpPr>
+          <p:cNvPr id="396" name="Group 395">
+            <a:extLst>
+              <a:ext uri="{FF2B5EF4-FFF2-40B4-BE49-F238E27FC236}">
+                <a16:creationId xmlns:a16="http://schemas.microsoft.com/office/drawing/2014/main" id="{667F4D04-326A-EA09-C23C-916FF81F660E}"/>
+              </a:ext>
+            </a:extLst>
+          </p:cNvPr>
+          <p:cNvGrpSpPr/>
+          <p:nvPr/>
+        </p:nvGrpSpPr>
+        <p:grpSpPr>
+          <a:xfrm>
+            <a:off x="443165" y="6185483"/>
+            <a:ext cx="384012" cy="254690"/>
+            <a:chOff x="443165" y="6185483"/>
+            <a:chExt cx="384012" cy="254690"/>
+          </a:xfrm>
+        </p:grpSpPr>
+        <p:sp>
+          <p:nvSpPr>
+            <p:cNvPr id="193" name="Oval 192">
+              <a:extLst>
+                <a:ext uri="{FF2B5EF4-FFF2-40B4-BE49-F238E27FC236}">
+                  <a16:creationId xmlns:a16="http://schemas.microsoft.com/office/drawing/2014/main" id="{1D6E4101-1DC8-FDD2-561C-A6CFE8754523}"/>
+                </a:ext>
+              </a:extLst>
+            </p:cNvPr>
+            <p:cNvSpPr/>
+            <p:nvPr/>
+          </p:nvSpPr>
+          <p:spPr>
+            <a:xfrm>
+              <a:off x="443165" y="6185483"/>
+              <a:ext cx="92330" cy="89383"/>
+            </a:xfrm>
+            <a:prstGeom prst="ellipse">
+              <a:avLst/>
+            </a:prstGeom>
+            <a:noFill/>
+            <a:ln>
+              <a:solidFill>
+                <a:schemeClr val="tx1"/>
+              </a:solidFill>
+            </a:ln>
+          </p:spPr>
+          <p:style>
+            <a:lnRef idx="2">
+              <a:schemeClr val="accent1">
+                <a:shade val="50000"/>
+              </a:schemeClr>
+            </a:lnRef>
+            <a:fillRef idx="1">
+              <a:schemeClr val="accent1"/>
+            </a:fillRef>
+            <a:effectRef idx="0">
+              <a:schemeClr val="accent1"/>
+            </a:effectRef>
+            <a:fontRef idx="minor">
+              <a:schemeClr val="lt1"/>
+            </a:fontRef>
+          </p:style>
+          <p:txBody>
+            <a:bodyPr rtlCol="0" anchor="ctr"/>
+            <a:lstStyle/>
+            <a:p>
+              <a:pPr algn="ctr"/>
+              <a:endParaRPr lang="en-US"/>
+            </a:p>
+          </p:txBody>
+        </p:sp>
+        <p:sp>
+          <p:nvSpPr>
+            <p:cNvPr id="194" name="Oval 193">
+              <a:extLst>
+                <a:ext uri="{FF2B5EF4-FFF2-40B4-BE49-F238E27FC236}">
+                  <a16:creationId xmlns:a16="http://schemas.microsoft.com/office/drawing/2014/main" id="{6096D7F8-01D2-7E84-AE88-ACB2DCBAEC97}"/>
+                </a:ext>
+              </a:extLst>
+            </p:cNvPr>
+            <p:cNvSpPr/>
+            <p:nvPr/>
+          </p:nvSpPr>
+          <p:spPr>
+            <a:xfrm>
+              <a:off x="734847" y="6185483"/>
+              <a:ext cx="92330" cy="89383"/>
+            </a:xfrm>
+            <a:prstGeom prst="ellipse">
+              <a:avLst/>
+            </a:prstGeom>
+            <a:noFill/>
+            <a:ln>
+              <a:solidFill>
+                <a:schemeClr val="tx1"/>
+              </a:solidFill>
+            </a:ln>
+          </p:spPr>
+          <p:style>
+            <a:lnRef idx="2">
+              <a:schemeClr val="accent1">
+                <a:shade val="50000"/>
+              </a:schemeClr>
+            </a:lnRef>
+            <a:fillRef idx="1">
+              <a:schemeClr val="accent1"/>
+            </a:fillRef>
+            <a:effectRef idx="0">
+              <a:schemeClr val="accent1"/>
+            </a:effectRef>
+            <a:fontRef idx="minor">
+              <a:schemeClr val="lt1"/>
+            </a:fontRef>
+          </p:style>
+          <p:txBody>
+            <a:bodyPr rtlCol="0" anchor="ctr"/>
+            <a:lstStyle/>
+            <a:p>
+              <a:pPr algn="ctr"/>
+              <a:endParaRPr lang="en-US"/>
+            </a:p>
+          </p:txBody>
+        </p:sp>
+        <p:sp>
+          <p:nvSpPr>
+            <p:cNvPr id="195" name="Oval 194">
+              <a:extLst>
+                <a:ext uri="{FF2B5EF4-FFF2-40B4-BE49-F238E27FC236}">
+                  <a16:creationId xmlns:a16="http://schemas.microsoft.com/office/drawing/2014/main" id="{21D99F44-F60A-62BF-C379-AE100973D0B2}"/>
+                </a:ext>
+              </a:extLst>
+            </p:cNvPr>
+            <p:cNvSpPr/>
+            <p:nvPr/>
+          </p:nvSpPr>
+          <p:spPr>
+            <a:xfrm>
+              <a:off x="591583" y="6350790"/>
+              <a:ext cx="92330" cy="89383"/>
+            </a:xfrm>
+            <a:prstGeom prst="ellipse">
+              <a:avLst/>
+            </a:prstGeom>
+            <a:noFill/>
+            <a:ln>
+              <a:solidFill>
+                <a:schemeClr val="tx1"/>
+              </a:solidFill>
+            </a:ln>
+          </p:spPr>
+          <p:style>
+            <a:lnRef idx="2">
+              <a:schemeClr val="accent1">
+                <a:shade val="50000"/>
+              </a:schemeClr>
+            </a:lnRef>
+            <a:fillRef idx="1">
+              <a:schemeClr val="accent1"/>
+            </a:fillRef>
+            <a:effectRef idx="0">
+              <a:schemeClr val="accent1"/>
+            </a:effectRef>
+            <a:fontRef idx="minor">
+              <a:schemeClr val="lt1"/>
+            </a:fontRef>
+          </p:style>
+          <p:txBody>
+            <a:bodyPr rtlCol="0" anchor="ctr"/>
+            <a:lstStyle/>
+            <a:p>
+              <a:pPr algn="ctr"/>
+              <a:endParaRPr lang="en-US"/>
+            </a:p>
+          </p:txBody>
+        </p:sp>
+        <p:cxnSp>
+          <p:nvCxnSpPr>
+            <p:cNvPr id="196" name="Straight Connector 195">
+              <a:extLst>
+                <a:ext uri="{FF2B5EF4-FFF2-40B4-BE49-F238E27FC236}">
+                  <a16:creationId xmlns:a16="http://schemas.microsoft.com/office/drawing/2014/main" id="{5A1EB454-EEBD-1AA9-F4AD-B91CFFDD6E73}"/>
+                </a:ext>
+              </a:extLst>
+            </p:cNvPr>
+            <p:cNvCxnSpPr>
+              <a:cxnSpLocks/>
+              <a:stCxn id="193" idx="6"/>
+              <a:endCxn id="194" idx="2"/>
+            </p:cNvCxnSpPr>
+            <p:nvPr/>
+          </p:nvCxnSpPr>
+          <p:spPr>
+            <a:xfrm>
+              <a:off x="535495" y="6230175"/>
+              <a:ext cx="199352" cy="0"/>
+            </a:xfrm>
+            <a:prstGeom prst="line">
+              <a:avLst/>
+            </a:prstGeom>
+            <a:ln w="12700">
+              <a:solidFill>
+                <a:schemeClr val="tx1"/>
+              </a:solidFill>
+            </a:ln>
+          </p:spPr>
+          <p:style>
+            <a:lnRef idx="1">
+              <a:schemeClr val="accent1"/>
+            </a:lnRef>
+            <a:fillRef idx="0">
+              <a:schemeClr val="accent1"/>
+            </a:fillRef>
+            <a:effectRef idx="0">
+              <a:schemeClr val="accent1"/>
+            </a:effectRef>
+            <a:fontRef idx="minor">
+              <a:schemeClr val="tx1"/>
+            </a:fontRef>
+          </p:style>
+        </p:cxnSp>
+        <p:cxnSp>
+          <p:nvCxnSpPr>
+            <p:cNvPr id="199" name="Straight Connector 198">
+              <a:extLst>
+                <a:ext uri="{FF2B5EF4-FFF2-40B4-BE49-F238E27FC236}">
+                  <a16:creationId xmlns:a16="http://schemas.microsoft.com/office/drawing/2014/main" id="{1E9E9FA7-E18E-3EBB-ED82-221D7BC2C57E}"/>
+                </a:ext>
+              </a:extLst>
+            </p:cNvPr>
+            <p:cNvCxnSpPr>
+              <a:cxnSpLocks/>
+              <a:stCxn id="195" idx="2"/>
+              <a:endCxn id="193" idx="4"/>
+            </p:cNvCxnSpPr>
+            <p:nvPr/>
+          </p:nvCxnSpPr>
+          <p:spPr>
+            <a:xfrm flipH="1" flipV="1">
+              <a:off x="489330" y="6274866"/>
+              <a:ext cx="102253" cy="120616"/>
+            </a:xfrm>
+            <a:prstGeom prst="line">
+              <a:avLst/>
+            </a:prstGeom>
+            <a:ln w="12700">
+              <a:solidFill>
+                <a:schemeClr val="tx1"/>
+              </a:solidFill>
+            </a:ln>
+          </p:spPr>
+          <p:style>
+            <a:lnRef idx="1">
+              <a:schemeClr val="accent1"/>
+            </a:lnRef>
+            <a:fillRef idx="0">
+              <a:schemeClr val="accent1"/>
+            </a:fillRef>
+            <a:effectRef idx="0">
+              <a:schemeClr val="accent1"/>
+            </a:effectRef>
+            <a:fontRef idx="minor">
+              <a:schemeClr val="tx1"/>
+            </a:fontRef>
+          </p:style>
+        </p:cxnSp>
+        <p:cxnSp>
+          <p:nvCxnSpPr>
+            <p:cNvPr id="202" name="Straight Connector 201">
+              <a:extLst>
+                <a:ext uri="{FF2B5EF4-FFF2-40B4-BE49-F238E27FC236}">
+                  <a16:creationId xmlns:a16="http://schemas.microsoft.com/office/drawing/2014/main" id="{75BEA873-F341-F55C-02FC-319B584DFC2D}"/>
+                </a:ext>
+              </a:extLst>
+            </p:cNvPr>
+            <p:cNvCxnSpPr>
+              <a:cxnSpLocks/>
+              <a:stCxn id="195" idx="6"/>
+              <a:endCxn id="194" idx="4"/>
+            </p:cNvCxnSpPr>
+            <p:nvPr/>
+          </p:nvCxnSpPr>
+          <p:spPr>
+            <a:xfrm flipV="1">
+              <a:off x="683913" y="6274866"/>
+              <a:ext cx="97099" cy="120616"/>
+            </a:xfrm>
+            <a:prstGeom prst="line">
+              <a:avLst/>
+            </a:prstGeom>
+            <a:ln w="12700">
+              <a:solidFill>
+                <a:schemeClr val="tx1"/>
+              </a:solidFill>
+            </a:ln>
+          </p:spPr>
+          <p:style>
+            <a:lnRef idx="1">
+              <a:schemeClr val="accent1"/>
+            </a:lnRef>
+            <a:fillRef idx="0">
+              <a:schemeClr val="accent1"/>
+            </a:fillRef>
+            <a:effectRef idx="0">
+              <a:schemeClr val="accent1"/>
+            </a:effectRef>
+            <a:fontRef idx="minor">
+              <a:schemeClr val="tx1"/>
+            </a:fontRef>
+          </p:style>
+        </p:cxnSp>
+      </p:grpSp>
+      <p:grpSp>
+        <p:nvGrpSpPr>
+          <p:cNvPr id="397" name="Group 396">
+            <a:extLst>
+              <a:ext uri="{FF2B5EF4-FFF2-40B4-BE49-F238E27FC236}">
+                <a16:creationId xmlns:a16="http://schemas.microsoft.com/office/drawing/2014/main" id="{753470E6-873F-2442-A835-21A798653D0F}"/>
+              </a:ext>
+            </a:extLst>
+          </p:cNvPr>
+          <p:cNvGrpSpPr/>
+          <p:nvPr/>
+        </p:nvGrpSpPr>
+        <p:grpSpPr>
+          <a:xfrm>
+            <a:off x="442015" y="6492750"/>
+            <a:ext cx="384012" cy="256732"/>
+            <a:chOff x="442015" y="6492750"/>
+            <a:chExt cx="384012" cy="256732"/>
+          </a:xfrm>
+        </p:grpSpPr>
+        <p:sp>
+          <p:nvSpPr>
+            <p:cNvPr id="209" name="Oval 208">
+              <a:extLst>
+                <a:ext uri="{FF2B5EF4-FFF2-40B4-BE49-F238E27FC236}">
+                  <a16:creationId xmlns:a16="http://schemas.microsoft.com/office/drawing/2014/main" id="{7B1A644A-7A8A-F92E-78F5-A23D91F7F056}"/>
+                </a:ext>
+              </a:extLst>
+            </p:cNvPr>
+            <p:cNvSpPr/>
+            <p:nvPr/>
+          </p:nvSpPr>
+          <p:spPr>
+            <a:xfrm>
+              <a:off x="442015" y="6492750"/>
+              <a:ext cx="92330" cy="89383"/>
+            </a:xfrm>
+            <a:prstGeom prst="ellipse">
+              <a:avLst/>
+            </a:prstGeom>
+            <a:noFill/>
+            <a:ln>
+              <a:solidFill>
+                <a:schemeClr val="tx1"/>
+              </a:solidFill>
+            </a:ln>
+          </p:spPr>
+          <p:style>
+            <a:lnRef idx="2">
+              <a:schemeClr val="accent1">
+                <a:shade val="50000"/>
+              </a:schemeClr>
+            </a:lnRef>
+            <a:fillRef idx="1">
+              <a:schemeClr val="accent1"/>
+            </a:fillRef>
+            <a:effectRef idx="0">
+              <a:schemeClr val="accent1"/>
+            </a:effectRef>
+            <a:fontRef idx="minor">
+              <a:schemeClr val="lt1"/>
+            </a:fontRef>
+          </p:style>
+          <p:txBody>
+            <a:bodyPr rtlCol="0" anchor="ctr"/>
+            <a:lstStyle/>
+            <a:p>
+              <a:pPr algn="ctr"/>
+              <a:endParaRPr lang="en-US"/>
+            </a:p>
+          </p:txBody>
+        </p:sp>
+        <p:sp>
+          <p:nvSpPr>
+            <p:cNvPr id="210" name="Oval 209">
+              <a:extLst>
+                <a:ext uri="{FF2B5EF4-FFF2-40B4-BE49-F238E27FC236}">
+                  <a16:creationId xmlns:a16="http://schemas.microsoft.com/office/drawing/2014/main" id="{8009B1B2-909C-1FDF-DE4E-73FE77EA5C2E}"/>
+                </a:ext>
+              </a:extLst>
+            </p:cNvPr>
+            <p:cNvSpPr/>
+            <p:nvPr/>
+          </p:nvSpPr>
+          <p:spPr>
+            <a:xfrm>
+              <a:off x="733697" y="6492750"/>
+              <a:ext cx="92330" cy="89383"/>
+            </a:xfrm>
+            <a:prstGeom prst="ellipse">
+              <a:avLst/>
+            </a:prstGeom>
+            <a:noFill/>
+            <a:ln>
+              <a:solidFill>
+                <a:schemeClr val="tx1"/>
+              </a:solidFill>
+            </a:ln>
+          </p:spPr>
+          <p:style>
+            <a:lnRef idx="2">
+              <a:schemeClr val="accent1">
+                <a:shade val="50000"/>
+              </a:schemeClr>
+            </a:lnRef>
+            <a:fillRef idx="1">
+              <a:schemeClr val="accent1"/>
+            </a:fillRef>
+            <a:effectRef idx="0">
+              <a:schemeClr val="accent1"/>
+            </a:effectRef>
+            <a:fontRef idx="minor">
+              <a:schemeClr val="lt1"/>
+            </a:fontRef>
+          </p:style>
+          <p:txBody>
+            <a:bodyPr rtlCol="0" anchor="ctr"/>
+            <a:lstStyle/>
+            <a:p>
+              <a:pPr algn="ctr"/>
+              <a:endParaRPr lang="en-US"/>
+            </a:p>
+          </p:txBody>
+        </p:sp>
+        <p:cxnSp>
+          <p:nvCxnSpPr>
+            <p:cNvPr id="211" name="Straight Connector 210">
+              <a:extLst>
+                <a:ext uri="{FF2B5EF4-FFF2-40B4-BE49-F238E27FC236}">
+                  <a16:creationId xmlns:a16="http://schemas.microsoft.com/office/drawing/2014/main" id="{6D06D966-FAD5-253F-624A-FC8D31673DC2}"/>
+                </a:ext>
+              </a:extLst>
+            </p:cNvPr>
+            <p:cNvCxnSpPr>
+              <a:cxnSpLocks/>
+              <a:stCxn id="209" idx="6"/>
+              <a:endCxn id="210" idx="2"/>
+            </p:cNvCxnSpPr>
+            <p:nvPr/>
+          </p:nvCxnSpPr>
+          <p:spPr>
+            <a:xfrm>
+              <a:off x="534345" y="6537442"/>
+              <a:ext cx="199352" cy="0"/>
+            </a:xfrm>
+            <a:prstGeom prst="line">
+              <a:avLst/>
+            </a:prstGeom>
+            <a:ln w="12700">
+              <a:solidFill>
+                <a:schemeClr val="tx1"/>
+              </a:solidFill>
+            </a:ln>
+          </p:spPr>
+          <p:style>
+            <a:lnRef idx="1">
+              <a:schemeClr val="accent1"/>
+            </a:lnRef>
+            <a:fillRef idx="0">
+              <a:schemeClr val="accent1"/>
+            </a:fillRef>
+            <a:effectRef idx="0">
+              <a:schemeClr val="accent1"/>
+            </a:effectRef>
+            <a:fontRef idx="minor">
+              <a:schemeClr val="tx1"/>
+            </a:fontRef>
+          </p:style>
+        </p:cxnSp>
+        <p:sp>
+          <p:nvSpPr>
+            <p:cNvPr id="212" name="Oval 211">
+              <a:extLst>
+                <a:ext uri="{FF2B5EF4-FFF2-40B4-BE49-F238E27FC236}">
+                  <a16:creationId xmlns:a16="http://schemas.microsoft.com/office/drawing/2014/main" id="{F28FD098-A781-6F4C-3A38-31DB07F6C5DC}"/>
+                </a:ext>
+              </a:extLst>
+            </p:cNvPr>
+            <p:cNvSpPr/>
+            <p:nvPr/>
+          </p:nvSpPr>
+          <p:spPr>
+            <a:xfrm>
+              <a:off x="442015" y="6660099"/>
+              <a:ext cx="92330" cy="89383"/>
+            </a:xfrm>
+            <a:prstGeom prst="ellipse">
+              <a:avLst/>
+            </a:prstGeom>
+            <a:noFill/>
+            <a:ln>
+              <a:solidFill>
+                <a:schemeClr val="tx1"/>
+              </a:solidFill>
+            </a:ln>
+          </p:spPr>
+          <p:style>
+            <a:lnRef idx="2">
+              <a:schemeClr val="accent1">
+                <a:shade val="50000"/>
+              </a:schemeClr>
+            </a:lnRef>
+            <a:fillRef idx="1">
+              <a:schemeClr val="accent1"/>
+            </a:fillRef>
+            <a:effectRef idx="0">
+              <a:schemeClr val="accent1"/>
+            </a:effectRef>
+            <a:fontRef idx="minor">
+              <a:schemeClr val="lt1"/>
+            </a:fontRef>
+          </p:style>
+          <p:txBody>
+            <a:bodyPr rtlCol="0" anchor="ctr"/>
+            <a:lstStyle/>
+            <a:p>
+              <a:pPr algn="ctr"/>
+              <a:endParaRPr lang="en-US"/>
+            </a:p>
+          </p:txBody>
+        </p:sp>
+        <p:sp>
+          <p:nvSpPr>
+            <p:cNvPr id="213" name="Oval 212">
+              <a:extLst>
+                <a:ext uri="{FF2B5EF4-FFF2-40B4-BE49-F238E27FC236}">
+                  <a16:creationId xmlns:a16="http://schemas.microsoft.com/office/drawing/2014/main" id="{960B8F0C-4F63-01F8-F556-74B5100D5B1B}"/>
+                </a:ext>
+              </a:extLst>
+            </p:cNvPr>
+            <p:cNvSpPr/>
+            <p:nvPr/>
+          </p:nvSpPr>
+          <p:spPr>
+            <a:xfrm>
+              <a:off x="733697" y="6660099"/>
+              <a:ext cx="92330" cy="89383"/>
+            </a:xfrm>
+            <a:prstGeom prst="ellipse">
+              <a:avLst/>
+            </a:prstGeom>
+            <a:noFill/>
+            <a:ln>
+              <a:solidFill>
+                <a:schemeClr val="tx1"/>
+              </a:solidFill>
+            </a:ln>
+          </p:spPr>
+          <p:style>
+            <a:lnRef idx="2">
+              <a:schemeClr val="accent1">
+                <a:shade val="50000"/>
+              </a:schemeClr>
+            </a:lnRef>
+            <a:fillRef idx="1">
+              <a:schemeClr val="accent1"/>
+            </a:fillRef>
+            <a:effectRef idx="0">
+              <a:schemeClr val="accent1"/>
+            </a:effectRef>
+            <a:fontRef idx="minor">
+              <a:schemeClr val="lt1"/>
+            </a:fontRef>
+          </p:style>
+          <p:txBody>
+            <a:bodyPr rtlCol="0" anchor="ctr"/>
+            <a:lstStyle/>
+            <a:p>
+              <a:pPr algn="ctr"/>
+              <a:endParaRPr lang="en-US"/>
+            </a:p>
+          </p:txBody>
+        </p:sp>
+        <p:cxnSp>
+          <p:nvCxnSpPr>
+            <p:cNvPr id="214" name="Straight Connector 213">
+              <a:extLst>
+                <a:ext uri="{FF2B5EF4-FFF2-40B4-BE49-F238E27FC236}">
+                  <a16:creationId xmlns:a16="http://schemas.microsoft.com/office/drawing/2014/main" id="{62903AA9-51F4-95F6-3F72-72C872543B20}"/>
+                </a:ext>
+              </a:extLst>
+            </p:cNvPr>
+            <p:cNvCxnSpPr>
+              <a:cxnSpLocks/>
+              <a:stCxn id="212" idx="6"/>
+              <a:endCxn id="213" idx="2"/>
+            </p:cNvCxnSpPr>
+            <p:nvPr/>
+          </p:nvCxnSpPr>
+          <p:spPr>
+            <a:xfrm>
+              <a:off x="534345" y="6704791"/>
+              <a:ext cx="199352" cy="0"/>
+            </a:xfrm>
+            <a:prstGeom prst="line">
+              <a:avLst/>
+            </a:prstGeom>
+            <a:ln w="12700">
+              <a:solidFill>
+                <a:schemeClr val="tx1"/>
+              </a:solidFill>
+            </a:ln>
+          </p:spPr>
+          <p:style>
+            <a:lnRef idx="1">
+              <a:schemeClr val="accent1"/>
+            </a:lnRef>
+            <a:fillRef idx="0">
+              <a:schemeClr val="accent1"/>
+            </a:fillRef>
+            <a:effectRef idx="0">
+              <a:schemeClr val="accent1"/>
+            </a:effectRef>
+            <a:fontRef idx="minor">
+              <a:schemeClr val="tx1"/>
+            </a:fontRef>
+          </p:style>
+        </p:cxnSp>
+        <p:cxnSp>
+          <p:nvCxnSpPr>
+            <p:cNvPr id="215" name="Straight Connector 214">
+              <a:extLst>
+                <a:ext uri="{FF2B5EF4-FFF2-40B4-BE49-F238E27FC236}">
+                  <a16:creationId xmlns:a16="http://schemas.microsoft.com/office/drawing/2014/main" id="{460F4E4C-3AAA-A990-1E13-C3321D57133D}"/>
+                </a:ext>
+              </a:extLst>
+            </p:cNvPr>
+            <p:cNvCxnSpPr>
+              <a:cxnSpLocks/>
+              <a:stCxn id="210" idx="4"/>
+              <a:endCxn id="213" idx="0"/>
+            </p:cNvCxnSpPr>
+            <p:nvPr/>
+          </p:nvCxnSpPr>
+          <p:spPr>
+            <a:xfrm>
+              <a:off x="779862" y="6582133"/>
+              <a:ext cx="0" cy="77966"/>
+            </a:xfrm>
+            <a:prstGeom prst="line">
+              <a:avLst/>
+            </a:prstGeom>
+            <a:ln w="12700">
+              <a:solidFill>
+                <a:schemeClr val="tx1"/>
+              </a:solidFill>
+            </a:ln>
+          </p:spPr>
+          <p:style>
+            <a:lnRef idx="1">
+              <a:schemeClr val="accent1"/>
+            </a:lnRef>
+            <a:fillRef idx="0">
+              <a:schemeClr val="accent1"/>
+            </a:fillRef>
+            <a:effectRef idx="0">
+              <a:schemeClr val="accent1"/>
+            </a:effectRef>
+            <a:fontRef idx="minor">
+              <a:schemeClr val="tx1"/>
+            </a:fontRef>
+          </p:style>
+        </p:cxnSp>
+        <p:cxnSp>
+          <p:nvCxnSpPr>
+            <p:cNvPr id="218" name="Straight Connector 217">
+              <a:extLst>
+                <a:ext uri="{FF2B5EF4-FFF2-40B4-BE49-F238E27FC236}">
+                  <a16:creationId xmlns:a16="http://schemas.microsoft.com/office/drawing/2014/main" id="{10B9A35C-5283-8479-1B19-C245A9A79DED}"/>
+                </a:ext>
+              </a:extLst>
+            </p:cNvPr>
+            <p:cNvCxnSpPr>
+              <a:cxnSpLocks/>
+              <a:stCxn id="209" idx="4"/>
+              <a:endCxn id="212" idx="0"/>
+            </p:cNvCxnSpPr>
+            <p:nvPr/>
+          </p:nvCxnSpPr>
+          <p:spPr>
+            <a:xfrm>
+              <a:off x="488180" y="6582133"/>
+              <a:ext cx="0" cy="77966"/>
+            </a:xfrm>
+            <a:prstGeom prst="line">
+              <a:avLst/>
+            </a:prstGeom>
+            <a:ln w="12700">
+              <a:solidFill>
+                <a:schemeClr val="tx1"/>
+              </a:solidFill>
+            </a:ln>
+          </p:spPr>
+          <p:style>
+            <a:lnRef idx="1">
+              <a:schemeClr val="accent1"/>
+            </a:lnRef>
+            <a:fillRef idx="0">
+              <a:schemeClr val="accent1"/>
+            </a:fillRef>
+            <a:effectRef idx="0">
+              <a:schemeClr val="accent1"/>
+            </a:effectRef>
+            <a:fontRef idx="minor">
+              <a:schemeClr val="tx1"/>
+            </a:fontRef>
+          </p:style>
+        </p:cxnSp>
+      </p:grpSp>
+      <p:pic>
+        <p:nvPicPr>
+          <p:cNvPr id="222" name="Picture 221" descr="Text&#10;&#10;Description automatically generated with low confidence">
+            <a:extLst>
+              <a:ext uri="{FF2B5EF4-FFF2-40B4-BE49-F238E27FC236}">
+                <a16:creationId xmlns:a16="http://schemas.microsoft.com/office/drawing/2014/main" id="{E685EA73-5668-8D76-006A-C6F2801CD887}"/>
+              </a:ext>
+            </a:extLst>
+          </p:cNvPr>
+          <p:cNvPicPr>
+            <a:picLocks noChangeAspect="1"/>
+          </p:cNvPicPr>
+          <p:nvPr/>
+        </p:nvPicPr>
+        <p:blipFill>
+          <a:blip r:embed="rId3">
+            <a:extLst>
+              <a:ext uri="{28A0092B-C50C-407E-A947-70E740481C1C}">
+                <a14:useLocalDpi xmlns:a14="http://schemas.microsoft.com/office/drawing/2010/main" val="0"/>
+              </a:ext>
+            </a:extLst>
+          </a:blip>
+          <a:stretch>
+            <a:fillRect/>
+          </a:stretch>
+        </p:blipFill>
+        <p:spPr>
+          <a:xfrm rot="5400000">
+            <a:off x="2898336" y="1877766"/>
+            <a:ext cx="1490900" cy="798697"/>
+          </a:xfrm>
+          <a:prstGeom prst="rect">
+            <a:avLst/>
+          </a:prstGeom>
+        </p:spPr>
+      </p:pic>
+      <p:sp>
+        <p:nvSpPr>
+          <p:cNvPr id="224" name="Rectangle 223">
+            <a:extLst>
+              <a:ext uri="{FF2B5EF4-FFF2-40B4-BE49-F238E27FC236}">
+                <a16:creationId xmlns:a16="http://schemas.microsoft.com/office/drawing/2014/main" id="{1B28A5AF-96A8-AB59-3EBE-111F338E57FB}"/>
+              </a:ext>
+            </a:extLst>
+          </p:cNvPr>
+          <p:cNvSpPr/>
+          <p:nvPr/>
+        </p:nvSpPr>
+        <p:spPr>
+          <a:xfrm>
+            <a:off x="1312366" y="-1"/>
+            <a:ext cx="523625" cy="6858000"/>
+          </a:xfrm>
+          <a:prstGeom prst="rect">
+            <a:avLst/>
+          </a:prstGeom>
+          <a:noFill/>
+          <a:ln w="19050">
+            <a:solidFill>
+              <a:srgbClr val="C00000"/>
+            </a:solidFill>
+          </a:ln>
+        </p:spPr>
+        <p:style>
+          <a:lnRef idx="2">
+            <a:schemeClr val="accent1">
+              <a:shade val="50000"/>
+            </a:schemeClr>
+          </a:lnRef>
+          <a:fillRef idx="1">
+            <a:schemeClr val="accent1"/>
+          </a:fillRef>
+          <a:effectRef idx="0">
+            <a:schemeClr val="accent1"/>
+          </a:effectRef>
+          <a:fontRef idx="minor">
+            <a:schemeClr val="lt1"/>
+          </a:fontRef>
+        </p:style>
+        <p:txBody>
+          <a:bodyPr rtlCol="0" anchor="ctr"/>
+          <a:lstStyle/>
+          <a:p>
+            <a:pPr algn="ctr"/>
+            <a:endParaRPr lang="en-US"/>
+          </a:p>
+        </p:txBody>
+      </p:sp>
+      <p:grpSp>
+        <p:nvGrpSpPr>
+          <p:cNvPr id="398" name="Group 397">
+            <a:extLst>
+              <a:ext uri="{FF2B5EF4-FFF2-40B4-BE49-F238E27FC236}">
+                <a16:creationId xmlns:a16="http://schemas.microsoft.com/office/drawing/2014/main" id="{644D444D-F267-32E0-DFBB-BEE6B35C428D}"/>
+              </a:ext>
+            </a:extLst>
+          </p:cNvPr>
+          <p:cNvGrpSpPr/>
+          <p:nvPr/>
+        </p:nvGrpSpPr>
+        <p:grpSpPr>
+          <a:xfrm>
+            <a:off x="1373361" y="156917"/>
+            <a:ext cx="397784" cy="411938"/>
+            <a:chOff x="1373361" y="156917"/>
+            <a:chExt cx="397784" cy="411938"/>
+          </a:xfrm>
+        </p:grpSpPr>
+        <p:cxnSp>
+          <p:nvCxnSpPr>
+            <p:cNvPr id="223" name="Straight Connector 222">
+              <a:extLst>
+                <a:ext uri="{FF2B5EF4-FFF2-40B4-BE49-F238E27FC236}">
+                  <a16:creationId xmlns:a16="http://schemas.microsoft.com/office/drawing/2014/main" id="{CC1935DD-6F1E-9FEB-8803-B0BBAD2921DB}"/>
+                </a:ext>
+              </a:extLst>
+            </p:cNvPr>
+            <p:cNvCxnSpPr>
+              <a:cxnSpLocks/>
+              <a:stCxn id="225" idx="3"/>
+              <a:endCxn id="226" idx="7"/>
+            </p:cNvCxnSpPr>
+            <p:nvPr/>
+          </p:nvCxnSpPr>
+          <p:spPr>
+            <a:xfrm flipH="1">
+              <a:off x="1452170" y="438582"/>
+              <a:ext cx="37924" cy="53980"/>
+            </a:xfrm>
+            <a:prstGeom prst="line">
+              <a:avLst/>
+            </a:prstGeom>
+            <a:ln w="12700">
+              <a:solidFill>
+                <a:schemeClr val="tx1"/>
+              </a:solidFill>
+            </a:ln>
+          </p:spPr>
+          <p:style>
+            <a:lnRef idx="1">
+              <a:schemeClr val="accent1"/>
+            </a:lnRef>
+            <a:fillRef idx="0">
+              <a:schemeClr val="accent1"/>
+            </a:fillRef>
+            <a:effectRef idx="0">
+              <a:schemeClr val="accent1"/>
+            </a:effectRef>
+            <a:fontRef idx="minor">
+              <a:schemeClr val="tx1"/>
+            </a:fontRef>
+          </p:style>
+        </p:cxnSp>
+        <p:sp>
+          <p:nvSpPr>
+            <p:cNvPr id="225" name="Oval 224">
+              <a:extLst>
+                <a:ext uri="{FF2B5EF4-FFF2-40B4-BE49-F238E27FC236}">
+                  <a16:creationId xmlns:a16="http://schemas.microsoft.com/office/drawing/2014/main" id="{4179CB30-CF6D-2AA9-5CB3-45501779C729}"/>
+                </a:ext>
+              </a:extLst>
+            </p:cNvPr>
+            <p:cNvSpPr/>
+            <p:nvPr/>
+          </p:nvSpPr>
+          <p:spPr>
+            <a:xfrm>
+              <a:off x="1456271" y="253516"/>
+              <a:ext cx="230958" cy="216818"/>
+            </a:xfrm>
+            <a:prstGeom prst="ellipse">
+              <a:avLst/>
+            </a:prstGeom>
+            <a:noFill/>
+            <a:ln>
+              <a:solidFill>
+                <a:schemeClr val="tx1"/>
+              </a:solidFill>
+            </a:ln>
+          </p:spPr>
+          <p:style>
+            <a:lnRef idx="2">
+              <a:schemeClr val="accent1">
+                <a:shade val="50000"/>
+              </a:schemeClr>
+            </a:lnRef>
+            <a:fillRef idx="1">
+              <a:schemeClr val="accent1"/>
+            </a:fillRef>
+            <a:effectRef idx="0">
+              <a:schemeClr val="accent1"/>
+            </a:effectRef>
+            <a:fontRef idx="minor">
+              <a:schemeClr val="lt1"/>
+            </a:fontRef>
+          </p:style>
+          <p:txBody>
+            <a:bodyPr rtlCol="0" anchor="ctr"/>
+            <a:lstStyle/>
+            <a:p>
+              <a:pPr algn="ctr"/>
+              <a:endParaRPr lang="en-US"/>
+            </a:p>
+          </p:txBody>
+        </p:sp>
+        <p:sp>
+          <p:nvSpPr>
+            <p:cNvPr id="226" name="Oval 225">
+              <a:extLst>
+                <a:ext uri="{FF2B5EF4-FFF2-40B4-BE49-F238E27FC236}">
+                  <a16:creationId xmlns:a16="http://schemas.microsoft.com/office/drawing/2014/main" id="{B2539655-1CEC-14C8-87D0-EAE703917A9F}"/>
+                </a:ext>
+              </a:extLst>
+            </p:cNvPr>
+            <p:cNvSpPr/>
+            <p:nvPr/>
+          </p:nvSpPr>
+          <p:spPr>
+            <a:xfrm>
+              <a:off x="1373361" y="479472"/>
+              <a:ext cx="92330" cy="89383"/>
+            </a:xfrm>
+            <a:prstGeom prst="ellipse">
+              <a:avLst/>
+            </a:prstGeom>
+            <a:noFill/>
+            <a:ln>
+              <a:solidFill>
+                <a:schemeClr val="tx1"/>
+              </a:solidFill>
+            </a:ln>
+          </p:spPr>
+          <p:style>
+            <a:lnRef idx="2">
+              <a:schemeClr val="accent1">
+                <a:shade val="50000"/>
+              </a:schemeClr>
+            </a:lnRef>
+            <a:fillRef idx="1">
+              <a:schemeClr val="accent1"/>
+            </a:fillRef>
+            <a:effectRef idx="0">
+              <a:schemeClr val="accent1"/>
+            </a:effectRef>
+            <a:fontRef idx="minor">
+              <a:schemeClr val="lt1"/>
+            </a:fontRef>
+          </p:style>
+          <p:txBody>
+            <a:bodyPr rtlCol="0" anchor="ctr"/>
+            <a:lstStyle/>
+            <a:p>
+              <a:pPr algn="ctr"/>
+              <a:endParaRPr lang="en-US"/>
+            </a:p>
+          </p:txBody>
+        </p:sp>
+        <p:sp>
+          <p:nvSpPr>
+            <p:cNvPr id="229" name="Oval 228">
+              <a:extLst>
+                <a:ext uri="{FF2B5EF4-FFF2-40B4-BE49-F238E27FC236}">
+                  <a16:creationId xmlns:a16="http://schemas.microsoft.com/office/drawing/2014/main" id="{E874CEF3-B0D6-C89C-9DF8-7F39506862B9}"/>
+                </a:ext>
+              </a:extLst>
+            </p:cNvPr>
+            <p:cNvSpPr/>
+            <p:nvPr/>
+          </p:nvSpPr>
+          <p:spPr>
+            <a:xfrm>
+              <a:off x="1678815" y="475082"/>
+              <a:ext cx="92330" cy="89383"/>
+            </a:xfrm>
+            <a:prstGeom prst="ellipse">
+              <a:avLst/>
+            </a:prstGeom>
+            <a:noFill/>
+            <a:ln>
+              <a:solidFill>
+                <a:schemeClr val="tx1"/>
+              </a:solidFill>
+            </a:ln>
+          </p:spPr>
+          <p:style>
+            <a:lnRef idx="2">
+              <a:schemeClr val="accent1">
+                <a:shade val="50000"/>
+              </a:schemeClr>
+            </a:lnRef>
+            <a:fillRef idx="1">
+              <a:schemeClr val="accent1"/>
+            </a:fillRef>
+            <a:effectRef idx="0">
+              <a:schemeClr val="accent1"/>
+            </a:effectRef>
+            <a:fontRef idx="minor">
+              <a:schemeClr val="lt1"/>
+            </a:fontRef>
+          </p:style>
+          <p:txBody>
+            <a:bodyPr rtlCol="0" anchor="ctr"/>
+            <a:lstStyle/>
+            <a:p>
+              <a:pPr algn="ctr"/>
+              <a:endParaRPr lang="en-US"/>
+            </a:p>
+          </p:txBody>
+        </p:sp>
+        <p:cxnSp>
+          <p:nvCxnSpPr>
+            <p:cNvPr id="340" name="Straight Connector 339">
+              <a:extLst>
+                <a:ext uri="{FF2B5EF4-FFF2-40B4-BE49-F238E27FC236}">
+                  <a16:creationId xmlns:a16="http://schemas.microsoft.com/office/drawing/2014/main" id="{FA97DC81-8D36-A3DA-EBE8-B766A879A0D8}"/>
+                </a:ext>
+              </a:extLst>
+            </p:cNvPr>
+            <p:cNvCxnSpPr>
+              <a:cxnSpLocks/>
+              <a:stCxn id="225" idx="1"/>
+              <a:endCxn id="341" idx="5"/>
+            </p:cNvCxnSpPr>
+            <p:nvPr/>
+          </p:nvCxnSpPr>
+          <p:spPr>
+            <a:xfrm flipH="1" flipV="1">
+              <a:off x="1452170" y="235871"/>
+              <a:ext cx="37924" cy="49397"/>
+            </a:xfrm>
+            <a:prstGeom prst="line">
+              <a:avLst/>
+            </a:prstGeom>
+            <a:ln w="12700">
+              <a:solidFill>
+                <a:schemeClr val="tx1"/>
+              </a:solidFill>
+            </a:ln>
+          </p:spPr>
+          <p:style>
+            <a:lnRef idx="1">
+              <a:schemeClr val="accent1"/>
+            </a:lnRef>
+            <a:fillRef idx="0">
+              <a:schemeClr val="accent1"/>
+            </a:fillRef>
+            <a:effectRef idx="0">
+              <a:schemeClr val="accent1"/>
+            </a:effectRef>
+            <a:fontRef idx="minor">
+              <a:schemeClr val="tx1"/>
+            </a:fontRef>
+          </p:style>
+        </p:cxnSp>
+        <p:sp>
+          <p:nvSpPr>
+            <p:cNvPr id="341" name="Oval 340">
+              <a:extLst>
+                <a:ext uri="{FF2B5EF4-FFF2-40B4-BE49-F238E27FC236}">
+                  <a16:creationId xmlns:a16="http://schemas.microsoft.com/office/drawing/2014/main" id="{72778DB1-1D7B-1329-D35E-C31D19BF430F}"/>
+                </a:ext>
+              </a:extLst>
+            </p:cNvPr>
+            <p:cNvSpPr/>
+            <p:nvPr/>
+          </p:nvSpPr>
+          <p:spPr>
+            <a:xfrm>
+              <a:off x="1373361" y="159578"/>
+              <a:ext cx="92330" cy="89383"/>
+            </a:xfrm>
+            <a:prstGeom prst="ellipse">
+              <a:avLst/>
+            </a:prstGeom>
+            <a:noFill/>
+            <a:ln>
+              <a:solidFill>
+                <a:schemeClr val="tx1"/>
+              </a:solidFill>
+            </a:ln>
+          </p:spPr>
+          <p:style>
+            <a:lnRef idx="2">
+              <a:schemeClr val="accent1">
+                <a:shade val="50000"/>
+              </a:schemeClr>
+            </a:lnRef>
+            <a:fillRef idx="1">
+              <a:schemeClr val="accent1"/>
+            </a:fillRef>
+            <a:effectRef idx="0">
+              <a:schemeClr val="accent1"/>
+            </a:effectRef>
+            <a:fontRef idx="minor">
+              <a:schemeClr val="lt1"/>
+            </a:fontRef>
+          </p:style>
+          <p:txBody>
+            <a:bodyPr rtlCol="0" anchor="ctr"/>
+            <a:lstStyle/>
+            <a:p>
+              <a:pPr algn="ctr"/>
+              <a:endParaRPr lang="en-US"/>
+            </a:p>
+          </p:txBody>
+        </p:sp>
+        <p:sp>
+          <p:nvSpPr>
+            <p:cNvPr id="342" name="Oval 341">
+              <a:extLst>
+                <a:ext uri="{FF2B5EF4-FFF2-40B4-BE49-F238E27FC236}">
+                  <a16:creationId xmlns:a16="http://schemas.microsoft.com/office/drawing/2014/main" id="{A5963F8E-682E-26A9-1EAB-4B5E006DFD2D}"/>
+                </a:ext>
+              </a:extLst>
+            </p:cNvPr>
+            <p:cNvSpPr/>
+            <p:nvPr/>
+          </p:nvSpPr>
+          <p:spPr>
+            <a:xfrm>
+              <a:off x="1675669" y="156917"/>
+              <a:ext cx="92330" cy="89383"/>
+            </a:xfrm>
+            <a:prstGeom prst="ellipse">
+              <a:avLst/>
+            </a:prstGeom>
+            <a:noFill/>
+            <a:ln>
+              <a:solidFill>
+                <a:schemeClr val="tx1"/>
+              </a:solidFill>
+            </a:ln>
+          </p:spPr>
+          <p:style>
+            <a:lnRef idx="2">
+              <a:schemeClr val="accent1">
+                <a:shade val="50000"/>
+              </a:schemeClr>
+            </a:lnRef>
+            <a:fillRef idx="1">
+              <a:schemeClr val="accent1"/>
+            </a:fillRef>
+            <a:effectRef idx="0">
+              <a:schemeClr val="accent1"/>
+            </a:effectRef>
+            <a:fontRef idx="minor">
+              <a:schemeClr val="lt1"/>
+            </a:fontRef>
+          </p:style>
+          <p:txBody>
+            <a:bodyPr rtlCol="0" anchor="ctr"/>
+            <a:lstStyle/>
+            <a:p>
+              <a:pPr algn="ctr"/>
+              <a:endParaRPr lang="en-US"/>
+            </a:p>
+          </p:txBody>
+        </p:sp>
+        <p:cxnSp>
+          <p:nvCxnSpPr>
+            <p:cNvPr id="346" name="Straight Connector 345">
+              <a:extLst>
+                <a:ext uri="{FF2B5EF4-FFF2-40B4-BE49-F238E27FC236}">
+                  <a16:creationId xmlns:a16="http://schemas.microsoft.com/office/drawing/2014/main" id="{7FBD562D-E0C8-2FC9-9E11-05F34E9FE603}"/>
+                </a:ext>
+              </a:extLst>
+            </p:cNvPr>
+            <p:cNvCxnSpPr>
+              <a:cxnSpLocks/>
+              <a:stCxn id="342" idx="3"/>
+              <a:endCxn id="225" idx="7"/>
+            </p:cNvCxnSpPr>
+            <p:nvPr/>
+          </p:nvCxnSpPr>
+          <p:spPr>
+            <a:xfrm flipH="1">
+              <a:off x="1653406" y="233210"/>
+              <a:ext cx="35784" cy="52058"/>
+            </a:xfrm>
+            <a:prstGeom prst="line">
+              <a:avLst/>
+            </a:prstGeom>
+            <a:ln w="12700">
+              <a:solidFill>
+                <a:schemeClr val="tx1"/>
+              </a:solidFill>
+            </a:ln>
+          </p:spPr>
+          <p:style>
+            <a:lnRef idx="1">
+              <a:schemeClr val="accent1"/>
+            </a:lnRef>
+            <a:fillRef idx="0">
+              <a:schemeClr val="accent1"/>
+            </a:fillRef>
+            <a:effectRef idx="0">
+              <a:schemeClr val="accent1"/>
+            </a:effectRef>
+            <a:fontRef idx="minor">
+              <a:schemeClr val="tx1"/>
+            </a:fontRef>
+          </p:style>
+        </p:cxnSp>
+        <p:cxnSp>
+          <p:nvCxnSpPr>
+            <p:cNvPr id="352" name="Straight Connector 351">
+              <a:extLst>
+                <a:ext uri="{FF2B5EF4-FFF2-40B4-BE49-F238E27FC236}">
+                  <a16:creationId xmlns:a16="http://schemas.microsoft.com/office/drawing/2014/main" id="{1147DED9-9389-3A05-F0F9-3BD8EEEAC0D9}"/>
+                </a:ext>
+              </a:extLst>
+            </p:cNvPr>
+            <p:cNvCxnSpPr>
+              <a:cxnSpLocks/>
+              <a:stCxn id="229" idx="1"/>
+              <a:endCxn id="225" idx="5"/>
+            </p:cNvCxnSpPr>
+            <p:nvPr/>
+          </p:nvCxnSpPr>
+          <p:spPr>
+            <a:xfrm flipH="1" flipV="1">
+              <a:off x="1653406" y="438582"/>
+              <a:ext cx="38930" cy="49590"/>
+            </a:xfrm>
+            <a:prstGeom prst="line">
+              <a:avLst/>
+            </a:prstGeom>
+            <a:ln w="12700">
+              <a:solidFill>
+                <a:schemeClr val="tx1"/>
+              </a:solidFill>
+            </a:ln>
+          </p:spPr>
+          <p:style>
+            <a:lnRef idx="1">
+              <a:schemeClr val="accent1"/>
+            </a:lnRef>
+            <a:fillRef idx="0">
+              <a:schemeClr val="accent1"/>
+            </a:fillRef>
+            <a:effectRef idx="0">
+              <a:schemeClr val="accent1"/>
+            </a:effectRef>
+            <a:fontRef idx="minor">
+              <a:schemeClr val="tx1"/>
+            </a:fontRef>
+          </p:style>
+        </p:cxnSp>
+      </p:grpSp>
+      <p:grpSp>
+        <p:nvGrpSpPr>
+          <p:cNvPr id="399" name="Group 398">
+            <a:extLst>
+              <a:ext uri="{FF2B5EF4-FFF2-40B4-BE49-F238E27FC236}">
+                <a16:creationId xmlns:a16="http://schemas.microsoft.com/office/drawing/2014/main" id="{DF3346A3-71CD-F32A-4E3E-8AC6AAEA296C}"/>
+              </a:ext>
+            </a:extLst>
+          </p:cNvPr>
+          <p:cNvGrpSpPr/>
+          <p:nvPr/>
+        </p:nvGrpSpPr>
+        <p:grpSpPr>
+          <a:xfrm>
+            <a:off x="1373361" y="668322"/>
+            <a:ext cx="394638" cy="313417"/>
+            <a:chOff x="1373361" y="668322"/>
+            <a:chExt cx="394638" cy="313417"/>
+          </a:xfrm>
+        </p:grpSpPr>
+        <p:sp>
+          <p:nvSpPr>
+            <p:cNvPr id="358" name="Oval 357">
+              <a:extLst>
+                <a:ext uri="{FF2B5EF4-FFF2-40B4-BE49-F238E27FC236}">
+                  <a16:creationId xmlns:a16="http://schemas.microsoft.com/office/drawing/2014/main" id="{07493CF0-6724-9A57-2307-0311156F49C8}"/>
+                </a:ext>
+              </a:extLst>
+            </p:cNvPr>
+            <p:cNvSpPr/>
+            <p:nvPr/>
+          </p:nvSpPr>
+          <p:spPr>
+            <a:xfrm>
+              <a:off x="1456271" y="764921"/>
+              <a:ext cx="230958" cy="216818"/>
+            </a:xfrm>
+            <a:prstGeom prst="ellipse">
+              <a:avLst/>
+            </a:prstGeom>
+            <a:noFill/>
+            <a:ln>
+              <a:solidFill>
+                <a:schemeClr val="tx1"/>
+              </a:solidFill>
+            </a:ln>
+          </p:spPr>
+          <p:style>
+            <a:lnRef idx="2">
+              <a:schemeClr val="accent1">
+                <a:shade val="50000"/>
+              </a:schemeClr>
+            </a:lnRef>
+            <a:fillRef idx="1">
+              <a:schemeClr val="accent1"/>
+            </a:fillRef>
+            <a:effectRef idx="0">
+              <a:schemeClr val="accent1"/>
+            </a:effectRef>
+            <a:fontRef idx="minor">
+              <a:schemeClr val="lt1"/>
+            </a:fontRef>
+          </p:style>
+          <p:txBody>
+            <a:bodyPr rtlCol="0" anchor="ctr"/>
+            <a:lstStyle/>
+            <a:p>
+              <a:pPr algn="ctr"/>
+              <a:endParaRPr lang="en-US"/>
+            </a:p>
+          </p:txBody>
+        </p:sp>
+        <p:cxnSp>
+          <p:nvCxnSpPr>
+            <p:cNvPr id="361" name="Straight Connector 360">
+              <a:extLst>
+                <a:ext uri="{FF2B5EF4-FFF2-40B4-BE49-F238E27FC236}">
+                  <a16:creationId xmlns:a16="http://schemas.microsoft.com/office/drawing/2014/main" id="{8E53AB33-F249-576E-0923-65EEB998AE5E}"/>
+                </a:ext>
+              </a:extLst>
+            </p:cNvPr>
+            <p:cNvCxnSpPr>
+              <a:cxnSpLocks/>
+              <a:stCxn id="358" idx="1"/>
+              <a:endCxn id="362" idx="5"/>
+            </p:cNvCxnSpPr>
+            <p:nvPr/>
+          </p:nvCxnSpPr>
+          <p:spPr>
+            <a:xfrm flipH="1" flipV="1">
+              <a:off x="1452170" y="747276"/>
+              <a:ext cx="37924" cy="49397"/>
+            </a:xfrm>
+            <a:prstGeom prst="line">
+              <a:avLst/>
+            </a:prstGeom>
+            <a:ln w="12700">
+              <a:solidFill>
+                <a:schemeClr val="tx1"/>
+              </a:solidFill>
+            </a:ln>
+          </p:spPr>
+          <p:style>
+            <a:lnRef idx="1">
+              <a:schemeClr val="accent1"/>
+            </a:lnRef>
+            <a:fillRef idx="0">
+              <a:schemeClr val="accent1"/>
+            </a:fillRef>
+            <a:effectRef idx="0">
+              <a:schemeClr val="accent1"/>
+            </a:effectRef>
+            <a:fontRef idx="minor">
+              <a:schemeClr val="tx1"/>
+            </a:fontRef>
+          </p:style>
+        </p:cxnSp>
+        <p:sp>
+          <p:nvSpPr>
+            <p:cNvPr id="362" name="Oval 361">
+              <a:extLst>
+                <a:ext uri="{FF2B5EF4-FFF2-40B4-BE49-F238E27FC236}">
+                  <a16:creationId xmlns:a16="http://schemas.microsoft.com/office/drawing/2014/main" id="{408A4E5A-769D-252B-8D96-DDDD61D37F8B}"/>
+                </a:ext>
+              </a:extLst>
+            </p:cNvPr>
+            <p:cNvSpPr/>
+            <p:nvPr/>
+          </p:nvSpPr>
+          <p:spPr>
+            <a:xfrm>
+              <a:off x="1373361" y="670983"/>
+              <a:ext cx="92330" cy="89383"/>
+            </a:xfrm>
+            <a:prstGeom prst="ellipse">
+              <a:avLst/>
+            </a:prstGeom>
+            <a:noFill/>
+            <a:ln>
+              <a:solidFill>
+                <a:schemeClr val="tx1"/>
+              </a:solidFill>
+            </a:ln>
+          </p:spPr>
+          <p:style>
+            <a:lnRef idx="2">
+              <a:schemeClr val="accent1">
+                <a:shade val="50000"/>
+              </a:schemeClr>
+            </a:lnRef>
+            <a:fillRef idx="1">
+              <a:schemeClr val="accent1"/>
+            </a:fillRef>
+            <a:effectRef idx="0">
+              <a:schemeClr val="accent1"/>
+            </a:effectRef>
+            <a:fontRef idx="minor">
+              <a:schemeClr val="lt1"/>
+            </a:fontRef>
+          </p:style>
+          <p:txBody>
+            <a:bodyPr rtlCol="0" anchor="ctr"/>
+            <a:lstStyle/>
+            <a:p>
+              <a:pPr algn="ctr"/>
+              <a:endParaRPr lang="en-US"/>
+            </a:p>
+          </p:txBody>
+        </p:sp>
+        <p:sp>
+          <p:nvSpPr>
+            <p:cNvPr id="363" name="Oval 362">
+              <a:extLst>
+                <a:ext uri="{FF2B5EF4-FFF2-40B4-BE49-F238E27FC236}">
+                  <a16:creationId xmlns:a16="http://schemas.microsoft.com/office/drawing/2014/main" id="{79C15898-397D-511D-521F-40F729C615A0}"/>
+                </a:ext>
+              </a:extLst>
+            </p:cNvPr>
+            <p:cNvSpPr/>
+            <p:nvPr/>
+          </p:nvSpPr>
+          <p:spPr>
+            <a:xfrm>
+              <a:off x="1675669" y="668322"/>
+              <a:ext cx="92330" cy="89383"/>
+            </a:xfrm>
+            <a:prstGeom prst="ellipse">
+              <a:avLst/>
+            </a:prstGeom>
+            <a:noFill/>
+            <a:ln>
+              <a:solidFill>
+                <a:schemeClr val="tx1"/>
+              </a:solidFill>
+            </a:ln>
+          </p:spPr>
+          <p:style>
+            <a:lnRef idx="2">
+              <a:schemeClr val="accent1">
+                <a:shade val="50000"/>
+              </a:schemeClr>
+            </a:lnRef>
+            <a:fillRef idx="1">
+              <a:schemeClr val="accent1"/>
+            </a:fillRef>
+            <a:effectRef idx="0">
+              <a:schemeClr val="accent1"/>
+            </a:effectRef>
+            <a:fontRef idx="minor">
+              <a:schemeClr val="lt1"/>
+            </a:fontRef>
+          </p:style>
+          <p:txBody>
+            <a:bodyPr rtlCol="0" anchor="ctr"/>
+            <a:lstStyle/>
+            <a:p>
+              <a:pPr algn="ctr"/>
+              <a:endParaRPr lang="en-US"/>
+            </a:p>
+          </p:txBody>
+        </p:sp>
+        <p:cxnSp>
+          <p:nvCxnSpPr>
+            <p:cNvPr id="364" name="Straight Connector 363">
+              <a:extLst>
+                <a:ext uri="{FF2B5EF4-FFF2-40B4-BE49-F238E27FC236}">
+                  <a16:creationId xmlns:a16="http://schemas.microsoft.com/office/drawing/2014/main" id="{6A3A7084-542F-DAA1-C9DE-5EBA0ECC2345}"/>
+                </a:ext>
+              </a:extLst>
+            </p:cNvPr>
+            <p:cNvCxnSpPr>
+              <a:cxnSpLocks/>
+              <a:stCxn id="363" idx="3"/>
+              <a:endCxn id="358" idx="7"/>
+            </p:cNvCxnSpPr>
+            <p:nvPr/>
+          </p:nvCxnSpPr>
+          <p:spPr>
+            <a:xfrm flipH="1">
+              <a:off x="1653406" y="744615"/>
+              <a:ext cx="35784" cy="52058"/>
+            </a:xfrm>
+            <a:prstGeom prst="line">
+              <a:avLst/>
+            </a:prstGeom>
+            <a:ln w="12700">
+              <a:solidFill>
+                <a:schemeClr val="tx1"/>
+              </a:solidFill>
+            </a:ln>
+          </p:spPr>
+          <p:style>
+            <a:lnRef idx="1">
+              <a:schemeClr val="accent1"/>
+            </a:lnRef>
+            <a:fillRef idx="0">
+              <a:schemeClr val="accent1"/>
+            </a:fillRef>
+            <a:effectRef idx="0">
+              <a:schemeClr val="accent1"/>
+            </a:effectRef>
+            <a:fontRef idx="minor">
+              <a:schemeClr val="tx1"/>
+            </a:fontRef>
+          </p:style>
+        </p:cxnSp>
+      </p:grpSp>
+      <p:grpSp>
+        <p:nvGrpSpPr>
+          <p:cNvPr id="400" name="Group 399">
+            <a:extLst>
+              <a:ext uri="{FF2B5EF4-FFF2-40B4-BE49-F238E27FC236}">
+                <a16:creationId xmlns:a16="http://schemas.microsoft.com/office/drawing/2014/main" id="{D4042BA0-9719-15EB-3802-708E5E9742BE}"/>
+              </a:ext>
+            </a:extLst>
+          </p:cNvPr>
+          <p:cNvGrpSpPr/>
+          <p:nvPr/>
+        </p:nvGrpSpPr>
+        <p:grpSpPr>
+          <a:xfrm>
+            <a:off x="1414502" y="1066484"/>
+            <a:ext cx="317783" cy="321451"/>
+            <a:chOff x="1414502" y="1066484"/>
+            <a:chExt cx="317783" cy="321451"/>
+          </a:xfrm>
+        </p:grpSpPr>
+        <p:sp>
+          <p:nvSpPr>
+            <p:cNvPr id="366" name="Oval 365">
+              <a:extLst>
+                <a:ext uri="{FF2B5EF4-FFF2-40B4-BE49-F238E27FC236}">
+                  <a16:creationId xmlns:a16="http://schemas.microsoft.com/office/drawing/2014/main" id="{46DC0100-89EE-DF28-BF93-1AADB2E9C428}"/>
+                </a:ext>
+              </a:extLst>
+            </p:cNvPr>
+            <p:cNvSpPr/>
+            <p:nvPr/>
+          </p:nvSpPr>
+          <p:spPr>
+            <a:xfrm>
+              <a:off x="1529933" y="1066484"/>
+              <a:ext cx="92330" cy="89383"/>
+            </a:xfrm>
+            <a:prstGeom prst="ellipse">
+              <a:avLst/>
+            </a:prstGeom>
+            <a:noFill/>
+            <a:ln>
+              <a:solidFill>
+                <a:schemeClr val="tx1"/>
+              </a:solidFill>
+            </a:ln>
+          </p:spPr>
+          <p:style>
+            <a:lnRef idx="2">
+              <a:schemeClr val="accent1">
+                <a:shade val="50000"/>
+              </a:schemeClr>
+            </a:lnRef>
+            <a:fillRef idx="1">
+              <a:schemeClr val="accent1"/>
+            </a:fillRef>
+            <a:effectRef idx="0">
+              <a:schemeClr val="accent1"/>
+            </a:effectRef>
+            <a:fontRef idx="minor">
+              <a:schemeClr val="lt1"/>
+            </a:fontRef>
+          </p:style>
+          <p:txBody>
+            <a:bodyPr rtlCol="0" anchor="ctr"/>
+            <a:lstStyle/>
+            <a:p>
+              <a:pPr algn="ctr"/>
+              <a:endParaRPr lang="en-US"/>
+            </a:p>
+          </p:txBody>
+        </p:sp>
+        <p:sp>
+          <p:nvSpPr>
+            <p:cNvPr id="367" name="Oval 366">
+              <a:extLst>
+                <a:ext uri="{FF2B5EF4-FFF2-40B4-BE49-F238E27FC236}">
+                  <a16:creationId xmlns:a16="http://schemas.microsoft.com/office/drawing/2014/main" id="{6E31AA77-8003-589A-B5B7-6D46AA31AEE9}"/>
+                </a:ext>
+              </a:extLst>
+            </p:cNvPr>
+            <p:cNvSpPr/>
+            <p:nvPr/>
+          </p:nvSpPr>
+          <p:spPr>
+            <a:xfrm>
+              <a:off x="1529933" y="1298552"/>
+              <a:ext cx="92330" cy="89383"/>
+            </a:xfrm>
+            <a:prstGeom prst="ellipse">
+              <a:avLst/>
+            </a:prstGeom>
+            <a:noFill/>
+            <a:ln>
+              <a:solidFill>
+                <a:schemeClr val="tx1"/>
+              </a:solidFill>
+            </a:ln>
+          </p:spPr>
+          <p:style>
+            <a:lnRef idx="2">
+              <a:schemeClr val="accent1">
+                <a:shade val="50000"/>
+              </a:schemeClr>
+            </a:lnRef>
+            <a:fillRef idx="1">
+              <a:schemeClr val="accent1"/>
+            </a:fillRef>
+            <a:effectRef idx="0">
+              <a:schemeClr val="accent1"/>
+            </a:effectRef>
+            <a:fontRef idx="minor">
+              <a:schemeClr val="lt1"/>
+            </a:fontRef>
+          </p:style>
+          <p:txBody>
+            <a:bodyPr rtlCol="0" anchor="ctr"/>
+            <a:lstStyle/>
+            <a:p>
+              <a:pPr algn="ctr"/>
+              <a:endParaRPr lang="en-US"/>
+            </a:p>
+          </p:txBody>
+        </p:sp>
+        <p:sp>
+          <p:nvSpPr>
+            <p:cNvPr id="368" name="Oval 367">
+              <a:extLst>
+                <a:ext uri="{FF2B5EF4-FFF2-40B4-BE49-F238E27FC236}">
+                  <a16:creationId xmlns:a16="http://schemas.microsoft.com/office/drawing/2014/main" id="{07EC8C62-ED06-E15A-163F-ED5FCD6DBAC3}"/>
+                </a:ext>
+              </a:extLst>
+            </p:cNvPr>
+            <p:cNvSpPr/>
+            <p:nvPr/>
+          </p:nvSpPr>
+          <p:spPr>
+            <a:xfrm>
+              <a:off x="1639955" y="1187791"/>
+              <a:ext cx="92330" cy="89383"/>
+            </a:xfrm>
+            <a:prstGeom prst="ellipse">
+              <a:avLst/>
+            </a:prstGeom>
+            <a:noFill/>
+            <a:ln>
+              <a:solidFill>
+                <a:schemeClr val="tx1"/>
+              </a:solidFill>
+            </a:ln>
+          </p:spPr>
+          <p:style>
+            <a:lnRef idx="2">
+              <a:schemeClr val="accent1">
+                <a:shade val="50000"/>
+              </a:schemeClr>
+            </a:lnRef>
+            <a:fillRef idx="1">
+              <a:schemeClr val="accent1"/>
+            </a:fillRef>
+            <a:effectRef idx="0">
+              <a:schemeClr val="accent1"/>
+            </a:effectRef>
+            <a:fontRef idx="minor">
+              <a:schemeClr val="lt1"/>
+            </a:fontRef>
+          </p:style>
+          <p:txBody>
+            <a:bodyPr rtlCol="0" anchor="ctr"/>
+            <a:lstStyle/>
+            <a:p>
+              <a:pPr algn="ctr"/>
+              <a:endParaRPr lang="en-US"/>
+            </a:p>
+          </p:txBody>
+        </p:sp>
+        <p:sp>
+          <p:nvSpPr>
+            <p:cNvPr id="369" name="Oval 368">
+              <a:extLst>
+                <a:ext uri="{FF2B5EF4-FFF2-40B4-BE49-F238E27FC236}">
+                  <a16:creationId xmlns:a16="http://schemas.microsoft.com/office/drawing/2014/main" id="{65D6884E-8BC5-8222-1042-7C04B45790B5}"/>
+                </a:ext>
+              </a:extLst>
+            </p:cNvPr>
+            <p:cNvSpPr/>
+            <p:nvPr/>
+          </p:nvSpPr>
+          <p:spPr>
+            <a:xfrm>
+              <a:off x="1414502" y="1188193"/>
+              <a:ext cx="92330" cy="89383"/>
+            </a:xfrm>
+            <a:prstGeom prst="ellipse">
+              <a:avLst/>
+            </a:prstGeom>
+            <a:noFill/>
+            <a:ln>
+              <a:solidFill>
+                <a:schemeClr val="tx1"/>
+              </a:solidFill>
+            </a:ln>
+          </p:spPr>
+          <p:style>
+            <a:lnRef idx="2">
+              <a:schemeClr val="accent1">
+                <a:shade val="50000"/>
+              </a:schemeClr>
+            </a:lnRef>
+            <a:fillRef idx="1">
+              <a:schemeClr val="accent1"/>
+            </a:fillRef>
+            <a:effectRef idx="0">
+              <a:schemeClr val="accent1"/>
+            </a:effectRef>
+            <a:fontRef idx="minor">
+              <a:schemeClr val="lt1"/>
+            </a:fontRef>
+          </p:style>
+          <p:txBody>
+            <a:bodyPr rtlCol="0" anchor="ctr"/>
+            <a:lstStyle/>
+            <a:p>
+              <a:pPr algn="ctr"/>
+              <a:endParaRPr lang="en-US"/>
+            </a:p>
+          </p:txBody>
+        </p:sp>
+        <p:cxnSp>
+          <p:nvCxnSpPr>
+            <p:cNvPr id="370" name="Straight Connector 369">
+              <a:extLst>
+                <a:ext uri="{FF2B5EF4-FFF2-40B4-BE49-F238E27FC236}">
+                  <a16:creationId xmlns:a16="http://schemas.microsoft.com/office/drawing/2014/main" id="{BFAD111C-E3A6-5141-3471-C743BE53A4EB}"/>
+                </a:ext>
+              </a:extLst>
+            </p:cNvPr>
+            <p:cNvCxnSpPr>
+              <a:cxnSpLocks/>
+              <a:stCxn id="369" idx="7"/>
+              <a:endCxn id="366" idx="3"/>
+            </p:cNvCxnSpPr>
+            <p:nvPr/>
+          </p:nvCxnSpPr>
+          <p:spPr>
+            <a:xfrm flipV="1">
+              <a:off x="1493311" y="1142777"/>
+              <a:ext cx="50143" cy="58506"/>
+            </a:xfrm>
+            <a:prstGeom prst="line">
+              <a:avLst/>
+            </a:prstGeom>
+            <a:ln w="12700">
+              <a:solidFill>
+                <a:schemeClr val="tx1"/>
+              </a:solidFill>
+            </a:ln>
+          </p:spPr>
+          <p:style>
+            <a:lnRef idx="1">
+              <a:schemeClr val="accent1"/>
+            </a:lnRef>
+            <a:fillRef idx="0">
+              <a:schemeClr val="accent1"/>
+            </a:fillRef>
+            <a:effectRef idx="0">
+              <a:schemeClr val="accent1"/>
+            </a:effectRef>
+            <a:fontRef idx="minor">
+              <a:schemeClr val="tx1"/>
+            </a:fontRef>
+          </p:style>
+        </p:cxnSp>
+        <p:cxnSp>
+          <p:nvCxnSpPr>
+            <p:cNvPr id="374" name="Straight Connector 373">
+              <a:extLst>
+                <a:ext uri="{FF2B5EF4-FFF2-40B4-BE49-F238E27FC236}">
+                  <a16:creationId xmlns:a16="http://schemas.microsoft.com/office/drawing/2014/main" id="{080B42D9-91B1-3DA7-BB26-44471A78D3E9}"/>
+                </a:ext>
+              </a:extLst>
+            </p:cNvPr>
+            <p:cNvCxnSpPr>
+              <a:cxnSpLocks/>
+              <a:stCxn id="368" idx="1"/>
+              <a:endCxn id="366" idx="5"/>
+            </p:cNvCxnSpPr>
+            <p:nvPr/>
+          </p:nvCxnSpPr>
+          <p:spPr>
+            <a:xfrm flipH="1" flipV="1">
+              <a:off x="1608742" y="1142777"/>
+              <a:ext cx="44734" cy="58104"/>
+            </a:xfrm>
+            <a:prstGeom prst="line">
+              <a:avLst/>
+            </a:prstGeom>
+            <a:ln w="12700">
+              <a:solidFill>
+                <a:schemeClr val="tx1"/>
+              </a:solidFill>
+            </a:ln>
+          </p:spPr>
+          <p:style>
+            <a:lnRef idx="1">
+              <a:schemeClr val="accent1"/>
+            </a:lnRef>
+            <a:fillRef idx="0">
+              <a:schemeClr val="accent1"/>
+            </a:fillRef>
+            <a:effectRef idx="0">
+              <a:schemeClr val="accent1"/>
+            </a:effectRef>
+            <a:fontRef idx="minor">
+              <a:schemeClr val="tx1"/>
+            </a:fontRef>
+          </p:style>
+        </p:cxnSp>
+        <p:cxnSp>
+          <p:nvCxnSpPr>
+            <p:cNvPr id="378" name="Straight Connector 377">
+              <a:extLst>
+                <a:ext uri="{FF2B5EF4-FFF2-40B4-BE49-F238E27FC236}">
+                  <a16:creationId xmlns:a16="http://schemas.microsoft.com/office/drawing/2014/main" id="{DA418F0C-71C1-A5E1-0888-6D4384DD48BC}"/>
+                </a:ext>
+              </a:extLst>
+            </p:cNvPr>
+            <p:cNvCxnSpPr>
+              <a:cxnSpLocks/>
+              <a:stCxn id="367" idx="7"/>
+              <a:endCxn id="368" idx="3"/>
+            </p:cNvCxnSpPr>
+            <p:nvPr/>
+          </p:nvCxnSpPr>
+          <p:spPr>
+            <a:xfrm flipV="1">
+              <a:off x="1608742" y="1264084"/>
+              <a:ext cx="44734" cy="47558"/>
+            </a:xfrm>
+            <a:prstGeom prst="line">
+              <a:avLst/>
+            </a:prstGeom>
+            <a:ln w="12700">
+              <a:solidFill>
+                <a:schemeClr val="tx1"/>
+              </a:solidFill>
+            </a:ln>
+          </p:spPr>
+          <p:style>
+            <a:lnRef idx="1">
+              <a:schemeClr val="accent1"/>
+            </a:lnRef>
+            <a:fillRef idx="0">
+              <a:schemeClr val="accent1"/>
+            </a:fillRef>
+            <a:effectRef idx="0">
+              <a:schemeClr val="accent1"/>
+            </a:effectRef>
+            <a:fontRef idx="minor">
+              <a:schemeClr val="tx1"/>
+            </a:fontRef>
+          </p:style>
+        </p:cxnSp>
+        <p:cxnSp>
+          <p:nvCxnSpPr>
+            <p:cNvPr id="381" name="Straight Connector 380">
+              <a:extLst>
+                <a:ext uri="{FF2B5EF4-FFF2-40B4-BE49-F238E27FC236}">
+                  <a16:creationId xmlns:a16="http://schemas.microsoft.com/office/drawing/2014/main" id="{3D9C1496-6522-EC14-F18C-B77FE458C559}"/>
+                </a:ext>
+              </a:extLst>
+            </p:cNvPr>
+            <p:cNvCxnSpPr>
+              <a:cxnSpLocks/>
+              <a:stCxn id="367" idx="1"/>
+              <a:endCxn id="369" idx="5"/>
+            </p:cNvCxnSpPr>
+            <p:nvPr/>
+          </p:nvCxnSpPr>
+          <p:spPr>
+            <a:xfrm flipH="1" flipV="1">
+              <a:off x="1493311" y="1264486"/>
+              <a:ext cx="50143" cy="47156"/>
+            </a:xfrm>
+            <a:prstGeom prst="line">
+              <a:avLst/>
+            </a:prstGeom>
+            <a:ln w="12700">
+              <a:solidFill>
+                <a:schemeClr val="tx1"/>
+              </a:solidFill>
+            </a:ln>
+          </p:spPr>
+          <p:style>
+            <a:lnRef idx="1">
+              <a:schemeClr val="accent1"/>
+            </a:lnRef>
+            <a:fillRef idx="0">
+              <a:schemeClr val="accent1"/>
+            </a:fillRef>
+            <a:effectRef idx="0">
+              <a:schemeClr val="accent1"/>
+            </a:effectRef>
+            <a:fontRef idx="minor">
+              <a:schemeClr val="tx1"/>
+            </a:fontRef>
+          </p:style>
+        </p:cxnSp>
+      </p:grpSp>
+    </p:spTree>
+    <p:extLst>
+      <p:ext uri="{BB962C8B-B14F-4D97-AF65-F5344CB8AC3E}">
+        <p14:creationId xmlns:p14="http://schemas.microsoft.com/office/powerpoint/2010/main" val="2899298999"/>
       </p:ext>
     </p:extLst>
   </p:cSld>
